--- a/aptSurfer.pptx
+++ b/aptSurfer.pptx
@@ -2,7 +2,7 @@
 <file path=ppt/presentation.xml><?xml version="1.0" encoding="utf-8"?>
 <p:presentation xmlns:a="http://schemas.openxmlformats.org/drawingml/2006/main" xmlns:r="http://schemas.openxmlformats.org/officeDocument/2006/relationships" xmlns:p="http://schemas.openxmlformats.org/presentationml/2006/main" xmlns:p14="http://schemas.microsoft.com/office/powerpoint/2010/main" saveSubsetFonts="1">
   <p:sldMasterIdLst>
-    <p:sldMasterId id="2147483836" r:id="rId13"/>
+    <p:sldMasterId id="2147483843" r:id="rId13"/>
   </p:sldMasterIdLst>
   <p:notesMasterIdLst>
     <p:notesMasterId r:id="rId17"/>
@@ -13,12 +13,15 @@
   <p:sldIdLst>
     <p:sldId id="260" r:id="rId19"/>
     <p:sldId id="256" r:id="rId20"/>
-    <p:sldId id="257" r:id="rId21"/>
-    <p:sldId id="258" r:id="rId22"/>
-    <p:sldId id="259" r:id="rId23"/>
-    <p:sldId id="261" r:id="rId24"/>
-    <p:sldId id="262" r:id="rId25"/>
-    <p:sldId id="263" r:id="rId26"/>
+    <p:sldId id="257" r:id="rId22"/>
+    <p:sldId id="258" r:id="rId23"/>
+    <p:sldId id="259" r:id="rId24"/>
+    <p:sldId id="261" r:id="rId25"/>
+    <p:sldId id="262" r:id="rId26"/>
+    <p:sldId id="266" r:id="rId27"/>
+    <p:sldId id="264" r:id="rId28"/>
+    <p:sldId id="265" r:id="rId29"/>
+    <p:sldId id="263" r:id="rId30"/>
   </p:sldIdLst>
   <p:sldSz cx="12192000" cy="6858000"/>
   <p:notesSz cx="6858000" cy="9144000"/>
@@ -5679,6 +5682,360 @@
 </p:sld>
 </file>
 
+<file path=ppt/slides/slide10.xml><?xml version="1.0" encoding="utf-8"?>
+<p:sld xmlns:a="http://schemas.openxmlformats.org/drawingml/2006/main" xmlns:r="http://schemas.openxmlformats.org/officeDocument/2006/relationships" xmlns:p="http://schemas.openxmlformats.org/presentationml/2006/main">
+  <p:cSld>
+    <p:spTree>
+      <p:nvGrpSpPr>
+        <p:cNvPr id="1" name=""/>
+        <p:cNvGrpSpPr/>
+        <p:nvPr/>
+      </p:nvGrpSpPr>
+      <p:grpSpPr>
+        <a:xfrm>
+          <a:off x="0" y="0"/>
+          <a:ext cx="0" cy="0"/>
+          <a:chOff x="0" y="0"/>
+          <a:chExt cx="0" cy="0"/>
+        </a:xfrm>
+      </p:grpSpPr>
+      <p:sp>
+        <p:nvSpPr>
+          <p:cNvPr id="2" name="제목 29"/>
+          <p:cNvSpPr txBox="1">
+            <a:spLocks/>
+          </p:cNvSpPr>
+          <p:nvPr>
+            <p:ph type="title" idx="2"/>
+          </p:nvPr>
+        </p:nvSpPr>
+        <p:spPr>
+          <a:xfrm rot="0">
+            <a:off x="679450" y="445135"/>
+            <a:ext cx="10843895" cy="1144905"/>
+          </a:xfrm>
+          <a:prstGeom prst="rect"/>
+        </p:spPr>
+        <p:txBody>
+          <a:bodyPr wrap="square" lIns="91440" tIns="45720" rIns="91440" bIns="45720" numCol="1" vert="horz" anchor="ctr">
+            <a:normAutofit fontScale="100000" lnSpcReduction="0"/>
+          </a:bodyPr>
+          <a:lstStyle/>
+          <a:p>
+            <a:pPr marL="0" indent="0" rtl="0" algn="ctr" defTabSz="914400" eaLnBrk="1" latinLnBrk="0" hangingPunct="1">
+              <a:buFontTx/>
+              <a:buNone/>
+            </a:pPr>
+            <a:r>
+              <a:rPr lang="ko-KR" altLang="en-US" sz="4400" b="1">
+                <a:latin typeface="맑은 고딕" charset="0"/>
+                <a:ea typeface="맑은 고딕" charset="0"/>
+                <a:cs typeface="+mj-cs"/>
+              </a:rPr>
+              <a:t>3.</a:t>
+            </a:r>
+            <a:r>
+              <a:rPr lang="ko-KR" altLang="en-US" sz="4400" b="1">
+                <a:latin typeface="맑은 고딕" charset="0"/>
+                <a:ea typeface="맑은 고딕" charset="0"/>
+                <a:cs typeface="+mj-cs"/>
+              </a:rPr>
+              <a:t> 화면 설계</a:t>
+            </a:r>
+            <a:endParaRPr lang="ko-KR" altLang="en-US" sz="4400" b="1">
+              <a:latin typeface="맑은 고딕" charset="0"/>
+              <a:ea typeface="맑은 고딕" charset="0"/>
+              <a:cs typeface="+mj-cs"/>
+            </a:endParaRPr>
+          </a:p>
+        </p:txBody>
+      </p:sp>
+      <p:sp>
+        <p:nvSpPr>
+          <p:cNvPr id="4" name="텍스트 개체 틀 31"/>
+          <p:cNvSpPr txBox="1">
+            <a:spLocks/>
+          </p:cNvSpPr>
+          <p:nvPr>
+            <p:ph type="title" idx="3"/>
+          </p:nvPr>
+        </p:nvSpPr>
+        <p:spPr>
+          <a:xfrm rot="0">
+            <a:off x="1377315" y="1378585"/>
+            <a:ext cx="8427085" cy="763270"/>
+          </a:xfrm>
+          <a:prstGeom prst="rect"/>
+        </p:spPr>
+        <p:txBody>
+          <a:bodyPr wrap="square" lIns="91440" tIns="45720" rIns="91440" bIns="45720" numCol="1" vert="horz" anchor="ctr">
+            <a:noAutofit/>
+          </a:bodyPr>
+          <a:lstStyle/>
+          <a:p>
+            <a:pPr marL="0" indent="0" rtl="0" algn="l" defTabSz="914400" eaLnBrk="1" latinLnBrk="0" hangingPunct="1">
+              <a:buFontTx/>
+              <a:buNone/>
+            </a:pPr>
+            <a:r>
+              <a:rPr lang="ko-KR" sz="3200" b="1">
+                <a:latin typeface="Calibri" charset="0"/>
+                <a:ea typeface="맑은 고딕" charset="0"/>
+              </a:rPr>
+              <a:t>3.5.</a:t>
+            </a:r>
+            <a:r>
+              <a:rPr lang="ko-KR" sz="3200" b="1">
+                <a:latin typeface="Calibri" charset="0"/>
+                <a:ea typeface="맑은 고딕" charset="0"/>
+              </a:rPr>
+              <a:t> 웹뷰 컨텐츠</a:t>
+            </a:r>
+            <a:endParaRPr lang="ko-KR" altLang="en-US" sz="3200" b="1">
+              <a:latin typeface="Calibri" charset="0"/>
+              <a:ea typeface="맑은 고딕" charset="0"/>
+            </a:endParaRPr>
+          </a:p>
+        </p:txBody>
+      </p:sp>
+      <p:pic>
+        <p:nvPicPr>
+          <p:cNvPr id="8" name="Picture " descr="C:/Users/abc28/AppData/Roaming/PolarisOffice/ETemp/14892_14092000/fImage528831816500.png"/>
+          <p:cNvPicPr>
+            <a:picLocks noChangeAspect="1"/>
+          </p:cNvPicPr>
+          <p:nvPr/>
+        </p:nvPicPr>
+        <p:blipFill rotWithShape="1">
+          <a:blip r:embed="rId2" cstate="print">
+            <a:extLst>
+              <a:ext uri="{28A0092B-C50C-407E-A947-70E740481C1C}">
+                <a14:useLocalDpi xmlns:a14="http://schemas.microsoft.com/office/drawing/2010/main" val="0"/>
+              </a:ext>
+            </a:extLst>
+          </a:blip>
+          <a:stretch>
+            <a:fillRect/>
+          </a:stretch>
+        </p:blipFill>
+        <p:spPr>
+          <a:xfrm rot="0">
+            <a:off x="2458720" y="2139315"/>
+            <a:ext cx="1899920" cy="4056380"/>
+          </a:xfrm>
+          <a:prstGeom prst="rect"/>
+          <a:noFill/>
+        </p:spPr>
+      </p:pic>
+      <p:pic>
+        <p:nvPicPr>
+          <p:cNvPr id="9" name="Picture " descr="C:/Users/abc28/AppData/Roaming/PolarisOffice/ETemp/14892_14092000/fImage1251781829169.png"/>
+          <p:cNvPicPr>
+            <a:picLocks noChangeAspect="1"/>
+          </p:cNvPicPr>
+          <p:nvPr/>
+        </p:nvPicPr>
+        <p:blipFill rotWithShape="1">
+          <a:blip r:embed="rId3" cstate="print">
+            <a:extLst>
+              <a:ext uri="{28A0092B-C50C-407E-A947-70E740481C1C}">
+                <a14:useLocalDpi xmlns:a14="http://schemas.microsoft.com/office/drawing/2010/main" val="0"/>
+              </a:ext>
+            </a:extLst>
+          </a:blip>
+          <a:stretch>
+            <a:fillRect/>
+          </a:stretch>
+        </p:blipFill>
+        <p:spPr>
+          <a:xfrm rot="0">
+            <a:off x="5258435" y="2139950"/>
+            <a:ext cx="1917700" cy="4077335"/>
+          </a:xfrm>
+          <a:prstGeom prst="rect"/>
+          <a:noFill/>
+        </p:spPr>
+      </p:pic>
+      <p:pic>
+        <p:nvPicPr>
+          <p:cNvPr id="10" name="Picture " descr="C:/Users/abc28/AppData/Roaming/PolarisOffice/ETemp/14892_14092000/fImage1246281835724.png"/>
+          <p:cNvPicPr>
+            <a:picLocks noChangeAspect="1"/>
+          </p:cNvPicPr>
+          <p:nvPr/>
+        </p:nvPicPr>
+        <p:blipFill rotWithShape="1">
+          <a:blip r:embed="rId4" cstate="print">
+            <a:extLst>
+              <a:ext uri="{28A0092B-C50C-407E-A947-70E740481C1C}">
+                <a14:useLocalDpi xmlns:a14="http://schemas.microsoft.com/office/drawing/2010/main" val="0"/>
+              </a:ext>
+            </a:extLst>
+          </a:blip>
+          <a:stretch>
+            <a:fillRect/>
+          </a:stretch>
+        </p:blipFill>
+        <p:spPr>
+          <a:xfrm rot="0">
+            <a:off x="7911465" y="2139315"/>
+            <a:ext cx="1917700" cy="4015105"/>
+          </a:xfrm>
+          <a:prstGeom prst="rect"/>
+          <a:noFill/>
+        </p:spPr>
+      </p:pic>
+    </p:spTree>
+  </p:cSld>
+  <p:clrMapOvr>
+    <a:masterClrMapping/>
+  </p:clrMapOvr>
+  <mc:AlternateContent xmlns:mc="http://schemas.openxmlformats.org/markup-compatibility/2006">
+    <mc:Choice xmlns:p14="http://schemas.microsoft.com/office/powerpoint/2010/main" Requires="p14">
+      <p:transition spd="slow" p14:dur="1000"/>
+    </mc:Choice>
+    <mc:Fallback>
+      <p:transition spd="slow"/>
+    </mc:Fallback>
+  </mc:AlternateContent>
+  <p:timing>
+    <p:tnLst>
+      <p:par>
+        <p:cTn id="1" dur="indefinite" restart="never" nodeType="tmRoot"/>
+      </p:par>
+    </p:tnLst>
+  </p:timing>
+</p:sld>
+</file>
+
+<file path=ppt/slides/slide11.xml><?xml version="1.0" encoding="utf-8"?>
+<p:sld xmlns:a="http://schemas.openxmlformats.org/drawingml/2006/main" xmlns:r="http://schemas.openxmlformats.org/officeDocument/2006/relationships" xmlns:p="http://schemas.openxmlformats.org/presentationml/2006/main">
+  <p:cSld>
+    <p:spTree>
+      <p:nvGrpSpPr>
+        <p:cNvPr id="1" name=""/>
+        <p:cNvGrpSpPr/>
+        <p:nvPr/>
+      </p:nvGrpSpPr>
+      <p:grpSpPr>
+        <a:xfrm>
+          <a:off x="0" y="0"/>
+          <a:ext cx="0" cy="0"/>
+          <a:chOff x="0" y="0"/>
+          <a:chExt cx="0" cy="0"/>
+        </a:xfrm>
+      </p:grpSpPr>
+      <p:sp>
+        <p:nvSpPr>
+          <p:cNvPr id="2" name="제목 1"/>
+          <p:cNvSpPr txBox="1">
+            <a:spLocks/>
+          </p:cNvSpPr>
+          <p:nvPr>
+            <p:ph type="title"/>
+          </p:nvPr>
+        </p:nvSpPr>
+        <p:spPr>
+          <a:xfrm rot="0">
+            <a:off x="609600" y="808355"/>
+            <a:ext cx="10974070" cy="1144270"/>
+          </a:xfrm>
+          <a:prstGeom prst="rect"/>
+        </p:spPr>
+        <p:txBody>
+          <a:bodyPr wrap="square" lIns="91440" tIns="45720" rIns="91440" bIns="45720" numCol="1" vert="horz" anchor="ctr">
+            <a:normAutofit fontScale="100000" lnSpcReduction="0"/>
+          </a:bodyPr>
+          <a:lstStyle/>
+          <a:p>
+            <a:pPr marL="0" indent="0" rtl="0"/>
+            <a:r>
+              <a:rPr lang="ko-KR" altLang="en-US" sz="4400" b="1">
+                <a:latin typeface="맑은 고딕" charset="0"/>
+                <a:ea typeface="맑은 고딕" charset="0"/>
+                <a:cs typeface="+mn-cs"/>
+              </a:rPr>
+              <a:t>깃허브</a:t>
+            </a:r>
+            <a:r>
+              <a:rPr lang="ko-KR" altLang="en-US" sz="4400" b="1">
+                <a:latin typeface="+mn-lt"/>
+                <a:ea typeface="+mn-ea"/>
+                <a:cs typeface="+mn-cs"/>
+              </a:rPr>
+              <a:t> </a:t>
+            </a:r>
+            <a:r>
+              <a:rPr lang="ko-KR" altLang="en-US" sz="4400" b="1">
+                <a:latin typeface="+mn-lt"/>
+                <a:ea typeface="+mn-ea"/>
+                <a:cs typeface="+mn-cs"/>
+              </a:rPr>
+              <a:t>주소</a:t>
+            </a:r>
+            <a:endParaRPr lang="ko-KR" altLang="en-US" sz="4400" b="1">
+              <a:latin typeface="+mn-lt"/>
+              <a:ea typeface="+mn-ea"/>
+              <a:cs typeface="+mn-cs"/>
+            </a:endParaRPr>
+          </a:p>
+        </p:txBody>
+      </p:sp>
+      <p:sp>
+        <p:nvSpPr>
+          <p:cNvPr id="3" name="내용 개체 틀 2"/>
+          <p:cNvSpPr txBox="1">
+            <a:spLocks/>
+          </p:cNvSpPr>
+          <p:nvPr>
+            <p:ph type="obj" idx="1"/>
+          </p:nvPr>
+        </p:nvSpPr>
+        <p:spPr>
+          <a:xfrm rot="0">
+            <a:off x="2286000" y="2981325"/>
+            <a:ext cx="7620635" cy="905510"/>
+          </a:xfrm>
+          <a:prstGeom prst="rect"/>
+        </p:spPr>
+        <p:txBody>
+          <a:bodyPr wrap="square" lIns="91440" tIns="45720" rIns="91440" bIns="45720" numCol="1" vert="horz" anchor="t">
+            <a:normAutofit fontScale="100000" lnSpcReduction="0"/>
+          </a:bodyPr>
+          <a:lstStyle/>
+          <a:p>
+            <a:pPr marL="342900" indent="-342900" latinLnBrk="0">
+              <a:buFont typeface="Arial"/>
+              <a:buChar char="•"/>
+            </a:pPr>
+            <a:r>
+              <a:rPr lang="ko-KR" altLang="en-US" sz="2800">
+                <a:latin typeface="맑은 고딕" charset="0"/>
+                <a:ea typeface="맑은 고딕" charset="0"/>
+                <a:cs typeface="+mn-cs"/>
+              </a:rPr>
+              <a:t>https://github.com/yeongbhinkim/aptPrice</a:t>
+            </a:r>
+            <a:endParaRPr lang="ko-KR" altLang="en-US"/>
+          </a:p>
+        </p:txBody>
+      </p:sp>
+    </p:spTree>
+  </p:cSld>
+  <p:clrMapOvr>
+    <a:masterClrMapping/>
+  </p:clrMapOvr>
+  <mc:AlternateContent xmlns:mc="http://schemas.openxmlformats.org/markup-compatibility/2006">
+    <mc:Choice xmlns:p14="http://schemas.microsoft.com/office/powerpoint/2010/main" Requires="p14">
+      <p:transition spd="slow" p14:dur="1000"/>
+    </mc:Choice>
+    <mc:Fallback>
+      <p:transition spd="slow"/>
+    </mc:Fallback>
+  </mc:AlternateContent>
+</p:sld>
+</file>
+
 <file path=ppt/slides/slide2.xml><?xml version="1.0" encoding="utf-8"?>
 <p:sld xmlns:a="http://schemas.openxmlformats.org/drawingml/2006/main" xmlns:r="http://schemas.openxmlformats.org/officeDocument/2006/relationships" xmlns:p="http://schemas.openxmlformats.org/presentationml/2006/main" xmlns:p14="http://schemas.microsoft.com/office/powerpoint/2010/main">
   <p:cSld>
@@ -6502,7 +6859,7 @@
       </p:sp>
       <p:graphicFrame>
         <p:nvGraphicFramePr>
-          <p:cNvPr id="3" name="표 28"/>
+          <p:cNvPr id="3" name="표 9"/>
           <p:cNvGraphicFramePr>
             <a:graphicFrameLocks noGrp="1"/>
           </p:cNvGraphicFramePr>
@@ -6510,7 +6867,7 @@
         </p:nvGraphicFramePr>
         <p:xfrm>
           <a:off x="671830" y="1762760"/>
-          <a:ext cx="10833100" cy="3655695"/>
+          <a:ext cx="10833100" cy="4058920"/>
         </p:xfrm>
         <a:graphic>
           <a:graphicData uri="http://schemas.openxmlformats.org/drawingml/2006/table">
@@ -6522,22 +6879,25 @@
                 <a:gridCol w="1143000"/>
                 <a:gridCol w="1590675"/>
                 <a:gridCol w="1007745"/>
-                <a:gridCol w="886460"/>
-                <a:gridCol w="886460"/>
-                <a:gridCol w="886460"/>
-                <a:gridCol w="886460"/>
-                <a:gridCol w="886460"/>
-                <a:gridCol w="886460"/>
-                <a:gridCol w="886460"/>
-                <a:gridCol w="886460"/>
+                <a:gridCol w="708660"/>
+                <a:gridCol w="708660"/>
+                <a:gridCol w="708660"/>
+                <a:gridCol w="708660"/>
+                <a:gridCol w="708660"/>
+                <a:gridCol w="708660"/>
+                <a:gridCol w="708660"/>
+                <a:gridCol w="708660"/>
+                <a:gridCol w="708660"/>
+                <a:gridCol w="2540"/>
+                <a:gridCol w="711200"/>
               </a:tblGrid>
-              <a:tr h="217805">
+              <a:tr h="234950">
                 <a:tc gridSpan="3">
                   <a:txBody>
                     <a:bodyPr/>
                     <a:lstStyle/>
                     <a:p>
-                      <a:pPr marL="0" indent="0" rtl="0" algn="ctr" latinLnBrk="0">
+                      <a:pPr marL="0" indent="0" rtl="0" algn="ctr" latinLnBrk="0" lvl="1">
                         <a:buFontTx/>
                         <a:buNone/>
                       </a:pPr>
@@ -6630,12 +6990,12 @@
                     </a:p>
                   </a:txBody>
                 </a:tc>
-                <a:tc gridSpan="8">
+                <a:tc gridSpan="11">
                   <a:txBody>
                     <a:bodyPr/>
                     <a:lstStyle/>
                     <a:p>
-                      <a:pPr marL="0" indent="0" rtl="0" algn="ctr" latinLnBrk="0">
+                      <a:pPr marL="0" indent="0" rtl="0" algn="ctr" latinLnBrk="0" lvl="1">
                         <a:buFontTx/>
                         <a:buNone/>
                       </a:pPr>
@@ -6788,14 +7148,44 @@
                     </a:p>
                   </a:txBody>
                 </a:tc>
+                <a:tc hMerge="1">
+                  <a:txBody>
+                    <a:bodyPr/>
+                    <a:lstStyle/>
+                    <a:p>
+                      <a:pPr/>
+                      <a:endParaRPr lang="ko-KR" altLang="en-US" kern="1200"/>
+                    </a:p>
+                  </a:txBody>
+                </a:tc>
+                <a:tc hMerge="1">
+                  <a:txBody>
+                    <a:bodyPr/>
+                    <a:lstStyle/>
+                    <a:p>
+                      <a:pPr/>
+                      <a:endParaRPr lang="ko-KR" altLang="en-US" kern="1200"/>
+                    </a:p>
+                  </a:txBody>
+                </a:tc>
+                <a:tc hMerge="1">
+                  <a:txBody>
+                    <a:bodyPr/>
+                    <a:lstStyle/>
+                    <a:p>
+                      <a:pPr/>
+                      <a:endParaRPr lang="ko-KR" altLang="en-US" kern="1200"/>
+                    </a:p>
+                  </a:txBody>
+                </a:tc>
               </a:tr>
-              <a:tr h="227330">
+              <a:tr h="253365">
                 <a:tc>
                   <a:txBody>
                     <a:bodyPr/>
                     <a:lstStyle/>
                     <a:p>
-                      <a:pPr marL="0" indent="0" rtl="0" algn="ctr" latinLnBrk="0">
+                      <a:pPr marL="0" indent="0" rtl="0" algn="ctr" latinLnBrk="0" lvl="1">
                         <a:buFontTx/>
                         <a:buNone/>
                       </a:pPr>
@@ -6873,7 +7263,7 @@
                     <a:bodyPr/>
                     <a:lstStyle/>
                     <a:p>
-                      <a:pPr marL="0" indent="0" rtl="0" algn="ctr" latinLnBrk="0">
+                      <a:pPr marL="0" indent="0" rtl="0" algn="ctr" latinLnBrk="0" lvl="1">
                         <a:buFontTx/>
                         <a:buNone/>
                       </a:pPr>
@@ -6951,7 +7341,7 @@
                     <a:bodyPr/>
                     <a:lstStyle/>
                     <a:p>
-                      <a:pPr marL="0" indent="0" rtl="0" algn="ctr" latinLnBrk="0">
+                      <a:pPr marL="0" indent="0" rtl="0" algn="ctr" latinLnBrk="0" lvl="1">
                         <a:buFontTx/>
                         <a:buNone/>
                       </a:pPr>
@@ -7029,7 +7419,7 @@
                     <a:bodyPr/>
                     <a:lstStyle/>
                     <a:p>
-                      <a:pPr marL="0" indent="0" rtl="0" algn="ctr" latinLnBrk="0">
+                      <a:pPr marL="0" indent="0" rtl="0" algn="ctr" latinLnBrk="0" lvl="1">
                         <a:buFontTx/>
                         <a:buNone/>
                       </a:pPr>
@@ -7043,7 +7433,7 @@
                         </a:rPr>
                         <a:t>6일</a:t>
                       </a:r>
-                      <a:endParaRPr lang="ko-KR" altLang="en-US" sz="1400" kern="1200" i="0" cap="none" b="0" strike="noStrike">
+                      <a:endParaRPr lang="ko-KR" altLang="en-US" sz="1400" kern="1200" i="0" b="0">
                         <a:solidFill>
                           <a:schemeClr val="tx1"/>
                         </a:solidFill>
@@ -7107,7 +7497,7 @@
                     <a:bodyPr/>
                     <a:lstStyle/>
                     <a:p>
-                      <a:pPr marL="0" indent="0" rtl="0" algn="ctr" latinLnBrk="0">
+                      <a:pPr marL="0" indent="0" rtl="0" algn="ctr" latinLnBrk="0" lvl="1">
                         <a:buFontTx/>
                         <a:buNone/>
                       </a:pPr>
@@ -7195,7 +7585,7 @@
                     <a:bodyPr/>
                     <a:lstStyle/>
                     <a:p>
-                      <a:pPr marL="0" indent="0" rtl="0" algn="ctr" latinLnBrk="0">
+                      <a:pPr marL="0" indent="0" rtl="0" algn="ctr" latinLnBrk="0" lvl="1">
                         <a:buFontTx/>
                         <a:buNone/>
                       </a:pPr>
@@ -7283,7 +7673,7 @@
                     <a:bodyPr/>
                     <a:lstStyle/>
                     <a:p>
-                      <a:pPr marL="0" indent="0" rtl="0" algn="ctr" latinLnBrk="0">
+                      <a:pPr marL="0" indent="0" rtl="0" algn="ctr" latinLnBrk="0" lvl="1">
                         <a:buFontTx/>
                         <a:buNone/>
                       </a:pPr>
@@ -7371,7 +7761,7 @@
                     <a:bodyPr/>
                     <a:lstStyle/>
                     <a:p>
-                      <a:pPr marL="0" indent="0" rtl="0" algn="ctr" latinLnBrk="0">
+                      <a:pPr marL="0" indent="0" rtl="0" algn="ctr" latinLnBrk="0" lvl="1">
                         <a:buFontTx/>
                         <a:buNone/>
                       </a:pPr>
@@ -7383,17 +7773,7 @@
                           <a:latin typeface="맑은 고딕" charset="0"/>
                           <a:ea typeface="맑은 고딕" charset="0"/>
                         </a:rPr>
-                        <a:t>1</a:t>
-                      </a:r>
-                      <a:r>
-                        <a:rPr sz="1400" kern="1200" cap="none" i="0" b="0" strike="noStrike">
-                          <a:solidFill>
-                            <a:schemeClr val="tx1"/>
-                          </a:solidFill>
-                          <a:latin typeface="맑은 고딕" charset="0"/>
-                          <a:ea typeface="맑은 고딕" charset="0"/>
-                        </a:rPr>
-                        <a:t>0</a:t>
+                        <a:t>10</a:t>
                       </a:r>
                       <a:r>
                         <a:rPr lang="ko-KR" sz="1400" kern="1200" cap="none" i="0" b="0" strike="noStrike">
@@ -7469,7 +7849,7 @@
                     <a:bodyPr/>
                     <a:lstStyle/>
                     <a:p>
-                      <a:pPr marL="0" indent="0" rtl="0" algn="ctr" latinLnBrk="0">
+                      <a:pPr marL="0" indent="0" rtl="0" algn="ctr" latinLnBrk="0" lvl="1">
                         <a:buFontTx/>
                         <a:buNone/>
                       </a:pPr>
@@ -7481,17 +7861,7 @@
                           <a:latin typeface="맑은 고딕" charset="0"/>
                           <a:ea typeface="맑은 고딕" charset="0"/>
                         </a:rPr>
-                        <a:t>1</a:t>
-                      </a:r>
-                      <a:r>
-                        <a:rPr sz="1400" kern="1200" cap="none" i="0" b="0" strike="noStrike">
-                          <a:solidFill>
-                            <a:schemeClr val="tx1"/>
-                          </a:solidFill>
-                          <a:latin typeface="맑은 고딕" charset="0"/>
-                          <a:ea typeface="맑은 고딕" charset="0"/>
-                        </a:rPr>
-                        <a:t>1</a:t>
+                        <a:t>11</a:t>
                       </a:r>
                       <a:r>
                         <a:rPr lang="ko-KR" sz="1400" kern="1200" cap="none" i="0" b="0" strike="noStrike">
@@ -7567,7 +7937,7 @@
                     <a:bodyPr/>
                     <a:lstStyle/>
                     <a:p>
-                      <a:pPr marL="0" indent="0" rtl="0" algn="ctr" latinLnBrk="0">
+                      <a:pPr marL="0" indent="0" rtl="0" algn="ctr" latinLnBrk="0" lvl="1">
                         <a:buFontTx/>
                         <a:buNone/>
                       </a:pPr>
@@ -7579,17 +7949,7 @@
                           <a:latin typeface="맑은 고딕" charset="0"/>
                           <a:ea typeface="맑은 고딕" charset="0"/>
                         </a:rPr>
-                        <a:t>1</a:t>
-                      </a:r>
-                      <a:r>
-                        <a:rPr sz="1400" kern="1200" cap="none" i="0" b="0" strike="noStrike">
-                          <a:solidFill>
-                            <a:schemeClr val="tx1"/>
-                          </a:solidFill>
-                          <a:latin typeface="맑은 고딕" charset="0"/>
-                          <a:ea typeface="맑은 고딕" charset="0"/>
-                        </a:rPr>
-                        <a:t>2</a:t>
+                        <a:t>12</a:t>
                       </a:r>
                       <a:r>
                         <a:rPr lang="ko-KR" sz="1400" kern="1200" cap="none" i="0" b="0" strike="noStrike">
@@ -7665,7 +8025,7 @@
                     <a:bodyPr/>
                     <a:lstStyle/>
                     <a:p>
-                      <a:pPr marL="0" indent="0" rtl="0" algn="ctr" latinLnBrk="0">
+                      <a:pPr marL="0" indent="0" rtl="0" algn="ctr" latinLnBrk="0" lvl="1">
                         <a:buFontTx/>
                         <a:buNone/>
                       </a:pPr>
@@ -7677,17 +8037,7 @@
                           <a:latin typeface="맑은 고딕" charset="0"/>
                           <a:ea typeface="맑은 고딕" charset="0"/>
                         </a:rPr>
-                        <a:t>1</a:t>
-                      </a:r>
-                      <a:r>
-                        <a:rPr sz="1400" kern="1200" cap="none" i="0" b="0" strike="noStrike">
-                          <a:solidFill>
-                            <a:schemeClr val="tx1"/>
-                          </a:solidFill>
-                          <a:latin typeface="맑은 고딕" charset="0"/>
-                          <a:ea typeface="맑은 고딕" charset="0"/>
-                        </a:rPr>
-                        <a:t>3</a:t>
+                        <a:t>13</a:t>
                       </a:r>
                       <a:r>
                         <a:rPr lang="ko-KR" sz="1400" kern="1200" cap="none" i="0" b="0" strike="noStrike">
@@ -7758,14 +8108,210 @@
                     </a:solidFill>
                   </a:tcPr>
                 </a:tc>
+                <a:tc>
+                  <a:txBody>
+                    <a:bodyPr/>
+                    <a:lstStyle/>
+                    <a:p>
+                      <a:pPr marL="0" indent="0" rtl="0" algn="ctr" latinLnBrk="0" lvl="1">
+                        <a:buFontTx/>
+                        <a:buNone/>
+                      </a:pPr>
+                      <a:r>
+                        <a:rPr sz="1400" kern="1200" cap="none" i="0" b="0" strike="noStrike">
+                          <a:solidFill>
+                            <a:schemeClr val="tx1"/>
+                          </a:solidFill>
+                          <a:latin typeface="맑은 고딕" charset="0"/>
+                          <a:ea typeface="맑은 고딕" charset="0"/>
+                        </a:rPr>
+                        <a:t>1</a:t>
+                      </a:r>
+                      <a:r>
+                        <a:rPr sz="1400" kern="1200" cap="none" i="0" b="0" strike="noStrike">
+                          <a:solidFill>
+                            <a:schemeClr val="tx1"/>
+                          </a:solidFill>
+                          <a:latin typeface="맑은 고딕" charset="0"/>
+                          <a:ea typeface="맑은 고딕" charset="0"/>
+                        </a:rPr>
+                        <a:t>4</a:t>
+                      </a:r>
+                      <a:r>
+                        <a:rPr lang="ko-KR" sz="1400" kern="1200" cap="none" i="0" b="0" strike="noStrike">
+                          <a:solidFill>
+                            <a:schemeClr val="tx1"/>
+                          </a:solidFill>
+                          <a:latin typeface="맑은 고딕" charset="0"/>
+                          <a:ea typeface="맑은 고딕" charset="0"/>
+                        </a:rPr>
+                        <a:t>일</a:t>
+                      </a:r>
+                      <a:endParaRPr lang="ko-KR" altLang="en-US" sz="1400" kern="1200" i="0" cap="none" b="0" strike="noStrike">
+                        <a:solidFill>
+                          <a:schemeClr val="tx1"/>
+                        </a:solidFill>
+                        <a:latin typeface="맑은 고딕" charset="0"/>
+                        <a:ea typeface="맑은 고딕" charset="0"/>
+                      </a:endParaRPr>
+                    </a:p>
+                  </a:txBody>
+                  <a:tcPr marL="2540" marR="2540" marT="2540" marB="0" anchor="ctr">
+                    <a:lnL w="9525" cap="flat" cmpd="sng" algn="ctr">
+                      <a:solidFill>
+                        <a:srgbClr val="000000">
+                          <a:alpha val="100000"/>
+                        </a:srgbClr>
+                      </a:solidFill>
+                      <a:prstDash val="solid"/>
+                      <a:round/>
+                      <a:headEnd type="none" w="med" len="med"/>
+                      <a:tailEnd type="none" w="med" len="med"/>
+                    </a:lnL>
+                    <a:lnR w="9525" cap="flat" cmpd="sng" algn="ctr">
+                      <a:solidFill>
+                        <a:srgbClr val="000000">
+                          <a:alpha val="100000"/>
+                        </a:srgbClr>
+                      </a:solidFill>
+                      <a:prstDash val="solid"/>
+                      <a:round/>
+                      <a:headEnd type="none" w="med" len="med"/>
+                      <a:tailEnd type="none" w="med" len="med"/>
+                    </a:lnR>
+                    <a:lnT w="9525" cap="flat" cmpd="sng" algn="ctr">
+                      <a:solidFill>
+                        <a:srgbClr val="000000">
+                          <a:alpha val="100000"/>
+                        </a:srgbClr>
+                      </a:solidFill>
+                      <a:prstDash val="solid"/>
+                      <a:round/>
+                      <a:headEnd type="none" w="med" len="med"/>
+                      <a:tailEnd type="none" w="med" len="med"/>
+                    </a:lnT>
+                    <a:lnB w="12700" cap="flat" cmpd="sng" algn="ctr">
+                      <a:solidFill>
+                        <a:srgbClr val="000000">
+                          <a:alpha val="100000"/>
+                        </a:srgbClr>
+                      </a:solidFill>
+                      <a:prstDash val="solid"/>
+                      <a:round/>
+                      <a:headEnd type="none" w="med" len="med"/>
+                      <a:tailEnd type="none" w="med" len="med"/>
+                    </a:lnB>
+                    <a:solidFill>
+                      <a:srgbClr val="FDF8F2"/>
+                    </a:solidFill>
+                  </a:tcPr>
+                </a:tc>
+                <a:tc gridSpan="2">
+                  <a:txBody>
+                    <a:bodyPr/>
+                    <a:lstStyle/>
+                    <a:p>
+                      <a:pPr marL="0" indent="0" rtl="0" algn="ctr" latinLnBrk="0" lvl="1">
+                        <a:buFontTx/>
+                        <a:buNone/>
+                      </a:pPr>
+                      <a:r>
+                        <a:rPr sz="1400" kern="1200" cap="none" i="0" b="0" strike="noStrike">
+                          <a:solidFill>
+                            <a:schemeClr val="tx1"/>
+                          </a:solidFill>
+                          <a:latin typeface="맑은 고딕" charset="0"/>
+                          <a:ea typeface="맑은 고딕" charset="0"/>
+                        </a:rPr>
+                        <a:t>1</a:t>
+                      </a:r>
+                      <a:r>
+                        <a:rPr lang="ko-KR" sz="1400" kern="1200" cap="none" i="0" b="0" strike="noStrike">
+                          <a:solidFill>
+                            <a:schemeClr val="tx1"/>
+                          </a:solidFill>
+                          <a:latin typeface="맑은 고딕" charset="0"/>
+                          <a:ea typeface="맑은 고딕" charset="0"/>
+                        </a:rPr>
+                        <a:t>5일</a:t>
+                      </a:r>
+                      <a:endParaRPr lang="ko-KR" altLang="en-US" sz="1400" kern="1200" i="0" cap="none" b="0" strike="noStrike">
+                        <a:solidFill>
+                          <a:schemeClr val="tx1"/>
+                        </a:solidFill>
+                        <a:latin typeface="맑은 고딕" charset="0"/>
+                        <a:ea typeface="맑은 고딕" charset="0"/>
+                      </a:endParaRPr>
+                    </a:p>
+                  </a:txBody>
+                  <a:tcPr marL="2540" marR="2540" marT="2540" marB="0" anchor="ctr">
+                    <a:lnL w="9525" cap="flat" cmpd="sng" algn="ctr">
+                      <a:solidFill>
+                        <a:srgbClr val="000000">
+                          <a:alpha val="100000"/>
+                        </a:srgbClr>
+                      </a:solidFill>
+                      <a:prstDash val="solid"/>
+                      <a:round/>
+                      <a:headEnd type="none" w="med" len="med"/>
+                      <a:tailEnd type="none" w="med" len="med"/>
+                    </a:lnL>
+                    <a:lnR w="9525" cap="flat" cmpd="sng" algn="ctr">
+                      <a:solidFill>
+                        <a:srgbClr val="000000">
+                          <a:alpha val="100000"/>
+                        </a:srgbClr>
+                      </a:solidFill>
+                      <a:prstDash val="solid"/>
+                      <a:round/>
+                      <a:headEnd type="none" w="med" len="med"/>
+                      <a:tailEnd type="none" w="med" len="med"/>
+                    </a:lnR>
+                    <a:lnT w="9525" cap="flat" cmpd="sng" algn="ctr">
+                      <a:solidFill>
+                        <a:srgbClr val="000000">
+                          <a:alpha val="100000"/>
+                        </a:srgbClr>
+                      </a:solidFill>
+                      <a:prstDash val="solid"/>
+                      <a:round/>
+                      <a:headEnd type="none" w="med" len="med"/>
+                      <a:tailEnd type="none" w="med" len="med"/>
+                    </a:lnT>
+                    <a:lnB w="12700" cap="flat" cmpd="sng" algn="ctr">
+                      <a:solidFill>
+                        <a:srgbClr val="000000">
+                          <a:alpha val="100000"/>
+                        </a:srgbClr>
+                      </a:solidFill>
+                      <a:prstDash val="solid"/>
+                      <a:round/>
+                      <a:headEnd type="none" w="med" len="med"/>
+                      <a:tailEnd type="none" w="med" len="med"/>
+                    </a:lnB>
+                    <a:solidFill>
+                      <a:srgbClr val="FDF8F2"/>
+                    </a:solidFill>
+                  </a:tcPr>
+                </a:tc>
+                <a:tc hMerge="1">
+                  <a:txBody>
+                    <a:bodyPr/>
+                    <a:lstStyle/>
+                    <a:p>
+                      <a:pPr/>
+                      <a:endParaRPr lang="ko-KR" altLang="en-US" kern="1200"/>
+                    </a:p>
+                  </a:txBody>
+                </a:tc>
               </a:tr>
-              <a:tr h="367665">
+              <a:tr h="356870">
                 <a:tc rowSpan="2">
                   <a:txBody>
                     <a:bodyPr/>
                     <a:lstStyle/>
                     <a:p>
-                      <a:pPr marL="0" indent="0" rtl="0" algn="ctr" latinLnBrk="0">
+                      <a:pPr marL="0" indent="0" rtl="0" algn="ctr" latinLnBrk="0" lvl="1">
                         <a:buFontTx/>
                         <a:buNone/>
                       </a:pPr>
@@ -7843,7 +8389,7 @@
                     <a:bodyPr/>
                     <a:lstStyle/>
                     <a:p>
-                      <a:pPr marL="0" indent="0" rtl="0" algn="ctr" latinLnBrk="0">
+                      <a:pPr marL="0" indent="0" rtl="0" algn="ctr" latinLnBrk="0" lvl="1">
                         <a:buFontTx/>
                         <a:buNone/>
                       </a:pPr>
@@ -7950,7 +8496,7 @@
                     <a:bodyPr/>
                     <a:lstStyle/>
                     <a:p>
-                      <a:pPr marL="0" indent="0" rtl="0" algn="ctr" latinLnBrk="0">
+                      <a:pPr marL="0" indent="0" rtl="0" algn="ctr" latinLnBrk="0" lvl="1">
                         <a:buFontTx/>
                         <a:buNone/>
                       </a:pPr>
@@ -8028,7 +8574,7 @@
                     <a:bodyPr/>
                     <a:lstStyle/>
                     <a:p>
-                      <a:pPr marL="0" indent="0" rtl="0" algn="ctr" latinLnBrk="0">
+                      <a:pPr marL="0" indent="0" rtl="0" algn="ctr" latinLnBrk="0" lvl="1">
                         <a:buFontTx/>
                         <a:buNone/>
                       </a:pPr>
@@ -8070,37 +8616,7 @@
                           <a:latin typeface="맑은 고딕" charset="0"/>
                           <a:ea typeface="맑은 고딕" charset="0"/>
                         </a:rPr>
-                        <a:t>~</a:t>
-                      </a:r>
-                      <a:r>
-                        <a:rPr sz="1400" kern="1200" cap="none" i="0" b="0" strike="noStrike">
-                          <a:solidFill>
-                            <a:schemeClr val="tx1"/>
-                          </a:solidFill>
-                          <a:latin typeface="맑은 고딕" charset="0"/>
-                          <a:ea typeface="맑은 고딕" charset="0"/>
-                        </a:rPr>
-                        <a:t>2</a:t>
-                      </a:r>
-                      <a:r>
-                        <a:rPr sz="1400" kern="1200" cap="none" i="0" b="0" strike="noStrike">
-                          <a:solidFill>
-                            <a:schemeClr val="tx1"/>
-                          </a:solidFill>
-                          <a:latin typeface="맑은 고딕" charset="0"/>
-                          <a:ea typeface="맑은 고딕" charset="0"/>
-                        </a:rPr>
-                        <a:t>/</a:t>
-                      </a:r>
-                      <a:r>
-                        <a:rPr sz="1400" kern="1200" cap="none" i="0" b="0" strike="noStrike">
-                          <a:solidFill>
-                            <a:schemeClr val="tx1"/>
-                          </a:solidFill>
-                          <a:latin typeface="맑은 고딕" charset="0"/>
-                          <a:ea typeface="맑은 고딕" charset="0"/>
-                        </a:rPr>
-                        <a:t>7</a:t>
+                        <a:t>~2/7</a:t>
                       </a:r>
                       <a:endParaRPr lang="ko-KR" altLang="en-US" sz="1400" kern="1200" i="0" cap="none" b="0" strike="noStrike">
                         <a:solidFill>
@@ -8173,95 +8689,6 @@
                     <a:solidFill>
                       <a:srgbClr val="5EBC88"/>
                     </a:solidFill>
-                  </a:tcPr>
-                </a:tc>
-                <a:tc hMerge="1">
-                  <a:txBody>
-                    <a:bodyPr/>
-                    <a:lstStyle/>
-                    <a:p>
-                      <a:pPr/>
-                      <a:endParaRPr lang="ko-KR" altLang="en-US" kern="1200"/>
-                    </a:p>
-                  </a:txBody>
-                </a:tc>
-                <a:tc gridSpan="2">
-                  <a:txBody>
-                    <a:bodyPr/>
-                    <a:lstStyle/>
-                    <a:p>
-                      <a:pPr marL="0" indent="0" rtl="0" algn="l" latinLnBrk="0">
-                        <a:buFontTx/>
-                        <a:buNone/>
-                      </a:pPr>
-                      <a:endParaRPr lang="ko-KR" altLang="en-US" sz="1400" kern="1200" i="0" cap="none" b="0" strike="noStrike">
-                        <a:solidFill>
-                          <a:schemeClr val="tx1"/>
-                        </a:solidFill>
-                        <a:latin typeface="맑은 고딕" charset="0"/>
-                        <a:ea typeface="맑은 고딕" charset="0"/>
-                      </a:endParaRPr>
-                    </a:p>
-                  </a:txBody>
-                  <a:tcPr marL="2540" marR="2540" marT="2540" marB="0" anchor="ctr">
-                    <a:lnL w="12700" cap="flat" cmpd="sng" algn="ctr">
-                      <a:solidFill>
-                        <a:srgbClr val="000000">
-                          <a:alpha val="100000"/>
-                        </a:srgbClr>
-                      </a:solidFill>
-                      <a:prstDash val="solid"/>
-                      <a:round/>
-                      <a:headEnd type="none" w="med" len="med"/>
-                      <a:tailEnd type="none" w="med" len="med"/>
-                    </a:lnL>
-                    <a:lnR w="12700" cap="flat" cmpd="sng" algn="ctr">
-                      <a:solidFill>
-                        <a:srgbClr val="000000">
-                          <a:alpha val="100000"/>
-                        </a:srgbClr>
-                      </a:solidFill>
-                      <a:prstDash val="solid"/>
-                      <a:round/>
-                      <a:headEnd type="none" w="med" len="med"/>
-                      <a:tailEnd type="none" w="med" len="med"/>
-                    </a:lnR>
-                    <a:lnT w="12700" cap="flat" cmpd="sng" algn="ctr">
-                      <a:solidFill>
-                        <a:srgbClr val="000000">
-                          <a:alpha val="100000"/>
-                        </a:srgbClr>
-                      </a:solidFill>
-                      <a:prstDash val="solid"/>
-                      <a:round/>
-                      <a:headEnd type="none" w="med" len="med"/>
-                      <a:tailEnd type="none" w="med" len="med"/>
-                    </a:lnT>
-                    <a:lnB w="12700" cap="flat" cmpd="sng" algn="ctr">
-                      <a:solidFill>
-                        <a:srgbClr val="000000">
-                          <a:alpha val="100000"/>
-                        </a:srgbClr>
-                      </a:solidFill>
-                      <a:prstDash val="solid"/>
-                      <a:round/>
-                      <a:headEnd type="none" w="med" len="med"/>
-                      <a:tailEnd type="none" w="med" len="med"/>
-                    </a:lnB>
-                    <a:lnTlToBr w="0" cap="flat" cmpd="sng" algn="ctr">
-                      <a:noFill/>
-                      <a:prstDash/>
-                      <a:round/>
-                      <a:headEnd type="none" w="med" len="med"/>
-                      <a:tailEnd type="none" w="med" len="med"/>
-                    </a:lnTlToBr>
-                    <a:lnBlToTr w="0" cap="flat" cmpd="sng" algn="ctr">
-                      <a:noFill/>
-                      <a:prstDash/>
-                      <a:round/>
-                      <a:headEnd type="none" w="med" len="med"/>
-                      <a:tailEnd type="none" w="med" len="med"/>
-                    </a:lnBlToTr>
                   </a:tcPr>
                 </a:tc>
                 <a:tc hMerge="1">
@@ -8279,7 +8706,7 @@
                     <a:bodyPr/>
                     <a:lstStyle/>
                     <a:p>
-                      <a:pPr marL="0" indent="0" rtl="0" algn="l" latinLnBrk="0">
+                      <a:pPr marL="0" indent="0" rtl="0" algn="l" latinLnBrk="0" lvl="1">
                         <a:buFontTx/>
                         <a:buNone/>
                       </a:pPr>
@@ -8358,7 +8785,7 @@
                     <a:bodyPr/>
                     <a:lstStyle/>
                     <a:p>
-                      <a:pPr marL="0" indent="0" rtl="0" algn="l" latinLnBrk="0">
+                      <a:pPr marL="0" indent="0" rtl="0" algn="l" latinLnBrk="0" lvl="1">
                         <a:buFontTx/>
                         <a:buNone/>
                       </a:pPr>
@@ -8437,7 +8864,165 @@
                     <a:bodyPr/>
                     <a:lstStyle/>
                     <a:p>
-                      <a:pPr marL="0" indent="0" latinLnBrk="0">
+                      <a:pPr marL="0" indent="0" rtl="0" algn="l" latinLnBrk="0" lvl="1">
+                        <a:buFontTx/>
+                        <a:buNone/>
+                      </a:pPr>
+                      <a:endParaRPr lang="ko-KR" altLang="en-US" sz="1400" kern="1200" i="0" cap="none" b="0" strike="noStrike">
+                        <a:solidFill>
+                          <a:schemeClr val="tx1"/>
+                        </a:solidFill>
+                        <a:latin typeface="맑은 고딕" charset="0"/>
+                        <a:ea typeface="맑은 고딕" charset="0"/>
+                      </a:endParaRPr>
+                    </a:p>
+                  </a:txBody>
+                  <a:tcPr marL="2540" marR="2540" marT="2540" marB="0" anchor="ctr">
+                    <a:lnL w="12700" cap="flat" cmpd="sng" algn="ctr">
+                      <a:solidFill>
+                        <a:srgbClr val="000000">
+                          <a:alpha val="100000"/>
+                        </a:srgbClr>
+                      </a:solidFill>
+                      <a:prstDash val="solid"/>
+                      <a:round/>
+                      <a:headEnd type="none" w="med" len="med"/>
+                      <a:tailEnd type="none" w="med" len="med"/>
+                    </a:lnL>
+                    <a:lnR w="12700" cap="flat" cmpd="sng" algn="ctr">
+                      <a:solidFill>
+                        <a:srgbClr val="000000">
+                          <a:alpha val="100000"/>
+                        </a:srgbClr>
+                      </a:solidFill>
+                      <a:prstDash val="solid"/>
+                      <a:round/>
+                      <a:headEnd type="none" w="med" len="med"/>
+                      <a:tailEnd type="none" w="med" len="med"/>
+                    </a:lnR>
+                    <a:lnT w="12700" cap="flat" cmpd="sng" algn="ctr">
+                      <a:solidFill>
+                        <a:srgbClr val="000000">
+                          <a:alpha val="100000"/>
+                        </a:srgbClr>
+                      </a:solidFill>
+                      <a:prstDash val="solid"/>
+                      <a:round/>
+                      <a:headEnd type="none" w="med" len="med"/>
+                      <a:tailEnd type="none" w="med" len="med"/>
+                    </a:lnT>
+                    <a:lnB w="12700" cap="flat" cmpd="sng" algn="ctr">
+                      <a:solidFill>
+                        <a:srgbClr val="000000">
+                          <a:alpha val="100000"/>
+                        </a:srgbClr>
+                      </a:solidFill>
+                      <a:prstDash val="solid"/>
+                      <a:round/>
+                      <a:headEnd type="none" w="med" len="med"/>
+                      <a:tailEnd type="none" w="med" len="med"/>
+                    </a:lnB>
+                    <a:lnTlToBr w="0" cap="flat" cmpd="sng" algn="ctr">
+                      <a:noFill/>
+                      <a:prstDash/>
+                      <a:round/>
+                      <a:headEnd type="none" w="med" len="med"/>
+                      <a:tailEnd type="none" w="med" len="med"/>
+                    </a:lnTlToBr>
+                    <a:lnBlToTr w="0" cap="flat" cmpd="sng" algn="ctr">
+                      <a:noFill/>
+                      <a:prstDash/>
+                      <a:round/>
+                      <a:headEnd type="none" w="med" len="med"/>
+                      <a:tailEnd type="none" w="med" len="med"/>
+                    </a:lnBlToTr>
+                  </a:tcPr>
+                </a:tc>
+                <a:tc>
+                  <a:txBody>
+                    <a:bodyPr/>
+                    <a:lstStyle/>
+                    <a:p>
+                      <a:pPr marL="0" indent="0" rtl="0" algn="l" latinLnBrk="0" lvl="1">
+                        <a:buFontTx/>
+                        <a:buNone/>
+                      </a:pPr>
+                      <a:endParaRPr lang="ko-KR" altLang="en-US" sz="1400" kern="1200" i="0" cap="none" b="0" strike="noStrike">
+                        <a:solidFill>
+                          <a:schemeClr val="tx1"/>
+                        </a:solidFill>
+                        <a:latin typeface="맑은 고딕" charset="0"/>
+                        <a:ea typeface="맑은 고딕" charset="0"/>
+                      </a:endParaRPr>
+                    </a:p>
+                  </a:txBody>
+                  <a:tcPr marL="2540" marR="2540" marT="2540" marB="0" anchor="ctr">
+                    <a:lnL w="12700" cap="flat" cmpd="sng" algn="ctr">
+                      <a:solidFill>
+                        <a:srgbClr val="000000">
+                          <a:alpha val="100000"/>
+                        </a:srgbClr>
+                      </a:solidFill>
+                      <a:prstDash val="solid"/>
+                      <a:round/>
+                      <a:headEnd type="none" w="med" len="med"/>
+                      <a:tailEnd type="none" w="med" len="med"/>
+                    </a:lnL>
+                    <a:lnR w="12700" cap="flat" cmpd="sng" algn="ctr">
+                      <a:solidFill>
+                        <a:srgbClr val="000000">
+                          <a:alpha val="100000"/>
+                        </a:srgbClr>
+                      </a:solidFill>
+                      <a:prstDash val="solid"/>
+                      <a:round/>
+                      <a:headEnd type="none" w="med" len="med"/>
+                      <a:tailEnd type="none" w="med" len="med"/>
+                    </a:lnR>
+                    <a:lnT w="12700" cap="flat" cmpd="sng" algn="ctr">
+                      <a:solidFill>
+                        <a:srgbClr val="000000">
+                          <a:alpha val="100000"/>
+                        </a:srgbClr>
+                      </a:solidFill>
+                      <a:prstDash val="solid"/>
+                      <a:round/>
+                      <a:headEnd type="none" w="med" len="med"/>
+                      <a:tailEnd type="none" w="med" len="med"/>
+                    </a:lnT>
+                    <a:lnB w="12700" cap="flat" cmpd="sng" algn="ctr">
+                      <a:solidFill>
+                        <a:srgbClr val="000000">
+                          <a:alpha val="100000"/>
+                        </a:srgbClr>
+                      </a:solidFill>
+                      <a:prstDash val="solid"/>
+                      <a:round/>
+                      <a:headEnd type="none" w="med" len="med"/>
+                      <a:tailEnd type="none" w="med" len="med"/>
+                    </a:lnB>
+                    <a:lnTlToBr w="0" cap="flat" cmpd="sng" algn="ctr">
+                      <a:noFill/>
+                      <a:prstDash/>
+                      <a:round/>
+                      <a:headEnd type="none" w="med" len="med"/>
+                      <a:tailEnd type="none" w="med" len="med"/>
+                    </a:lnTlToBr>
+                    <a:lnBlToTr w="0" cap="flat" cmpd="sng" algn="ctr">
+                      <a:noFill/>
+                      <a:prstDash/>
+                      <a:round/>
+                      <a:headEnd type="none" w="med" len="med"/>
+                      <a:tailEnd type="none" w="med" len="med"/>
+                    </a:lnBlToTr>
+                  </a:tcPr>
+                </a:tc>
+                <a:tc>
+                  <a:txBody>
+                    <a:bodyPr/>
+                    <a:lstStyle/>
+                    <a:p>
+                      <a:pPr marL="0" indent="0" latinLnBrk="0" lvl="1">
                         <a:buFontTx/>
                         <a:buNone/>
                       </a:pPr>
@@ -8516,7 +9101,86 @@
                     <a:bodyPr/>
                     <a:lstStyle/>
                     <a:p>
-                      <a:pPr marL="0" indent="0" rtl="0" algn="l" latinLnBrk="0">
+                      <a:pPr marL="0" indent="0" latinLnBrk="0" lvl="1">
+                        <a:buFontTx/>
+                        <a:buNone/>
+                      </a:pPr>
+                      <a:endParaRPr lang="ko-KR" altLang="en-US" sz="1400" kern="1200" i="0" b="0">
+                        <a:solidFill>
+                          <a:schemeClr val="tx1"/>
+                        </a:solidFill>
+                        <a:latin typeface="Calibri Light" charset="0"/>
+                        <a:ea typeface="맑은 고딕" charset="0"/>
+                      </a:endParaRPr>
+                    </a:p>
+                  </a:txBody>
+                  <a:tcPr marL="2540" marR="2540" marT="2540" marB="0" anchor="ctr">
+                    <a:lnL w="12700" cap="flat" cmpd="sng" algn="ctr">
+                      <a:solidFill>
+                        <a:srgbClr val="000000">
+                          <a:alpha val="100000"/>
+                        </a:srgbClr>
+                      </a:solidFill>
+                      <a:prstDash val="solid"/>
+                      <a:round/>
+                      <a:headEnd type="none" w="med" len="med"/>
+                      <a:tailEnd type="none" w="med" len="med"/>
+                    </a:lnL>
+                    <a:lnR w="12700" cap="flat" cmpd="sng" algn="ctr">
+                      <a:solidFill>
+                        <a:srgbClr val="000000">
+                          <a:alpha val="100000"/>
+                        </a:srgbClr>
+                      </a:solidFill>
+                      <a:prstDash val="solid"/>
+                      <a:round/>
+                      <a:headEnd type="none" w="med" len="med"/>
+                      <a:tailEnd type="none" w="med" len="med"/>
+                    </a:lnR>
+                    <a:lnT w="12700" cap="flat" cmpd="sng" algn="ctr">
+                      <a:solidFill>
+                        <a:srgbClr val="000000">
+                          <a:alpha val="100000"/>
+                        </a:srgbClr>
+                      </a:solidFill>
+                      <a:prstDash val="solid"/>
+                      <a:round/>
+                      <a:headEnd type="none" w="med" len="med"/>
+                      <a:tailEnd type="none" w="med" len="med"/>
+                    </a:lnT>
+                    <a:lnB w="12700" cap="flat" cmpd="sng" algn="ctr">
+                      <a:solidFill>
+                        <a:srgbClr val="000000">
+                          <a:alpha val="100000"/>
+                        </a:srgbClr>
+                      </a:solidFill>
+                      <a:prstDash val="solid"/>
+                      <a:round/>
+                      <a:headEnd type="none" w="med" len="med"/>
+                      <a:tailEnd type="none" w="med" len="med"/>
+                    </a:lnB>
+                    <a:lnTlToBr w="0" cap="flat" cmpd="sng" algn="ctr">
+                      <a:noFill/>
+                      <a:prstDash/>
+                      <a:round/>
+                      <a:headEnd type="none" w="med" len="med"/>
+                      <a:tailEnd type="none" w="med" len="med"/>
+                    </a:lnTlToBr>
+                    <a:lnBlToTr w="0" cap="flat" cmpd="sng" algn="ctr">
+                      <a:noFill/>
+                      <a:prstDash/>
+                      <a:round/>
+                      <a:headEnd type="none" w="med" len="med"/>
+                      <a:tailEnd type="none" w="med" len="med"/>
+                    </a:lnBlToTr>
+                  </a:tcPr>
+                </a:tc>
+                <a:tc>
+                  <a:txBody>
+                    <a:bodyPr/>
+                    <a:lstStyle/>
+                    <a:p>
+                      <a:pPr marL="0" indent="0" rtl="0" algn="l" latinLnBrk="0" lvl="1">
                         <a:buFontTx/>
                         <a:buNone/>
                       </a:pPr>
@@ -8590,8 +9254,97 @@
                     </a:lnBlToTr>
                   </a:tcPr>
                 </a:tc>
+                <a:tc gridSpan="2">
+                  <a:txBody>
+                    <a:bodyPr/>
+                    <a:lstStyle/>
+                    <a:p>
+                      <a:pPr marL="0" indent="0" rtl="0" algn="l" latinLnBrk="0" lvl="1">
+                        <a:buFontTx/>
+                        <a:buNone/>
+                      </a:pPr>
+                      <a:endParaRPr lang="ko-KR" altLang="en-US" sz="1400" kern="1200" i="0" cap="none" b="0" strike="noStrike">
+                        <a:solidFill>
+                          <a:schemeClr val="tx1"/>
+                        </a:solidFill>
+                        <a:latin typeface="맑은 고딕" charset="0"/>
+                        <a:ea typeface="맑은 고딕" charset="0"/>
+                      </a:endParaRPr>
+                    </a:p>
+                  </a:txBody>
+                  <a:tcPr marL="2540" marR="2540" marT="2540" marB="0" anchor="ctr">
+                    <a:lnL w="12700" cap="flat" cmpd="sng" algn="ctr">
+                      <a:solidFill>
+                        <a:srgbClr val="000000">
+                          <a:alpha val="100000"/>
+                        </a:srgbClr>
+                      </a:solidFill>
+                      <a:prstDash val="solid"/>
+                      <a:round/>
+                      <a:headEnd type="none" w="med" len="med"/>
+                      <a:tailEnd type="none" w="med" len="med"/>
+                    </a:lnL>
+                    <a:lnR w="12700" cap="flat" cmpd="sng" algn="ctr">
+                      <a:solidFill>
+                        <a:srgbClr val="000000">
+                          <a:alpha val="100000"/>
+                        </a:srgbClr>
+                      </a:solidFill>
+                      <a:prstDash val="solid"/>
+                      <a:round/>
+                      <a:headEnd type="none" w="med" len="med"/>
+                      <a:tailEnd type="none" w="med" len="med"/>
+                    </a:lnR>
+                    <a:lnT w="12700" cap="flat" cmpd="sng" algn="ctr">
+                      <a:solidFill>
+                        <a:srgbClr val="000000">
+                          <a:alpha val="100000"/>
+                        </a:srgbClr>
+                      </a:solidFill>
+                      <a:prstDash val="solid"/>
+                      <a:round/>
+                      <a:headEnd type="none" w="med" len="med"/>
+                      <a:tailEnd type="none" w="med" len="med"/>
+                    </a:lnT>
+                    <a:lnB w="12700" cap="flat" cmpd="sng" algn="ctr">
+                      <a:solidFill>
+                        <a:srgbClr val="000000">
+                          <a:alpha val="100000"/>
+                        </a:srgbClr>
+                      </a:solidFill>
+                      <a:prstDash val="solid"/>
+                      <a:round/>
+                      <a:headEnd type="none" w="med" len="med"/>
+                      <a:tailEnd type="none" w="med" len="med"/>
+                    </a:lnB>
+                    <a:lnTlToBr w="0" cap="flat" cmpd="sng" algn="ctr">
+                      <a:noFill/>
+                      <a:prstDash/>
+                      <a:round/>
+                      <a:headEnd type="none" w="med" len="med"/>
+                      <a:tailEnd type="none" w="med" len="med"/>
+                    </a:lnTlToBr>
+                    <a:lnBlToTr w="0" cap="flat" cmpd="sng" algn="ctr">
+                      <a:noFill/>
+                      <a:prstDash/>
+                      <a:round/>
+                      <a:headEnd type="none" w="med" len="med"/>
+                      <a:tailEnd type="none" w="med" len="med"/>
+                    </a:lnBlToTr>
+                  </a:tcPr>
+                </a:tc>
+                <a:tc hMerge="1">
+                  <a:txBody>
+                    <a:bodyPr/>
+                    <a:lstStyle/>
+                    <a:p>
+                      <a:pPr/>
+                      <a:endParaRPr lang="ko-KR" altLang="en-US" kern="1200"/>
+                    </a:p>
+                  </a:txBody>
+                </a:tc>
               </a:tr>
-              <a:tr h="396240">
+              <a:tr h="356870">
                 <a:tc vMerge="1">
                   <a:txBody>
                     <a:bodyPr/>
@@ -8617,7 +9370,7 @@
                     <a:bodyPr/>
                     <a:lstStyle/>
                     <a:p>
-                      <a:pPr marL="0" indent="0" rtl="0" algn="ctr" latinLnBrk="0">
+                      <a:pPr marL="0" indent="0" rtl="0" algn="ctr" latinLnBrk="0" lvl="1">
                         <a:buFontTx/>
                         <a:buNone/>
                       </a:pPr>
@@ -8695,7 +9448,7 @@
                     <a:bodyPr/>
                     <a:lstStyle/>
                     <a:p>
-                      <a:pPr marL="0" indent="0" rtl="0" algn="ctr" latinLnBrk="0">
+                      <a:pPr marL="0" indent="0" rtl="0" algn="ctr" latinLnBrk="0" lvl="1">
                         <a:buFontTx/>
                         <a:buNone/>
                       </a:pPr>
@@ -8707,67 +9460,7 @@
                           <a:latin typeface="맑은 고딕" charset="0"/>
                           <a:ea typeface="맑은 고딕" charset="0"/>
                         </a:rPr>
-                        <a:t>2</a:t>
-                      </a:r>
-                      <a:r>
-                        <a:rPr sz="1400" kern="1200" cap="none" i="0" b="0" strike="noStrike">
-                          <a:solidFill>
-                            <a:schemeClr val="tx1"/>
-                          </a:solidFill>
-                          <a:latin typeface="맑은 고딕" charset="0"/>
-                          <a:ea typeface="맑은 고딕" charset="0"/>
-                        </a:rPr>
-                        <a:t>/</a:t>
-                      </a:r>
-                      <a:r>
-                        <a:rPr sz="1400" kern="1200" cap="none" i="0" b="0" strike="noStrike">
-                          <a:solidFill>
-                            <a:schemeClr val="tx1"/>
-                          </a:solidFill>
-                          <a:latin typeface="맑은 고딕" charset="0"/>
-                          <a:ea typeface="맑은 고딕" charset="0"/>
-                        </a:rPr>
-                        <a:t>6</a:t>
-                      </a:r>
-                      <a:r>
-                        <a:rPr sz="1400" kern="1200" cap="none" i="0" b="0" strike="noStrike">
-                          <a:solidFill>
-                            <a:schemeClr val="tx1"/>
-                          </a:solidFill>
-                          <a:latin typeface="맑은 고딕" charset="0"/>
-                          <a:ea typeface="맑은 고딕" charset="0"/>
-                        </a:rPr>
-                        <a:t>~</a:t>
-                      </a:r>
-                      <a:r>
-                        <a:rPr sz="1400" kern="1200" cap="none" i="0" b="0" strike="noStrike">
-                          <a:solidFill>
-                            <a:schemeClr val="tx1"/>
-                          </a:solidFill>
-                          <a:latin typeface="맑은 고딕" charset="0"/>
-                          <a:ea typeface="맑은 고딕" charset="0"/>
-                        </a:rPr>
-                        <a:t>2</a:t>
-                      </a:r>
-                      <a:r>
-                        <a:rPr sz="1400" kern="1200" cap="none" i="0" b="0" strike="noStrike">
-                          <a:solidFill>
-                            <a:schemeClr val="tx1"/>
-                          </a:solidFill>
-                          <a:latin typeface="맑은 고딕" charset="0"/>
-                          <a:ea typeface="맑은 고딕" charset="0"/>
-                        </a:rPr>
-                        <a:t>/</a:t>
-                      </a:r>
-                      <a:r>
-                        <a:rPr sz="1400" kern="1200" cap="none" i="0" b="0" strike="noStrike">
-                          <a:solidFill>
-                            <a:schemeClr val="tx1"/>
-                          </a:solidFill>
-                          <a:latin typeface="맑은 고딕" charset="0"/>
-                          <a:ea typeface="맑은 고딕" charset="0"/>
-                        </a:rPr>
-                        <a:t>7</a:t>
+                        <a:t>2/6~2/7</a:t>
                       </a:r>
                       <a:endParaRPr lang="ko-KR" altLang="en-US" sz="1400" kern="1200" i="0" cap="none" b="0" strike="noStrike">
                         <a:solidFill>
@@ -8840,95 +9533,6 @@
                     <a:solidFill>
                       <a:srgbClr val="BFBFBF"/>
                     </a:solidFill>
-                  </a:tcPr>
-                </a:tc>
-                <a:tc hMerge="1">
-                  <a:txBody>
-                    <a:bodyPr/>
-                    <a:lstStyle/>
-                    <a:p>
-                      <a:pPr/>
-                      <a:endParaRPr lang="ko-KR" altLang="en-US" kern="1200"/>
-                    </a:p>
-                  </a:txBody>
-                </a:tc>
-                <a:tc gridSpan="2">
-                  <a:txBody>
-                    <a:bodyPr/>
-                    <a:lstStyle/>
-                    <a:p>
-                      <a:pPr marL="0" indent="0" rtl="0" algn="l" latinLnBrk="0">
-                        <a:buFontTx/>
-                        <a:buNone/>
-                      </a:pPr>
-                      <a:endParaRPr lang="ko-KR" altLang="en-US" sz="1400" kern="1200" i="0" cap="none" b="0" strike="noStrike">
-                        <a:solidFill>
-                          <a:schemeClr val="tx1"/>
-                        </a:solidFill>
-                        <a:latin typeface="맑은 고딕" charset="0"/>
-                        <a:ea typeface="맑은 고딕" charset="0"/>
-                      </a:endParaRPr>
-                    </a:p>
-                  </a:txBody>
-                  <a:tcPr marL="2540" marR="2540" marT="2540" marB="0" anchor="ctr">
-                    <a:lnL w="12700" cap="flat" cmpd="sng" algn="ctr">
-                      <a:solidFill>
-                        <a:srgbClr val="000000">
-                          <a:alpha val="100000"/>
-                        </a:srgbClr>
-                      </a:solidFill>
-                      <a:prstDash val="solid"/>
-                      <a:round/>
-                      <a:headEnd type="none" w="med" len="med"/>
-                      <a:tailEnd type="none" w="med" len="med"/>
-                    </a:lnL>
-                    <a:lnR w="12700" cap="flat" cmpd="sng" algn="ctr">
-                      <a:solidFill>
-                        <a:srgbClr val="000000">
-                          <a:alpha val="100000"/>
-                        </a:srgbClr>
-                      </a:solidFill>
-                      <a:prstDash val="solid"/>
-                      <a:round/>
-                      <a:headEnd type="none" w="med" len="med"/>
-                      <a:tailEnd type="none" w="med" len="med"/>
-                    </a:lnR>
-                    <a:lnT w="12700" cap="flat" cmpd="sng" algn="ctr">
-                      <a:solidFill>
-                        <a:srgbClr val="000000">
-                          <a:alpha val="100000"/>
-                        </a:srgbClr>
-                      </a:solidFill>
-                      <a:prstDash val="solid"/>
-                      <a:round/>
-                      <a:headEnd type="none" w="med" len="med"/>
-                      <a:tailEnd type="none" w="med" len="med"/>
-                    </a:lnT>
-                    <a:lnB w="12700" cap="flat" cmpd="sng" algn="ctr">
-                      <a:solidFill>
-                        <a:srgbClr val="000000">
-                          <a:alpha val="100000"/>
-                        </a:srgbClr>
-                      </a:solidFill>
-                      <a:prstDash val="solid"/>
-                      <a:round/>
-                      <a:headEnd type="none" w="med" len="med"/>
-                      <a:tailEnd type="none" w="med" len="med"/>
-                    </a:lnB>
-                    <a:lnTlToBr w="0" cap="flat" cmpd="sng" algn="ctr">
-                      <a:noFill/>
-                      <a:prstDash/>
-                      <a:round/>
-                      <a:headEnd type="none" w="med" len="med"/>
-                      <a:tailEnd type="none" w="med" len="med"/>
-                    </a:lnTlToBr>
-                    <a:lnBlToTr w="0" cap="flat" cmpd="sng" algn="ctr">
-                      <a:noFill/>
-                      <a:prstDash/>
-                      <a:round/>
-                      <a:headEnd type="none" w="med" len="med"/>
-                      <a:tailEnd type="none" w="med" len="med"/>
-                    </a:lnBlToTr>
                   </a:tcPr>
                 </a:tc>
                 <a:tc hMerge="1">
@@ -8946,7 +9550,7 @@
                     <a:bodyPr/>
                     <a:lstStyle/>
                     <a:p>
-                      <a:pPr marL="0" indent="0" rtl="0" algn="l" latinLnBrk="0">
+                      <a:pPr marL="0" indent="0" rtl="0" algn="l" latinLnBrk="0" lvl="1">
                         <a:buFontTx/>
                         <a:buNone/>
                       </a:pPr>
@@ -9025,7 +9629,7 @@
                     <a:bodyPr/>
                     <a:lstStyle/>
                     <a:p>
-                      <a:pPr marL="0" indent="0" rtl="0" algn="l" latinLnBrk="0">
+                      <a:pPr marL="0" indent="0" rtl="0" algn="l" latinLnBrk="0" lvl="1">
                         <a:buFontTx/>
                         <a:buNone/>
                       </a:pPr>
@@ -9104,7 +9708,165 @@
                     <a:bodyPr/>
                     <a:lstStyle/>
                     <a:p>
-                      <a:pPr marL="0" indent="0" latinLnBrk="0">
+                      <a:pPr marL="0" indent="0" rtl="0" algn="l" latinLnBrk="0" lvl="1">
+                        <a:buFontTx/>
+                        <a:buNone/>
+                      </a:pPr>
+                      <a:endParaRPr lang="ko-KR" altLang="en-US" sz="1400" kern="1200" i="0" cap="none" b="0" strike="noStrike">
+                        <a:solidFill>
+                          <a:schemeClr val="tx1"/>
+                        </a:solidFill>
+                        <a:latin typeface="맑은 고딕" charset="0"/>
+                        <a:ea typeface="맑은 고딕" charset="0"/>
+                      </a:endParaRPr>
+                    </a:p>
+                  </a:txBody>
+                  <a:tcPr marL="2540" marR="2540" marT="2540" marB="0" anchor="ctr">
+                    <a:lnL w="12700" cap="flat" cmpd="sng" algn="ctr">
+                      <a:solidFill>
+                        <a:srgbClr val="000000">
+                          <a:alpha val="100000"/>
+                        </a:srgbClr>
+                      </a:solidFill>
+                      <a:prstDash val="solid"/>
+                      <a:round/>
+                      <a:headEnd type="none" w="med" len="med"/>
+                      <a:tailEnd type="none" w="med" len="med"/>
+                    </a:lnL>
+                    <a:lnR w="12700" cap="flat" cmpd="sng" algn="ctr">
+                      <a:solidFill>
+                        <a:srgbClr val="000000">
+                          <a:alpha val="100000"/>
+                        </a:srgbClr>
+                      </a:solidFill>
+                      <a:prstDash val="solid"/>
+                      <a:round/>
+                      <a:headEnd type="none" w="med" len="med"/>
+                      <a:tailEnd type="none" w="med" len="med"/>
+                    </a:lnR>
+                    <a:lnT w="12700" cap="flat" cmpd="sng" algn="ctr">
+                      <a:solidFill>
+                        <a:srgbClr val="000000">
+                          <a:alpha val="100000"/>
+                        </a:srgbClr>
+                      </a:solidFill>
+                      <a:prstDash val="solid"/>
+                      <a:round/>
+                      <a:headEnd type="none" w="med" len="med"/>
+                      <a:tailEnd type="none" w="med" len="med"/>
+                    </a:lnT>
+                    <a:lnB w="12700" cap="flat" cmpd="sng" algn="ctr">
+                      <a:solidFill>
+                        <a:srgbClr val="000000">
+                          <a:alpha val="100000"/>
+                        </a:srgbClr>
+                      </a:solidFill>
+                      <a:prstDash val="solid"/>
+                      <a:round/>
+                      <a:headEnd type="none" w="med" len="med"/>
+                      <a:tailEnd type="none" w="med" len="med"/>
+                    </a:lnB>
+                    <a:lnTlToBr w="0" cap="flat" cmpd="sng" algn="ctr">
+                      <a:noFill/>
+                      <a:prstDash/>
+                      <a:round/>
+                      <a:headEnd type="none" w="med" len="med"/>
+                      <a:tailEnd type="none" w="med" len="med"/>
+                    </a:lnTlToBr>
+                    <a:lnBlToTr w="0" cap="flat" cmpd="sng" algn="ctr">
+                      <a:noFill/>
+                      <a:prstDash/>
+                      <a:round/>
+                      <a:headEnd type="none" w="med" len="med"/>
+                      <a:tailEnd type="none" w="med" len="med"/>
+                    </a:lnBlToTr>
+                  </a:tcPr>
+                </a:tc>
+                <a:tc>
+                  <a:txBody>
+                    <a:bodyPr/>
+                    <a:lstStyle/>
+                    <a:p>
+                      <a:pPr marL="0" indent="0" rtl="0" algn="l" latinLnBrk="0" lvl="1">
+                        <a:buFontTx/>
+                        <a:buNone/>
+                      </a:pPr>
+                      <a:endParaRPr lang="ko-KR" altLang="en-US" sz="1400" kern="1200" i="0" cap="none" b="0" strike="noStrike">
+                        <a:solidFill>
+                          <a:schemeClr val="tx1"/>
+                        </a:solidFill>
+                        <a:latin typeface="맑은 고딕" charset="0"/>
+                        <a:ea typeface="맑은 고딕" charset="0"/>
+                      </a:endParaRPr>
+                    </a:p>
+                  </a:txBody>
+                  <a:tcPr marL="2540" marR="2540" marT="2540" marB="0" anchor="ctr">
+                    <a:lnL w="12700" cap="flat" cmpd="sng" algn="ctr">
+                      <a:solidFill>
+                        <a:srgbClr val="000000">
+                          <a:alpha val="100000"/>
+                        </a:srgbClr>
+                      </a:solidFill>
+                      <a:prstDash val="solid"/>
+                      <a:round/>
+                      <a:headEnd type="none" w="med" len="med"/>
+                      <a:tailEnd type="none" w="med" len="med"/>
+                    </a:lnL>
+                    <a:lnR w="12700" cap="flat" cmpd="sng" algn="ctr">
+                      <a:solidFill>
+                        <a:srgbClr val="000000">
+                          <a:alpha val="100000"/>
+                        </a:srgbClr>
+                      </a:solidFill>
+                      <a:prstDash val="solid"/>
+                      <a:round/>
+                      <a:headEnd type="none" w="med" len="med"/>
+                      <a:tailEnd type="none" w="med" len="med"/>
+                    </a:lnR>
+                    <a:lnT w="12700" cap="flat" cmpd="sng" algn="ctr">
+                      <a:solidFill>
+                        <a:srgbClr val="000000">
+                          <a:alpha val="100000"/>
+                        </a:srgbClr>
+                      </a:solidFill>
+                      <a:prstDash val="solid"/>
+                      <a:round/>
+                      <a:headEnd type="none" w="med" len="med"/>
+                      <a:tailEnd type="none" w="med" len="med"/>
+                    </a:lnT>
+                    <a:lnB w="12700" cap="flat" cmpd="sng" algn="ctr">
+                      <a:solidFill>
+                        <a:srgbClr val="000000">
+                          <a:alpha val="100000"/>
+                        </a:srgbClr>
+                      </a:solidFill>
+                      <a:prstDash val="solid"/>
+                      <a:round/>
+                      <a:headEnd type="none" w="med" len="med"/>
+                      <a:tailEnd type="none" w="med" len="med"/>
+                    </a:lnB>
+                    <a:lnTlToBr w="0" cap="flat" cmpd="sng" algn="ctr">
+                      <a:noFill/>
+                      <a:prstDash/>
+                      <a:round/>
+                      <a:headEnd type="none" w="med" len="med"/>
+                      <a:tailEnd type="none" w="med" len="med"/>
+                    </a:lnTlToBr>
+                    <a:lnBlToTr w="0" cap="flat" cmpd="sng" algn="ctr">
+                      <a:noFill/>
+                      <a:prstDash/>
+                      <a:round/>
+                      <a:headEnd type="none" w="med" len="med"/>
+                      <a:tailEnd type="none" w="med" len="med"/>
+                    </a:lnBlToTr>
+                  </a:tcPr>
+                </a:tc>
+                <a:tc>
+                  <a:txBody>
+                    <a:bodyPr/>
+                    <a:lstStyle/>
+                    <a:p>
+                      <a:pPr marL="0" indent="0" latinLnBrk="0" lvl="1">
                         <a:buFontTx/>
                         <a:buNone/>
                       </a:pPr>
@@ -9183,7 +9945,86 @@
                     <a:bodyPr/>
                     <a:lstStyle/>
                     <a:p>
-                      <a:pPr marL="0" indent="0" rtl="0" algn="l" latinLnBrk="0">
+                      <a:pPr marL="0" indent="0" latinLnBrk="0" lvl="1">
+                        <a:buFontTx/>
+                        <a:buNone/>
+                      </a:pPr>
+                      <a:endParaRPr lang="ko-KR" altLang="en-US" sz="1400" kern="1200" i="0" b="0">
+                        <a:solidFill>
+                          <a:schemeClr val="tx1"/>
+                        </a:solidFill>
+                        <a:latin typeface="Calibri Light" charset="0"/>
+                        <a:ea typeface="맑은 고딕" charset="0"/>
+                      </a:endParaRPr>
+                    </a:p>
+                  </a:txBody>
+                  <a:tcPr marL="2540" marR="2540" marT="2540" marB="0" anchor="ctr">
+                    <a:lnL w="12700" cap="flat" cmpd="sng" algn="ctr">
+                      <a:solidFill>
+                        <a:srgbClr val="000000">
+                          <a:alpha val="100000"/>
+                        </a:srgbClr>
+                      </a:solidFill>
+                      <a:prstDash val="solid"/>
+                      <a:round/>
+                      <a:headEnd type="none" w="med" len="med"/>
+                      <a:tailEnd type="none" w="med" len="med"/>
+                    </a:lnL>
+                    <a:lnR w="12700" cap="flat" cmpd="sng" algn="ctr">
+                      <a:solidFill>
+                        <a:srgbClr val="000000">
+                          <a:alpha val="100000"/>
+                        </a:srgbClr>
+                      </a:solidFill>
+                      <a:prstDash val="solid"/>
+                      <a:round/>
+                      <a:headEnd type="none" w="med" len="med"/>
+                      <a:tailEnd type="none" w="med" len="med"/>
+                    </a:lnR>
+                    <a:lnT w="12700" cap="flat" cmpd="sng" algn="ctr">
+                      <a:solidFill>
+                        <a:srgbClr val="000000">
+                          <a:alpha val="100000"/>
+                        </a:srgbClr>
+                      </a:solidFill>
+                      <a:prstDash val="solid"/>
+                      <a:round/>
+                      <a:headEnd type="none" w="med" len="med"/>
+                      <a:tailEnd type="none" w="med" len="med"/>
+                    </a:lnT>
+                    <a:lnB w="12700" cap="flat" cmpd="sng" algn="ctr">
+                      <a:solidFill>
+                        <a:srgbClr val="000000">
+                          <a:alpha val="100000"/>
+                        </a:srgbClr>
+                      </a:solidFill>
+                      <a:prstDash val="solid"/>
+                      <a:round/>
+                      <a:headEnd type="none" w="med" len="med"/>
+                      <a:tailEnd type="none" w="med" len="med"/>
+                    </a:lnB>
+                    <a:lnTlToBr w="0" cap="flat" cmpd="sng" algn="ctr">
+                      <a:noFill/>
+                      <a:prstDash/>
+                      <a:round/>
+                      <a:headEnd type="none" w="med" len="med"/>
+                      <a:tailEnd type="none" w="med" len="med"/>
+                    </a:lnTlToBr>
+                    <a:lnBlToTr w="0" cap="flat" cmpd="sng" algn="ctr">
+                      <a:noFill/>
+                      <a:prstDash/>
+                      <a:round/>
+                      <a:headEnd type="none" w="med" len="med"/>
+                      <a:tailEnd type="none" w="med" len="med"/>
+                    </a:lnBlToTr>
+                  </a:tcPr>
+                </a:tc>
+                <a:tc>
+                  <a:txBody>
+                    <a:bodyPr/>
+                    <a:lstStyle/>
+                    <a:p>
+                      <a:pPr marL="0" indent="0" rtl="0" algn="l" latinLnBrk="0" lvl="1">
                         <a:buFontTx/>
                         <a:buNone/>
                       </a:pPr>
@@ -9257,14 +10098,103 @@
                     </a:lnBlToTr>
                   </a:tcPr>
                 </a:tc>
-              </a:tr>
-              <a:tr h="403860">
-                <a:tc rowSpan="6">
+                <a:tc gridSpan="2">
                   <a:txBody>
                     <a:bodyPr/>
                     <a:lstStyle/>
                     <a:p>
-                      <a:pPr marL="0" indent="0" rtl="0" algn="ctr" latinLnBrk="0">
+                      <a:pPr marL="0" indent="0" rtl="0" algn="l" latinLnBrk="0" lvl="1">
+                        <a:buFontTx/>
+                        <a:buNone/>
+                      </a:pPr>
+                      <a:endParaRPr lang="ko-KR" altLang="en-US" sz="1400" kern="1200" i="0" cap="none" b="0" strike="noStrike">
+                        <a:solidFill>
+                          <a:schemeClr val="tx1"/>
+                        </a:solidFill>
+                        <a:latin typeface="맑은 고딕" charset="0"/>
+                        <a:ea typeface="맑은 고딕" charset="0"/>
+                      </a:endParaRPr>
+                    </a:p>
+                  </a:txBody>
+                  <a:tcPr marL="2540" marR="2540" marT="2540" marB="0" anchor="ctr">
+                    <a:lnL w="12700" cap="flat" cmpd="sng" algn="ctr">
+                      <a:solidFill>
+                        <a:srgbClr val="000000">
+                          <a:alpha val="100000"/>
+                        </a:srgbClr>
+                      </a:solidFill>
+                      <a:prstDash val="solid"/>
+                      <a:round/>
+                      <a:headEnd type="none" w="med" len="med"/>
+                      <a:tailEnd type="none" w="med" len="med"/>
+                    </a:lnL>
+                    <a:lnR w="12700" cap="flat" cmpd="sng" algn="ctr">
+                      <a:solidFill>
+                        <a:srgbClr val="000000">
+                          <a:alpha val="100000"/>
+                        </a:srgbClr>
+                      </a:solidFill>
+                      <a:prstDash val="solid"/>
+                      <a:round/>
+                      <a:headEnd type="none" w="med" len="med"/>
+                      <a:tailEnd type="none" w="med" len="med"/>
+                    </a:lnR>
+                    <a:lnT w="12700" cap="flat" cmpd="sng" algn="ctr">
+                      <a:solidFill>
+                        <a:srgbClr val="000000">
+                          <a:alpha val="100000"/>
+                        </a:srgbClr>
+                      </a:solidFill>
+                      <a:prstDash val="solid"/>
+                      <a:round/>
+                      <a:headEnd type="none" w="med" len="med"/>
+                      <a:tailEnd type="none" w="med" len="med"/>
+                    </a:lnT>
+                    <a:lnB w="12700" cap="flat" cmpd="sng" algn="ctr">
+                      <a:solidFill>
+                        <a:srgbClr val="000000">
+                          <a:alpha val="100000"/>
+                        </a:srgbClr>
+                      </a:solidFill>
+                      <a:prstDash val="solid"/>
+                      <a:round/>
+                      <a:headEnd type="none" w="med" len="med"/>
+                      <a:tailEnd type="none" w="med" len="med"/>
+                    </a:lnB>
+                    <a:lnTlToBr w="0" cap="flat" cmpd="sng" algn="ctr">
+                      <a:noFill/>
+                      <a:prstDash/>
+                      <a:round/>
+                      <a:headEnd type="none" w="med" len="med"/>
+                      <a:tailEnd type="none" w="med" len="med"/>
+                    </a:lnTlToBr>
+                    <a:lnBlToTr w="0" cap="flat" cmpd="sng" algn="ctr">
+                      <a:noFill/>
+                      <a:prstDash/>
+                      <a:round/>
+                      <a:headEnd type="none" w="med" len="med"/>
+                      <a:tailEnd type="none" w="med" len="med"/>
+                    </a:lnBlToTr>
+                  </a:tcPr>
+                </a:tc>
+                <a:tc hMerge="1">
+                  <a:txBody>
+                    <a:bodyPr/>
+                    <a:lstStyle/>
+                    <a:p>
+                      <a:pPr/>
+                      <a:endParaRPr lang="ko-KR" altLang="en-US" kern="1200"/>
+                    </a:p>
+                  </a:txBody>
+                </a:tc>
+              </a:tr>
+              <a:tr h="356870">
+                <a:tc rowSpan="8">
+                  <a:txBody>
+                    <a:bodyPr/>
+                    <a:lstStyle/>
+                    <a:p>
+                      <a:pPr marL="0" indent="0" rtl="0" algn="ctr" latinLnBrk="0" lvl="1">
                         <a:buFontTx/>
                         <a:buNone/>
                       </a:pPr>
@@ -9342,7 +10272,7 @@
                     <a:bodyPr/>
                     <a:lstStyle/>
                     <a:p>
-                      <a:pPr marL="0" indent="0" rtl="0" algn="ctr" latinLnBrk="0">
+                      <a:pPr marL="0" indent="0" rtl="0" algn="ctr" latinLnBrk="0" lvl="1">
                         <a:buFontTx/>
                         <a:buNone/>
                       </a:pPr>
@@ -9420,7 +10350,7 @@
                     <a:bodyPr/>
                     <a:lstStyle/>
                     <a:p>
-                      <a:pPr marL="0" indent="0" rtl="0" algn="ctr" latinLnBrk="0">
+                      <a:pPr marL="0" indent="0" rtl="0" algn="ctr" latinLnBrk="0" lvl="1">
                         <a:buFontTx/>
                         <a:buNone/>
                       </a:pPr>
@@ -9498,7 +10428,7 @@
                     <a:bodyPr/>
                     <a:lstStyle/>
                     <a:p>
-                      <a:pPr marL="0" indent="0" rtl="0" algn="l" latinLnBrk="0">
+                      <a:pPr marL="0" indent="0" rtl="0" algn="l" latinLnBrk="0" lvl="1">
                         <a:buFontTx/>
                         <a:buNone/>
                       </a:pPr>
@@ -9577,7 +10507,7 @@
                     <a:bodyPr/>
                     <a:lstStyle/>
                     <a:p>
-                      <a:pPr marL="0" indent="0" rtl="0" algn="l" latinLnBrk="0">
+                      <a:pPr marL="0" indent="0" rtl="0" algn="l" latinLnBrk="0" lvl="1">
                         <a:buFontTx/>
                         <a:buNone/>
                       </a:pPr>
@@ -9656,7 +10586,7 @@
                     <a:bodyPr/>
                     <a:lstStyle/>
                     <a:p>
-                      <a:pPr marL="0" indent="0" rtl="0" algn="ctr" latinLnBrk="0">
+                      <a:pPr marL="0" indent="0" rtl="0" algn="ctr" latinLnBrk="0" lvl="1">
                         <a:buFontTx/>
                         <a:buNone/>
                       </a:pPr>
@@ -9668,37 +10598,7 @@
                           <a:latin typeface="맑은 고딕" charset="0"/>
                           <a:ea typeface="맑은 고딕" charset="0"/>
                         </a:rPr>
-                        <a:t>2/</a:t>
-                      </a:r>
-                      <a:r>
-                        <a:rPr sz="1400" kern="1200" cap="none" i="0" b="0" strike="noStrike">
-                          <a:solidFill>
-                            <a:schemeClr val="tx1"/>
-                          </a:solidFill>
-                          <a:latin typeface="맑은 고딕" charset="0"/>
-                          <a:ea typeface="맑은 고딕" charset="0"/>
-                        </a:rPr>
-                        <a:t>8</a:t>
-                      </a:r>
-                      <a:r>
-                        <a:rPr sz="1400" kern="1200" cap="none" i="0" b="0" strike="noStrike">
-                          <a:solidFill>
-                            <a:schemeClr val="tx1"/>
-                          </a:solidFill>
-                          <a:latin typeface="맑은 고딕" charset="0"/>
-                          <a:ea typeface="맑은 고딕" charset="0"/>
-                        </a:rPr>
-                        <a:t>~2/</a:t>
-                      </a:r>
-                      <a:r>
-                        <a:rPr sz="1400" kern="1200" cap="none" i="0" b="0" strike="noStrike">
-                          <a:solidFill>
-                            <a:schemeClr val="tx1"/>
-                          </a:solidFill>
-                          <a:latin typeface="맑은 고딕" charset="0"/>
-                          <a:ea typeface="맑은 고딕" charset="0"/>
-                        </a:rPr>
-                        <a:t>9</a:t>
+                        <a:t>2/8~2/9</a:t>
                       </a:r>
                       <a:endParaRPr lang="ko-KR" altLang="en-US" sz="1400" kern="1200" i="0" cap="none" b="0" strike="noStrike">
                         <a:solidFill>
@@ -9788,7 +10688,7 @@
                     <a:bodyPr/>
                     <a:lstStyle/>
                     <a:p>
-                      <a:pPr marL="0" indent="0" rtl="0" algn="ctr" latinLnBrk="0">
+                      <a:pPr marL="0" indent="0" rtl="0" algn="ctr" latinLnBrk="0" lvl="1">
                         <a:buFontTx/>
                         <a:buNone/>
                       </a:pPr>
@@ -9870,7 +10770,7 @@
                     <a:bodyPr/>
                     <a:lstStyle/>
                     <a:p>
-                      <a:pPr marL="0" indent="0" rtl="0" algn="l" latinLnBrk="0">
+                      <a:pPr marL="0" indent="0" rtl="0" algn="l" latinLnBrk="0" lvl="1">
                         <a:buFontTx/>
                         <a:buNone/>
                       </a:pPr>
@@ -9949,7 +10849,7 @@
                     <a:bodyPr/>
                     <a:lstStyle/>
                     <a:p>
-                      <a:pPr marL="0" indent="0" latinLnBrk="0">
+                      <a:pPr marL="0" indent="0" latinLnBrk="0" lvl="1">
                         <a:buFontTx/>
                         <a:buNone/>
                       </a:pPr>
@@ -10028,7 +10928,86 @@
                     <a:bodyPr/>
                     <a:lstStyle/>
                     <a:p>
-                      <a:pPr marL="0" indent="0" rtl="0" algn="l" latinLnBrk="0">
+                      <a:pPr marL="0" indent="0" latinLnBrk="0" lvl="1">
+                        <a:buFontTx/>
+                        <a:buNone/>
+                      </a:pPr>
+                      <a:endParaRPr lang="ko-KR" altLang="en-US" sz="1400" kern="1200" i="0" b="0">
+                        <a:solidFill>
+                          <a:schemeClr val="tx1"/>
+                        </a:solidFill>
+                        <a:latin typeface="Calibri Light" charset="0"/>
+                        <a:ea typeface="맑은 고딕" charset="0"/>
+                      </a:endParaRPr>
+                    </a:p>
+                  </a:txBody>
+                  <a:tcPr marL="2540" marR="2540" marT="2540" marB="0" anchor="ctr">
+                    <a:lnL w="12700" cap="flat" cmpd="sng" algn="ctr">
+                      <a:solidFill>
+                        <a:srgbClr val="000000">
+                          <a:alpha val="100000"/>
+                        </a:srgbClr>
+                      </a:solidFill>
+                      <a:prstDash val="solid"/>
+                      <a:round/>
+                      <a:headEnd type="none" w="med" len="med"/>
+                      <a:tailEnd type="none" w="med" len="med"/>
+                    </a:lnL>
+                    <a:lnR w="12700" cap="flat" cmpd="sng" algn="ctr">
+                      <a:solidFill>
+                        <a:srgbClr val="000000">
+                          <a:alpha val="100000"/>
+                        </a:srgbClr>
+                      </a:solidFill>
+                      <a:prstDash val="solid"/>
+                      <a:round/>
+                      <a:headEnd type="none" w="med" len="med"/>
+                      <a:tailEnd type="none" w="med" len="med"/>
+                    </a:lnR>
+                    <a:lnT w="12700" cap="flat" cmpd="sng" algn="ctr">
+                      <a:solidFill>
+                        <a:srgbClr val="000000">
+                          <a:alpha val="100000"/>
+                        </a:srgbClr>
+                      </a:solidFill>
+                      <a:prstDash val="solid"/>
+                      <a:round/>
+                      <a:headEnd type="none" w="med" len="med"/>
+                      <a:tailEnd type="none" w="med" len="med"/>
+                    </a:lnT>
+                    <a:lnB w="12700" cap="flat" cmpd="sng" algn="ctr">
+                      <a:solidFill>
+                        <a:srgbClr val="000000">
+                          <a:alpha val="100000"/>
+                        </a:srgbClr>
+                      </a:solidFill>
+                      <a:prstDash val="solid"/>
+                      <a:round/>
+                      <a:headEnd type="none" w="med" len="med"/>
+                      <a:tailEnd type="none" w="med" len="med"/>
+                    </a:lnB>
+                    <a:lnTlToBr w="0" cap="flat" cmpd="sng" algn="ctr">
+                      <a:noFill/>
+                      <a:prstDash/>
+                      <a:round/>
+                      <a:headEnd type="none" w="med" len="med"/>
+                      <a:tailEnd type="none" w="med" len="med"/>
+                    </a:lnTlToBr>
+                    <a:lnBlToTr w="0" cap="flat" cmpd="sng" algn="ctr">
+                      <a:noFill/>
+                      <a:prstDash/>
+                      <a:round/>
+                      <a:headEnd type="none" w="med" len="med"/>
+                      <a:tailEnd type="none" w="med" len="med"/>
+                    </a:lnBlToTr>
+                  </a:tcPr>
+                </a:tc>
+                <a:tc>
+                  <a:txBody>
+                    <a:bodyPr/>
+                    <a:lstStyle/>
+                    <a:p>
+                      <a:pPr marL="0" indent="0" rtl="0" algn="l" latinLnBrk="0" lvl="1">
                         <a:buFontTx/>
                         <a:buNone/>
                       </a:pPr>
@@ -10102,8 +11081,97 @@
                     </a:lnBlToTr>
                   </a:tcPr>
                 </a:tc>
+                <a:tc gridSpan="2">
+                  <a:txBody>
+                    <a:bodyPr/>
+                    <a:lstStyle/>
+                    <a:p>
+                      <a:pPr marL="0" indent="0" rtl="0" algn="l" latinLnBrk="0" lvl="1">
+                        <a:buFontTx/>
+                        <a:buNone/>
+                      </a:pPr>
+                      <a:endParaRPr lang="ko-KR" altLang="en-US" sz="1400" kern="1200" i="0" cap="none" b="0" strike="noStrike">
+                        <a:solidFill>
+                          <a:schemeClr val="tx1"/>
+                        </a:solidFill>
+                        <a:latin typeface="맑은 고딕" charset="0"/>
+                        <a:ea typeface="맑은 고딕" charset="0"/>
+                      </a:endParaRPr>
+                    </a:p>
+                  </a:txBody>
+                  <a:tcPr marL="2540" marR="2540" marT="2540" marB="0" anchor="ctr">
+                    <a:lnL w="12700" cap="flat" cmpd="sng" algn="ctr">
+                      <a:solidFill>
+                        <a:srgbClr val="000000">
+                          <a:alpha val="100000"/>
+                        </a:srgbClr>
+                      </a:solidFill>
+                      <a:prstDash val="solid"/>
+                      <a:round/>
+                      <a:headEnd type="none" w="med" len="med"/>
+                      <a:tailEnd type="none" w="med" len="med"/>
+                    </a:lnL>
+                    <a:lnR w="12700" cap="flat" cmpd="sng" algn="ctr">
+                      <a:solidFill>
+                        <a:srgbClr val="000000">
+                          <a:alpha val="100000"/>
+                        </a:srgbClr>
+                      </a:solidFill>
+                      <a:prstDash val="solid"/>
+                      <a:round/>
+                      <a:headEnd type="none" w="med" len="med"/>
+                      <a:tailEnd type="none" w="med" len="med"/>
+                    </a:lnR>
+                    <a:lnT w="12700" cap="flat" cmpd="sng" algn="ctr">
+                      <a:solidFill>
+                        <a:srgbClr val="000000">
+                          <a:alpha val="100000"/>
+                        </a:srgbClr>
+                      </a:solidFill>
+                      <a:prstDash val="solid"/>
+                      <a:round/>
+                      <a:headEnd type="none" w="med" len="med"/>
+                      <a:tailEnd type="none" w="med" len="med"/>
+                    </a:lnT>
+                    <a:lnB w="12700" cap="flat" cmpd="sng" algn="ctr">
+                      <a:solidFill>
+                        <a:srgbClr val="000000">
+                          <a:alpha val="100000"/>
+                        </a:srgbClr>
+                      </a:solidFill>
+                      <a:prstDash val="solid"/>
+                      <a:round/>
+                      <a:headEnd type="none" w="med" len="med"/>
+                      <a:tailEnd type="none" w="med" len="med"/>
+                    </a:lnB>
+                    <a:lnTlToBr w="0" cap="flat" cmpd="sng" algn="ctr">
+                      <a:noFill/>
+                      <a:prstDash/>
+                      <a:round/>
+                      <a:headEnd type="none" w="med" len="med"/>
+                      <a:tailEnd type="none" w="med" len="med"/>
+                    </a:lnTlToBr>
+                    <a:lnBlToTr w="0" cap="flat" cmpd="sng" algn="ctr">
+                      <a:noFill/>
+                      <a:prstDash/>
+                      <a:round/>
+                      <a:headEnd type="none" w="med" len="med"/>
+                      <a:tailEnd type="none" w="med" len="med"/>
+                    </a:lnBlToTr>
+                  </a:tcPr>
+                </a:tc>
+                <a:tc hMerge="1">
+                  <a:txBody>
+                    <a:bodyPr/>
+                    <a:lstStyle/>
+                    <a:p>
+                      <a:pPr/>
+                      <a:endParaRPr lang="ko-KR" altLang="en-US" kern="1200"/>
+                    </a:p>
+                  </a:txBody>
+                </a:tc>
               </a:tr>
-              <a:tr h="396240">
+              <a:tr h="356870">
                 <a:tc vMerge="1">
                   <a:txBody>
                     <a:bodyPr/>
@@ -10129,7 +11197,7 @@
                     <a:bodyPr/>
                     <a:lstStyle/>
                     <a:p>
-                      <a:pPr marL="0" indent="0" rtl="0" algn="ctr" latinLnBrk="0">
+                      <a:pPr marL="0" indent="0" rtl="0" algn="ctr" latinLnBrk="0" lvl="1">
                         <a:buFontTx/>
                         <a:buNone/>
                       </a:pPr>
@@ -10207,7 +11275,7 @@
                     <a:bodyPr/>
                     <a:lstStyle/>
                     <a:p>
-                      <a:pPr marL="0" indent="0" rtl="0" algn="l" latinLnBrk="0">
+                      <a:pPr marL="0" indent="0" rtl="0" algn="l" latinLnBrk="0" lvl="1">
                         <a:buFontTx/>
                         <a:buNone/>
                       </a:pPr>
@@ -10286,7 +11354,7 @@
                     <a:bodyPr/>
                     <a:lstStyle/>
                     <a:p>
-                      <a:pPr marL="0" indent="0" rtl="0" algn="l" latinLnBrk="0">
+                      <a:pPr marL="0" indent="0" rtl="0" algn="l" latinLnBrk="0" lvl="1">
                         <a:buFontTx/>
                         <a:buNone/>
                       </a:pPr>
@@ -10365,7 +11433,7 @@
                     <a:bodyPr/>
                     <a:lstStyle/>
                     <a:p>
-                      <a:pPr marL="0" indent="0" rtl="0" algn="ctr" latinLnBrk="0">
+                      <a:pPr marL="0" indent="0" rtl="0" algn="ctr" latinLnBrk="0" lvl="1">
                         <a:buFontTx/>
                         <a:buNone/>
                       </a:pPr>
@@ -10377,43 +11445,13 @@
                           <a:latin typeface="맑은 고딕" charset="0"/>
                           <a:ea typeface="맑은 고딕" charset="0"/>
                         </a:rPr>
-                        <a:t>2/</a:t>
+                        <a:t>2/8~2/9</a:t>
                       </a:r>
-                      <a:r>
-                        <a:rPr sz="1400" kern="1200" cap="none" i="0" b="0" strike="noStrike">
-                          <a:solidFill>
-                            <a:schemeClr val="tx1"/>
-                          </a:solidFill>
-                          <a:latin typeface="맑은 고딕" charset="0"/>
-                          <a:ea typeface="맑은 고딕" charset="0"/>
-                        </a:rPr>
-                        <a:t>8</a:t>
-                      </a:r>
-                      <a:r>
-                        <a:rPr sz="1400" kern="1200" cap="none" i="0" b="0" strike="noStrike">
-                          <a:solidFill>
-                            <a:schemeClr val="tx1"/>
-                          </a:solidFill>
-                          <a:latin typeface="맑은 고딕" charset="0"/>
-                          <a:ea typeface="맑은 고딕" charset="0"/>
-                        </a:rPr>
-                        <a:t>~2/</a:t>
-                      </a:r>
-                      <a:r>
-                        <a:rPr sz="1400" kern="1200" cap="none" i="0" b="0" strike="noStrike">
-                          <a:solidFill>
-                            <a:schemeClr val="tx1"/>
-                          </a:solidFill>
-                          <a:latin typeface="맑은 고딕" charset="0"/>
-                          <a:ea typeface="맑은 고딕" charset="0"/>
-                        </a:rPr>
-                        <a:t>9</a:t>
-                      </a:r>
-                      <a:endParaRPr lang="ko-KR" altLang="en-US" sz="1400" kern="1200" i="0" b="0">
+                      <a:endParaRPr lang="ko-KR" altLang="en-US" sz="1400" kern="1200" i="0" cap="none" b="0" strike="noStrike">
                         <a:solidFill>
                           <a:schemeClr val="tx1"/>
                         </a:solidFill>
-                        <a:latin typeface="Calibri Light" charset="0"/>
+                        <a:latin typeface="맑은 고딕" charset="0"/>
                         <a:ea typeface="맑은 고딕" charset="0"/>
                       </a:endParaRPr>
                     </a:p>
@@ -10497,7 +11535,7 @@
                     <a:bodyPr/>
                     <a:lstStyle/>
                     <a:p>
-                      <a:pPr marL="0" indent="0" rtl="0" algn="ctr" latinLnBrk="0">
+                      <a:pPr marL="0" indent="0" rtl="0" algn="ctr" latinLnBrk="0" lvl="1">
                         <a:buFontTx/>
                         <a:buNone/>
                       </a:pPr>
@@ -10579,7 +11617,7 @@
                     <a:bodyPr/>
                     <a:lstStyle/>
                     <a:p>
-                      <a:pPr marL="0" indent="0" rtl="0" algn="l" defTabSz="914400" eaLnBrk="1" latinLnBrk="1" hangingPunct="1">
+                      <a:pPr marL="0" indent="0" rtl="0" algn="l" defTabSz="914400" eaLnBrk="1" latinLnBrk="1" hangingPunct="1" lvl="1">
                         <a:buFontTx/>
                         <a:buNone/>
                       </a:pPr>
@@ -10661,7 +11699,7 @@
                     <a:bodyPr/>
                     <a:lstStyle/>
                     <a:p>
-                      <a:pPr marL="0" indent="0" latinLnBrk="0">
+                      <a:pPr marL="0" indent="0" latinLnBrk="0" lvl="1">
                         <a:buFontTx/>
                         <a:buNone/>
                       </a:pPr>
@@ -10743,7 +11781,89 @@
                     <a:bodyPr/>
                     <a:lstStyle/>
                     <a:p>
-                      <a:pPr marL="0" indent="0" rtl="0" algn="l" latinLnBrk="0">
+                      <a:pPr marL="0" indent="0" latinLnBrk="0" lvl="1">
+                        <a:buFontTx/>
+                        <a:buNone/>
+                      </a:pPr>
+                      <a:endParaRPr lang="ko-KR" altLang="en-US" sz="1400" kern="1200" i="0" b="0">
+                        <a:solidFill>
+                          <a:schemeClr val="tx1"/>
+                        </a:solidFill>
+                        <a:latin typeface="Calibri Light" charset="0"/>
+                        <a:ea typeface="맑은 고딕" charset="0"/>
+                      </a:endParaRPr>
+                    </a:p>
+                  </a:txBody>
+                  <a:tcPr marL="2540" marR="2540" marT="2540" marB="0" anchor="ctr">
+                    <a:lnL w="12700" cap="flat" cmpd="sng" algn="ctr">
+                      <a:solidFill>
+                        <a:srgbClr val="000000">
+                          <a:alpha val="100000"/>
+                        </a:srgbClr>
+                      </a:solidFill>
+                      <a:prstDash val="solid"/>
+                      <a:round/>
+                      <a:headEnd type="none" w="med" len="med"/>
+                      <a:tailEnd type="none" w="med" len="med"/>
+                    </a:lnL>
+                    <a:lnR w="12700" cap="flat" cmpd="sng" algn="ctr">
+                      <a:solidFill>
+                        <a:srgbClr val="000000">
+                          <a:alpha val="100000"/>
+                        </a:srgbClr>
+                      </a:solidFill>
+                      <a:prstDash val="solid"/>
+                      <a:round/>
+                      <a:headEnd type="none" w="med" len="med"/>
+                      <a:tailEnd type="none" w="med" len="med"/>
+                    </a:lnR>
+                    <a:lnT w="12700" cap="flat" cmpd="sng" algn="ctr">
+                      <a:solidFill>
+                        <a:srgbClr val="000000">
+                          <a:alpha val="100000"/>
+                        </a:srgbClr>
+                      </a:solidFill>
+                      <a:prstDash val="solid"/>
+                      <a:round/>
+                      <a:headEnd type="none" w="med" len="med"/>
+                      <a:tailEnd type="none" w="med" len="med"/>
+                    </a:lnT>
+                    <a:lnB w="12700" cap="flat" cmpd="sng" algn="ctr">
+                      <a:solidFill>
+                        <a:srgbClr val="000000">
+                          <a:alpha val="100000"/>
+                        </a:srgbClr>
+                      </a:solidFill>
+                      <a:prstDash val="solid"/>
+                      <a:round/>
+                      <a:headEnd type="none" w="med" len="med"/>
+                      <a:tailEnd type="none" w="med" len="med"/>
+                    </a:lnB>
+                    <a:lnTlToBr w="0" cap="flat" cmpd="sng" algn="ctr">
+                      <a:noFill/>
+                      <a:prstDash/>
+                      <a:round/>
+                      <a:headEnd type="none" w="med" len="med"/>
+                      <a:tailEnd type="none" w="med" len="med"/>
+                    </a:lnTlToBr>
+                    <a:lnBlToTr w="0" cap="flat" cmpd="sng" algn="ctr">
+                      <a:noFill/>
+                      <a:prstDash/>
+                      <a:round/>
+                      <a:headEnd type="none" w="med" len="med"/>
+                      <a:tailEnd type="none" w="med" len="med"/>
+                    </a:lnBlToTr>
+                    <a:solidFill>
+                      <a:srgbClr val="F7F0DF"/>
+                    </a:solidFill>
+                  </a:tcPr>
+                </a:tc>
+                <a:tc>
+                  <a:txBody>
+                    <a:bodyPr/>
+                    <a:lstStyle/>
+                    <a:p>
+                      <a:pPr marL="0" indent="0" rtl="0" algn="l" latinLnBrk="0" lvl="1">
                         <a:buFontTx/>
                         <a:buNone/>
                       </a:pPr>
@@ -10820,8 +11940,100 @@
                     </a:solidFill>
                   </a:tcPr>
                 </a:tc>
+                <a:tc gridSpan="2">
+                  <a:txBody>
+                    <a:bodyPr/>
+                    <a:lstStyle/>
+                    <a:p>
+                      <a:pPr marL="0" indent="0" rtl="0" algn="l" latinLnBrk="0" lvl="1">
+                        <a:buFontTx/>
+                        <a:buNone/>
+                      </a:pPr>
+                      <a:endParaRPr lang="ko-KR" altLang="en-US" sz="1400" kern="1200" i="0" cap="none" b="0" strike="noStrike">
+                        <a:solidFill>
+                          <a:schemeClr val="tx1"/>
+                        </a:solidFill>
+                        <a:latin typeface="맑은 고딕" charset="0"/>
+                        <a:ea typeface="맑은 고딕" charset="0"/>
+                      </a:endParaRPr>
+                    </a:p>
+                  </a:txBody>
+                  <a:tcPr marL="2540" marR="2540" marT="2540" marB="0" anchor="ctr">
+                    <a:lnL w="12700" cap="flat" cmpd="sng" algn="ctr">
+                      <a:solidFill>
+                        <a:srgbClr val="000000">
+                          <a:alpha val="100000"/>
+                        </a:srgbClr>
+                      </a:solidFill>
+                      <a:prstDash val="solid"/>
+                      <a:round/>
+                      <a:headEnd type="none" w="med" len="med"/>
+                      <a:tailEnd type="none" w="med" len="med"/>
+                    </a:lnL>
+                    <a:lnR w="12700" cap="flat" cmpd="sng" algn="ctr">
+                      <a:solidFill>
+                        <a:srgbClr val="000000">
+                          <a:alpha val="100000"/>
+                        </a:srgbClr>
+                      </a:solidFill>
+                      <a:prstDash val="solid"/>
+                      <a:round/>
+                      <a:headEnd type="none" w="med" len="med"/>
+                      <a:tailEnd type="none" w="med" len="med"/>
+                    </a:lnR>
+                    <a:lnT w="12700" cap="flat" cmpd="sng" algn="ctr">
+                      <a:solidFill>
+                        <a:srgbClr val="000000">
+                          <a:alpha val="100000"/>
+                        </a:srgbClr>
+                      </a:solidFill>
+                      <a:prstDash val="solid"/>
+                      <a:round/>
+                      <a:headEnd type="none" w="med" len="med"/>
+                      <a:tailEnd type="none" w="med" len="med"/>
+                    </a:lnT>
+                    <a:lnB w="12700" cap="flat" cmpd="sng" algn="ctr">
+                      <a:solidFill>
+                        <a:srgbClr val="000000">
+                          <a:alpha val="100000"/>
+                        </a:srgbClr>
+                      </a:solidFill>
+                      <a:prstDash val="solid"/>
+                      <a:round/>
+                      <a:headEnd type="none" w="med" len="med"/>
+                      <a:tailEnd type="none" w="med" len="med"/>
+                    </a:lnB>
+                    <a:lnTlToBr w="0" cap="flat" cmpd="sng" algn="ctr">
+                      <a:noFill/>
+                      <a:prstDash/>
+                      <a:round/>
+                      <a:headEnd type="none" w="med" len="med"/>
+                      <a:tailEnd type="none" w="med" len="med"/>
+                    </a:lnTlToBr>
+                    <a:lnBlToTr w="0" cap="flat" cmpd="sng" algn="ctr">
+                      <a:noFill/>
+                      <a:prstDash/>
+                      <a:round/>
+                      <a:headEnd type="none" w="med" len="med"/>
+                      <a:tailEnd type="none" w="med" len="med"/>
+                    </a:lnBlToTr>
+                    <a:solidFill>
+                      <a:srgbClr val="F7F0DF"/>
+                    </a:solidFill>
+                  </a:tcPr>
+                </a:tc>
+                <a:tc hMerge="1">
+                  <a:txBody>
+                    <a:bodyPr/>
+                    <a:lstStyle/>
+                    <a:p>
+                      <a:pPr/>
+                      <a:endParaRPr lang="ko-KR" altLang="en-US" kern="1200"/>
+                    </a:p>
+                  </a:txBody>
+                </a:tc>
               </a:tr>
-              <a:tr h="413385">
+              <a:tr h="356870">
                 <a:tc vMerge="1">
                   <a:txBody>
                     <a:bodyPr/>
@@ -10837,7 +12049,7 @@
                     <a:bodyPr/>
                     <a:lstStyle/>
                     <a:p>
-                      <a:pPr marL="0" indent="0" rtl="0" algn="ctr" latinLnBrk="0">
+                      <a:pPr marL="0" indent="0" rtl="0" algn="ctr" latinLnBrk="0" lvl="1">
                         <a:buFontTx/>
                         <a:buNone/>
                       </a:pPr>
@@ -10925,7 +12137,7 @@
                     <a:bodyPr/>
                     <a:lstStyle/>
                     <a:p>
-                      <a:pPr marL="0" indent="0" rtl="0" algn="ctr" latinLnBrk="0">
+                      <a:pPr marL="0" indent="0" rtl="0" algn="ctr" latinLnBrk="0" lvl="1">
                         <a:buFontTx/>
                         <a:buNone/>
                       </a:pPr>
@@ -11003,7 +12215,7 @@
                     <a:bodyPr/>
                     <a:lstStyle/>
                     <a:p>
-                      <a:pPr marL="0" indent="0" rtl="0" algn="l" latinLnBrk="0">
+                      <a:pPr marL="0" indent="0" rtl="0" algn="l" latinLnBrk="0" lvl="1">
                         <a:buFontTx/>
                         <a:buNone/>
                       </a:pPr>
@@ -11082,7 +12294,7 @@
                     <a:bodyPr/>
                     <a:lstStyle/>
                     <a:p>
-                      <a:pPr marL="0" indent="0" rtl="0" algn="l" latinLnBrk="0">
+                      <a:pPr marL="0" indent="0" rtl="0" algn="l" latinLnBrk="0" lvl="1">
                         <a:buFontTx/>
                         <a:buNone/>
                       </a:pPr>
@@ -11156,12 +12368,12 @@
                     </a:lnBlToTr>
                   </a:tcPr>
                 </a:tc>
-                <a:tc gridSpan="2">
+                <a:tc>
                   <a:txBody>
                     <a:bodyPr/>
                     <a:lstStyle/>
                     <a:p>
-                      <a:pPr marL="0" indent="0" rtl="0" algn="l" latinLnBrk="0">
+                      <a:pPr marL="0" indent="0" rtl="0" algn="l" latinLnBrk="0" lvl="1">
                         <a:buFontTx/>
                         <a:buNone/>
                       </a:pPr>
@@ -11235,22 +12447,91 @@
                     </a:lnBlToTr>
                   </a:tcPr>
                 </a:tc>
-                <a:tc hMerge="1">
+                <a:tc>
                   <a:txBody>
                     <a:bodyPr/>
                     <a:lstStyle/>
                     <a:p>
-                      <a:pPr/>
-                      <a:endParaRPr lang="ko-KR" altLang="en-US" kern="1200"/>
+                      <a:pPr marL="0" indent="0" rtl="0" algn="l" latinLnBrk="0" lvl="1">
+                        <a:buFontTx/>
+                        <a:buNone/>
+                      </a:pPr>
+                      <a:endParaRPr lang="ko-KR" altLang="en-US" sz="1400" kern="1200" i="0" cap="none" b="0" strike="noStrike">
+                        <a:solidFill>
+                          <a:schemeClr val="tx1"/>
+                        </a:solidFill>
+                        <a:latin typeface="맑은 고딕" charset="0"/>
+                        <a:ea typeface="맑은 고딕" charset="0"/>
+                      </a:endParaRPr>
                     </a:p>
                   </a:txBody>
+                  <a:tcPr marL="2540" marR="2540" marT="2540" marB="0" anchor="ctr">
+                    <a:lnL w="12700" cap="flat" cmpd="sng" algn="ctr">
+                      <a:solidFill>
+                        <a:srgbClr val="000000">
+                          <a:alpha val="100000"/>
+                        </a:srgbClr>
+                      </a:solidFill>
+                      <a:prstDash val="solid"/>
+                      <a:round/>
+                      <a:headEnd type="none" w="med" len="med"/>
+                      <a:tailEnd type="none" w="med" len="med"/>
+                    </a:lnL>
+                    <a:lnR w="12700" cap="flat" cmpd="sng" algn="ctr">
+                      <a:solidFill>
+                        <a:srgbClr val="000000">
+                          <a:alpha val="100000"/>
+                        </a:srgbClr>
+                      </a:solidFill>
+                      <a:prstDash val="solid"/>
+                      <a:round/>
+                      <a:headEnd type="none" w="med" len="med"/>
+                      <a:tailEnd type="none" w="med" len="med"/>
+                    </a:lnR>
+                    <a:lnT w="12700" cap="flat" cmpd="sng" algn="ctr">
+                      <a:solidFill>
+                        <a:srgbClr val="000000">
+                          <a:alpha val="100000"/>
+                        </a:srgbClr>
+                      </a:solidFill>
+                      <a:prstDash val="solid"/>
+                      <a:round/>
+                      <a:headEnd type="none" w="med" len="med"/>
+                      <a:tailEnd type="none" w="med" len="med"/>
+                    </a:lnT>
+                    <a:lnB w="12700" cap="flat" cmpd="sng" algn="ctr">
+                      <a:solidFill>
+                        <a:srgbClr val="000000">
+                          <a:alpha val="100000"/>
+                        </a:srgbClr>
+                      </a:solidFill>
+                      <a:prstDash val="solid"/>
+                      <a:round/>
+                      <a:headEnd type="none" w="med" len="med"/>
+                      <a:tailEnd type="none" w="med" len="med"/>
+                    </a:lnB>
+                    <a:lnTlToBr w="0" cap="flat" cmpd="sng" algn="ctr">
+                      <a:noFill/>
+                      <a:prstDash/>
+                      <a:round/>
+                      <a:headEnd type="none" w="med" len="med"/>
+                      <a:tailEnd type="none" w="med" len="med"/>
+                    </a:lnTlToBr>
+                    <a:lnBlToTr w="0" cap="flat" cmpd="sng" algn="ctr">
+                      <a:noFill/>
+                      <a:prstDash/>
+                      <a:round/>
+                      <a:headEnd type="none" w="med" len="med"/>
+                      <a:tailEnd type="none" w="med" len="med"/>
+                    </a:lnBlToTr>
+                  </a:tcPr>
                 </a:tc>
                 <a:tc gridSpan="2">
                   <a:txBody>
                     <a:bodyPr/>
                     <a:lstStyle/>
                     <a:p>
-                      <a:pPr marL="0" indent="0" rtl="0" algn="ctr" latinLnBrk="0">
+                      <a:pPr marL="0" indent="0" rtl="0" algn="ctr" latinLnBrk="0" lvl="1">
                         <a:buFontTx/>
                         <a:buNone/>
                       </a:pPr>
@@ -11262,57 +12543,7 @@
                           <a:latin typeface="맑은 고딕" charset="0"/>
                           <a:ea typeface="맑은 고딕" charset="0"/>
                         </a:rPr>
-                        <a:t>2/</a:t>
-                      </a:r>
-                      <a:r>
-                        <a:rPr sz="1400" kern="1200" cap="none" i="0" b="0" strike="noStrike">
-                          <a:solidFill>
-                            <a:schemeClr val="tx1"/>
-                          </a:solidFill>
-                          <a:latin typeface="맑은 고딕" charset="0"/>
-                          <a:ea typeface="맑은 고딕" charset="0"/>
-                        </a:rPr>
-                        <a:t>1</a:t>
-                      </a:r>
-                      <a:r>
-                        <a:rPr sz="1400" kern="1200" cap="none" i="0" b="0" strike="noStrike">
-                          <a:solidFill>
-                            <a:schemeClr val="tx1"/>
-                          </a:solidFill>
-                          <a:latin typeface="맑은 고딕" charset="0"/>
-                          <a:ea typeface="맑은 고딕" charset="0"/>
-                        </a:rPr>
-                        <a:t>0</a:t>
-                      </a:r>
-                      <a:r>
-                        <a:rPr sz="1400" kern="1200" cap="none" i="0" b="0" strike="noStrike">
-                          <a:solidFill>
-                            <a:schemeClr val="tx1"/>
-                          </a:solidFill>
-                          <a:latin typeface="맑은 고딕" charset="0"/>
-                          <a:ea typeface="맑은 고딕" charset="0"/>
-                        </a:rPr>
-                        <a:t>~</a:t>
-                      </a:r>
-                      <a:r>
-                        <a:rPr sz="1400" kern="1200" cap="none" i="0" b="0" strike="noStrike">
-                          <a:solidFill>
-                            <a:schemeClr val="tx1"/>
-                          </a:solidFill>
-                          <a:latin typeface="맑은 고딕" charset="0"/>
-                          <a:ea typeface="맑은 고딕" charset="0"/>
-                        </a:rPr>
-                        <a:t>2</a:t>
-                      </a:r>
-                      <a:r>
-                        <a:rPr sz="1400" kern="1200" cap="none" i="0" b="0" strike="noStrike">
-                          <a:solidFill>
-                            <a:schemeClr val="tx1"/>
-                          </a:solidFill>
-                          <a:latin typeface="맑은 고딕" charset="0"/>
-                          <a:ea typeface="맑은 고딕" charset="0"/>
-                        </a:rPr>
-                        <a:t>/11</a:t>
+                        <a:t>2/10~2/11</a:t>
                       </a:r>
                       <a:endParaRPr lang="ko-KR" altLang="en-US" sz="1400" kern="1200" i="0" cap="none" b="0" strike="noStrike">
                         <a:solidFill>
@@ -11402,7 +12633,7 @@
                     <a:bodyPr/>
                     <a:lstStyle/>
                     <a:p>
-                      <a:pPr marL="0" indent="0" latinLnBrk="0">
+                      <a:pPr marL="0" indent="0" latinLnBrk="0" lvl="1">
                         <a:buFontTx/>
                         <a:buNone/>
                       </a:pPr>
@@ -11481,7 +12712,86 @@
                     <a:bodyPr/>
                     <a:lstStyle/>
                     <a:p>
-                      <a:pPr marL="0" indent="0" rtl="0" algn="l" latinLnBrk="0">
+                      <a:pPr marL="0" indent="0" latinLnBrk="0" lvl="1">
+                        <a:buFontTx/>
+                        <a:buNone/>
+                      </a:pPr>
+                      <a:endParaRPr lang="ko-KR" altLang="en-US" sz="1400" kern="1200" i="0" b="0">
+                        <a:solidFill>
+                          <a:schemeClr val="tx1"/>
+                        </a:solidFill>
+                        <a:latin typeface="Calibri Light" charset="0"/>
+                        <a:ea typeface="맑은 고딕" charset="0"/>
+                      </a:endParaRPr>
+                    </a:p>
+                  </a:txBody>
+                  <a:tcPr marL="2540" marR="2540" marT="2540" marB="0" anchor="ctr">
+                    <a:lnL w="12700" cap="flat" cmpd="sng" algn="ctr">
+                      <a:solidFill>
+                        <a:srgbClr val="000000">
+                          <a:alpha val="100000"/>
+                        </a:srgbClr>
+                      </a:solidFill>
+                      <a:prstDash val="solid"/>
+                      <a:round/>
+                      <a:headEnd type="none" w="med" len="med"/>
+                      <a:tailEnd type="none" w="med" len="med"/>
+                    </a:lnL>
+                    <a:lnR w="12700" cap="flat" cmpd="sng" algn="ctr">
+                      <a:solidFill>
+                        <a:srgbClr val="000000">
+                          <a:alpha val="100000"/>
+                        </a:srgbClr>
+                      </a:solidFill>
+                      <a:prstDash val="solid"/>
+                      <a:round/>
+                      <a:headEnd type="none" w="med" len="med"/>
+                      <a:tailEnd type="none" w="med" len="med"/>
+                    </a:lnR>
+                    <a:lnT w="12700" cap="flat" cmpd="sng" algn="ctr">
+                      <a:solidFill>
+                        <a:srgbClr val="000000">
+                          <a:alpha val="100000"/>
+                        </a:srgbClr>
+                      </a:solidFill>
+                      <a:prstDash val="solid"/>
+                      <a:round/>
+                      <a:headEnd type="none" w="med" len="med"/>
+                      <a:tailEnd type="none" w="med" len="med"/>
+                    </a:lnT>
+                    <a:lnB w="12700" cap="flat" cmpd="sng" algn="ctr">
+                      <a:solidFill>
+                        <a:srgbClr val="000000">
+                          <a:alpha val="100000"/>
+                        </a:srgbClr>
+                      </a:solidFill>
+                      <a:prstDash val="solid"/>
+                      <a:round/>
+                      <a:headEnd type="none" w="med" len="med"/>
+                      <a:tailEnd type="none" w="med" len="med"/>
+                    </a:lnB>
+                    <a:lnTlToBr w="0" cap="flat" cmpd="sng" algn="ctr">
+                      <a:noFill/>
+                      <a:prstDash/>
+                      <a:round/>
+                      <a:headEnd type="none" w="med" len="med"/>
+                      <a:tailEnd type="none" w="med" len="med"/>
+                    </a:lnTlToBr>
+                    <a:lnBlToTr w="0" cap="flat" cmpd="sng" algn="ctr">
+                      <a:noFill/>
+                      <a:prstDash/>
+                      <a:round/>
+                      <a:headEnd type="none" w="med" len="med"/>
+                      <a:tailEnd type="none" w="med" len="med"/>
+                    </a:lnBlToTr>
+                  </a:tcPr>
+                </a:tc>
+                <a:tc>
+                  <a:txBody>
+                    <a:bodyPr/>
+                    <a:lstStyle/>
+                    <a:p>
+                      <a:pPr marL="0" indent="0" rtl="0" algn="l" latinLnBrk="0" lvl="1">
                         <a:buFontTx/>
                         <a:buNone/>
                       </a:pPr>
@@ -11555,8 +12865,97 @@
                     </a:lnBlToTr>
                   </a:tcPr>
                 </a:tc>
+                <a:tc gridSpan="2">
+                  <a:txBody>
+                    <a:bodyPr/>
+                    <a:lstStyle/>
+                    <a:p>
+                      <a:pPr marL="0" indent="0" rtl="0" algn="l" latinLnBrk="0" lvl="1">
+                        <a:buFontTx/>
+                        <a:buNone/>
+                      </a:pPr>
+                      <a:endParaRPr lang="ko-KR" altLang="en-US" sz="1400" kern="1200" i="0" cap="none" b="0" strike="noStrike">
+                        <a:solidFill>
+                          <a:schemeClr val="tx1"/>
+                        </a:solidFill>
+                        <a:latin typeface="맑은 고딕" charset="0"/>
+                        <a:ea typeface="맑은 고딕" charset="0"/>
+                      </a:endParaRPr>
+                    </a:p>
+                  </a:txBody>
+                  <a:tcPr marL="2540" marR="2540" marT="2540" marB="0" anchor="ctr">
+                    <a:lnL w="12700" cap="flat" cmpd="sng" algn="ctr">
+                      <a:solidFill>
+                        <a:srgbClr val="000000">
+                          <a:alpha val="100000"/>
+                        </a:srgbClr>
+                      </a:solidFill>
+                      <a:prstDash val="solid"/>
+                      <a:round/>
+                      <a:headEnd type="none" w="med" len="med"/>
+                      <a:tailEnd type="none" w="med" len="med"/>
+                    </a:lnL>
+                    <a:lnR w="12700" cap="flat" cmpd="sng" algn="ctr">
+                      <a:solidFill>
+                        <a:srgbClr val="000000">
+                          <a:alpha val="100000"/>
+                        </a:srgbClr>
+                      </a:solidFill>
+                      <a:prstDash val="solid"/>
+                      <a:round/>
+                      <a:headEnd type="none" w="med" len="med"/>
+                      <a:tailEnd type="none" w="med" len="med"/>
+                    </a:lnR>
+                    <a:lnT w="12700" cap="flat" cmpd="sng" algn="ctr">
+                      <a:solidFill>
+                        <a:srgbClr val="000000">
+                          <a:alpha val="100000"/>
+                        </a:srgbClr>
+                      </a:solidFill>
+                      <a:prstDash val="solid"/>
+                      <a:round/>
+                      <a:headEnd type="none" w="med" len="med"/>
+                      <a:tailEnd type="none" w="med" len="med"/>
+                    </a:lnT>
+                    <a:lnB w="12700" cap="flat" cmpd="sng" algn="ctr">
+                      <a:solidFill>
+                        <a:srgbClr val="000000">
+                          <a:alpha val="100000"/>
+                        </a:srgbClr>
+                      </a:solidFill>
+                      <a:prstDash val="solid"/>
+                      <a:round/>
+                      <a:headEnd type="none" w="med" len="med"/>
+                      <a:tailEnd type="none" w="med" len="med"/>
+                    </a:lnB>
+                    <a:lnTlToBr w="0" cap="flat" cmpd="sng" algn="ctr">
+                      <a:noFill/>
+                      <a:prstDash/>
+                      <a:round/>
+                      <a:headEnd type="none" w="med" len="med"/>
+                      <a:tailEnd type="none" w="med" len="med"/>
+                    </a:lnTlToBr>
+                    <a:lnBlToTr w="0" cap="flat" cmpd="sng" algn="ctr">
+                      <a:noFill/>
+                      <a:prstDash/>
+                      <a:round/>
+                      <a:headEnd type="none" w="med" len="med"/>
+                      <a:tailEnd type="none" w="med" len="med"/>
+                    </a:lnBlToTr>
+                  </a:tcPr>
+                </a:tc>
+                <a:tc hMerge="1">
+                  <a:txBody>
+                    <a:bodyPr/>
+                    <a:lstStyle/>
+                    <a:p>
+                      <a:pPr/>
+                      <a:endParaRPr lang="ko-KR" altLang="en-US" kern="1200"/>
+                    </a:p>
+                  </a:txBody>
+                </a:tc>
               </a:tr>
-              <a:tr h="427990">
+              <a:tr h="358775">
                 <a:tc vMerge="1">
                   <a:txBody>
                     <a:bodyPr/>
@@ -11582,7 +12981,7 @@
                     <a:bodyPr/>
                     <a:lstStyle/>
                     <a:p>
-                      <a:pPr marL="0" indent="0" rtl="0" algn="ctr" latinLnBrk="0">
+                      <a:pPr marL="0" indent="0" rtl="0" algn="ctr" latinLnBrk="0" lvl="1">
                         <a:buFontTx/>
                         <a:buNone/>
                       </a:pPr>
@@ -11660,7 +13059,7 @@
                     <a:bodyPr/>
                     <a:lstStyle/>
                     <a:p>
-                      <a:pPr marL="0" indent="0" rtl="0" algn="l" latinLnBrk="0">
+                      <a:pPr marL="0" indent="0" rtl="0" algn="l" latinLnBrk="0" lvl="1">
                         <a:buFontTx/>
                         <a:buNone/>
                       </a:pPr>
@@ -11739,7 +13138,7 @@
                     <a:bodyPr/>
                     <a:lstStyle/>
                     <a:p>
-                      <a:pPr marL="0" indent="0" rtl="0" algn="l" latinLnBrk="0">
+                      <a:pPr marL="0" indent="0" rtl="0" algn="l" latinLnBrk="0" lvl="1">
                         <a:buFontTx/>
                         <a:buNone/>
                       </a:pPr>
@@ -11813,12 +13212,12 @@
                     </a:lnBlToTr>
                   </a:tcPr>
                 </a:tc>
-                <a:tc gridSpan="2">
+                <a:tc>
                   <a:txBody>
                     <a:bodyPr/>
                     <a:lstStyle/>
                     <a:p>
-                      <a:pPr marL="0" indent="0" rtl="0" algn="l" latinLnBrk="0">
+                      <a:pPr marL="0" indent="0" rtl="0" algn="l" latinLnBrk="0" lvl="1">
                         <a:buFontTx/>
                         <a:buNone/>
                       </a:pPr>
@@ -11892,22 +13291,91 @@
                     </a:lnBlToTr>
                   </a:tcPr>
                 </a:tc>
-                <a:tc hMerge="1">
+                <a:tc>
                   <a:txBody>
                     <a:bodyPr/>
                     <a:lstStyle/>
                     <a:p>
-                      <a:pPr/>
-                      <a:endParaRPr lang="ko-KR" altLang="en-US" kern="1200"/>
+                      <a:pPr marL="0" indent="0" rtl="0" algn="l" latinLnBrk="0" lvl="1">
+                        <a:buFontTx/>
+                        <a:buNone/>
+                      </a:pPr>
+                      <a:endParaRPr lang="ko-KR" altLang="en-US" sz="1400" kern="1200" i="0" cap="none" b="0" strike="noStrike">
+                        <a:solidFill>
+                          <a:schemeClr val="tx1"/>
+                        </a:solidFill>
+                        <a:latin typeface="맑은 고딕" charset="0"/>
+                        <a:ea typeface="맑은 고딕" charset="0"/>
+                      </a:endParaRPr>
                     </a:p>
                   </a:txBody>
+                  <a:tcPr marL="2540" marR="2540" marT="2540" marB="0" anchor="ctr">
+                    <a:lnL w="12700" cap="flat" cmpd="sng" algn="ctr">
+                      <a:solidFill>
+                        <a:srgbClr val="000000">
+                          <a:alpha val="100000"/>
+                        </a:srgbClr>
+                      </a:solidFill>
+                      <a:prstDash val="solid"/>
+                      <a:round/>
+                      <a:headEnd type="none" w="med" len="med"/>
+                      <a:tailEnd type="none" w="med" len="med"/>
+                    </a:lnL>
+                    <a:lnR w="12700" cap="flat" cmpd="sng" algn="ctr">
+                      <a:solidFill>
+                        <a:srgbClr val="000000">
+                          <a:alpha val="100000"/>
+                        </a:srgbClr>
+                      </a:solidFill>
+                      <a:prstDash val="solid"/>
+                      <a:round/>
+                      <a:headEnd type="none" w="med" len="med"/>
+                      <a:tailEnd type="none" w="med" len="med"/>
+                    </a:lnR>
+                    <a:lnT w="12700" cap="flat" cmpd="sng" algn="ctr">
+                      <a:solidFill>
+                        <a:srgbClr val="000000">
+                          <a:alpha val="100000"/>
+                        </a:srgbClr>
+                      </a:solidFill>
+                      <a:prstDash val="solid"/>
+                      <a:round/>
+                      <a:headEnd type="none" w="med" len="med"/>
+                      <a:tailEnd type="none" w="med" len="med"/>
+                    </a:lnT>
+                    <a:lnB w="12700" cap="flat" cmpd="sng" algn="ctr">
+                      <a:solidFill>
+                        <a:srgbClr val="000000">
+                          <a:alpha val="100000"/>
+                        </a:srgbClr>
+                      </a:solidFill>
+                      <a:prstDash val="solid"/>
+                      <a:round/>
+                      <a:headEnd type="none" w="med" len="med"/>
+                      <a:tailEnd type="none" w="med" len="med"/>
+                    </a:lnB>
+                    <a:lnTlToBr w="0" cap="flat" cmpd="sng" algn="ctr">
+                      <a:noFill/>
+                      <a:prstDash/>
+                      <a:round/>
+                      <a:headEnd type="none" w="med" len="med"/>
+                      <a:tailEnd type="none" w="med" len="med"/>
+                    </a:lnTlToBr>
+                    <a:lnBlToTr w="0" cap="flat" cmpd="sng" algn="ctr">
+                      <a:noFill/>
+                      <a:prstDash/>
+                      <a:round/>
+                      <a:headEnd type="none" w="med" len="med"/>
+                      <a:tailEnd type="none" w="med" len="med"/>
+                    </a:lnBlToTr>
+                  </a:tcPr>
                 </a:tc>
                 <a:tc gridSpan="2">
                   <a:txBody>
                     <a:bodyPr/>
                     <a:lstStyle/>
                     <a:p>
-                      <a:pPr marL="0" indent="0" rtl="0" algn="ctr" latinLnBrk="0">
+                      <a:pPr marL="0" indent="0" rtl="0" algn="ctr" latinLnBrk="0" lvl="1">
                         <a:buFontTx/>
                         <a:buNone/>
                       </a:pPr>
@@ -11919,57 +13387,7 @@
                           <a:latin typeface="맑은 고딕" charset="0"/>
                           <a:ea typeface="맑은 고딕" charset="0"/>
                         </a:rPr>
-                        <a:t>2/</a:t>
-                      </a:r>
-                      <a:r>
-                        <a:rPr sz="1400" kern="1200" cap="none" i="0" b="0" strike="noStrike">
-                          <a:solidFill>
-                            <a:schemeClr val="tx1"/>
-                          </a:solidFill>
-                          <a:latin typeface="맑은 고딕" charset="0"/>
-                          <a:ea typeface="맑은 고딕" charset="0"/>
-                        </a:rPr>
-                        <a:t>1</a:t>
-                      </a:r>
-                      <a:r>
-                        <a:rPr sz="1400" kern="1200" cap="none" i="0" b="0" strike="noStrike">
-                          <a:solidFill>
-                            <a:schemeClr val="tx1"/>
-                          </a:solidFill>
-                          <a:latin typeface="맑은 고딕" charset="0"/>
-                          <a:ea typeface="맑은 고딕" charset="0"/>
-                        </a:rPr>
-                        <a:t>0</a:t>
-                      </a:r>
-                      <a:r>
-                        <a:rPr sz="1400" kern="1200" cap="none" i="0" b="0" strike="noStrike">
-                          <a:solidFill>
-                            <a:schemeClr val="tx1"/>
-                          </a:solidFill>
-                          <a:latin typeface="맑은 고딕" charset="0"/>
-                          <a:ea typeface="맑은 고딕" charset="0"/>
-                        </a:rPr>
-                        <a:t>~</a:t>
-                      </a:r>
-                      <a:r>
-                        <a:rPr sz="1400" kern="1200" cap="none" i="0" b="0" strike="noStrike">
-                          <a:solidFill>
-                            <a:schemeClr val="tx1"/>
-                          </a:solidFill>
-                          <a:latin typeface="맑은 고딕" charset="0"/>
-                          <a:ea typeface="맑은 고딕" charset="0"/>
-                        </a:rPr>
-                        <a:t>2</a:t>
-                      </a:r>
-                      <a:r>
-                        <a:rPr sz="1400" kern="1200" cap="none" i="0" b="0" strike="noStrike">
-                          <a:solidFill>
-                            <a:schemeClr val="tx1"/>
-                          </a:solidFill>
-                          <a:latin typeface="맑은 고딕" charset="0"/>
-                          <a:ea typeface="맑은 고딕" charset="0"/>
-                        </a:rPr>
-                        <a:t>/11</a:t>
+                        <a:t>2/10~2/11</a:t>
                       </a:r>
                       <a:endParaRPr lang="ko-KR" altLang="en-US" sz="1400" kern="1200" i="0" cap="none" b="0" strike="noStrike">
                         <a:solidFill>
@@ -12059,7 +13477,7 @@
                     <a:bodyPr/>
                     <a:lstStyle/>
                     <a:p>
-                      <a:pPr marL="0" indent="0" latinLnBrk="0">
+                      <a:pPr marL="0" indent="0" latinLnBrk="0" lvl="1">
                         <a:buFontTx/>
                         <a:buNone/>
                       </a:pPr>
@@ -12138,7 +13556,86 @@
                     <a:bodyPr/>
                     <a:lstStyle/>
                     <a:p>
-                      <a:pPr marL="0" indent="0" rtl="0" algn="l" latinLnBrk="0">
+                      <a:pPr marL="0" indent="0" latinLnBrk="0" lvl="1">
+                        <a:buFontTx/>
+                        <a:buNone/>
+                      </a:pPr>
+                      <a:endParaRPr lang="ko-KR" altLang="en-US" sz="1400" kern="1200" i="0" b="0">
+                        <a:solidFill>
+                          <a:schemeClr val="tx1"/>
+                        </a:solidFill>
+                        <a:latin typeface="Calibri Light" charset="0"/>
+                        <a:ea typeface="맑은 고딕" charset="0"/>
+                      </a:endParaRPr>
+                    </a:p>
+                  </a:txBody>
+                  <a:tcPr marL="2540" marR="2540" marT="2540" marB="0" anchor="ctr">
+                    <a:lnL w="12700" cap="flat" cmpd="sng" algn="ctr">
+                      <a:solidFill>
+                        <a:srgbClr val="000000">
+                          <a:alpha val="100000"/>
+                        </a:srgbClr>
+                      </a:solidFill>
+                      <a:prstDash val="solid"/>
+                      <a:round/>
+                      <a:headEnd type="none" w="med" len="med"/>
+                      <a:tailEnd type="none" w="med" len="med"/>
+                    </a:lnL>
+                    <a:lnR w="12700" cap="flat" cmpd="sng" algn="ctr">
+                      <a:solidFill>
+                        <a:srgbClr val="000000">
+                          <a:alpha val="100000"/>
+                        </a:srgbClr>
+                      </a:solidFill>
+                      <a:prstDash val="solid"/>
+                      <a:round/>
+                      <a:headEnd type="none" w="med" len="med"/>
+                      <a:tailEnd type="none" w="med" len="med"/>
+                    </a:lnR>
+                    <a:lnT w="12700" cap="flat" cmpd="sng" algn="ctr">
+                      <a:solidFill>
+                        <a:srgbClr val="000000">
+                          <a:alpha val="100000"/>
+                        </a:srgbClr>
+                      </a:solidFill>
+                      <a:prstDash val="solid"/>
+                      <a:round/>
+                      <a:headEnd type="none" w="med" len="med"/>
+                      <a:tailEnd type="none" w="med" len="med"/>
+                    </a:lnT>
+                    <a:lnB w="12700" cap="flat" cmpd="sng" algn="ctr">
+                      <a:solidFill>
+                        <a:srgbClr val="000000">
+                          <a:alpha val="100000"/>
+                        </a:srgbClr>
+                      </a:solidFill>
+                      <a:prstDash val="solid"/>
+                      <a:round/>
+                      <a:headEnd type="none" w="med" len="med"/>
+                      <a:tailEnd type="none" w="med" len="med"/>
+                    </a:lnB>
+                    <a:lnTlToBr w="0" cap="flat" cmpd="sng" algn="ctr">
+                      <a:noFill/>
+                      <a:prstDash/>
+                      <a:round/>
+                      <a:headEnd type="none" w="med" len="med"/>
+                      <a:tailEnd type="none" w="med" len="med"/>
+                    </a:lnTlToBr>
+                    <a:lnBlToTr w="0" cap="flat" cmpd="sng" algn="ctr">
+                      <a:noFill/>
+                      <a:prstDash/>
+                      <a:round/>
+                      <a:headEnd type="none" w="med" len="med"/>
+                      <a:tailEnd type="none" w="med" len="med"/>
+                    </a:lnBlToTr>
+                  </a:tcPr>
+                </a:tc>
+                <a:tc>
+                  <a:txBody>
+                    <a:bodyPr/>
+                    <a:lstStyle/>
+                    <a:p>
+                      <a:pPr marL="0" indent="0" rtl="0" algn="l" latinLnBrk="0" lvl="1">
                         <a:buFontTx/>
                         <a:buNone/>
                       </a:pPr>
@@ -12212,8 +13709,97 @@
                     </a:lnBlToTr>
                   </a:tcPr>
                 </a:tc>
+                <a:tc gridSpan="2">
+                  <a:txBody>
+                    <a:bodyPr/>
+                    <a:lstStyle/>
+                    <a:p>
+                      <a:pPr marL="0" indent="0" rtl="0" algn="l" latinLnBrk="0" lvl="1">
+                        <a:buFontTx/>
+                        <a:buNone/>
+                      </a:pPr>
+                      <a:endParaRPr lang="ko-KR" altLang="en-US" sz="1400" kern="1200" i="0" cap="none" b="0" strike="noStrike">
+                        <a:solidFill>
+                          <a:schemeClr val="tx1"/>
+                        </a:solidFill>
+                        <a:latin typeface="맑은 고딕" charset="0"/>
+                        <a:ea typeface="맑은 고딕" charset="0"/>
+                      </a:endParaRPr>
+                    </a:p>
+                  </a:txBody>
+                  <a:tcPr marL="2540" marR="2540" marT="2540" marB="0" anchor="ctr">
+                    <a:lnL w="12700" cap="flat" cmpd="sng" algn="ctr">
+                      <a:solidFill>
+                        <a:srgbClr val="000000">
+                          <a:alpha val="100000"/>
+                        </a:srgbClr>
+                      </a:solidFill>
+                      <a:prstDash val="solid"/>
+                      <a:round/>
+                      <a:headEnd type="none" w="med" len="med"/>
+                      <a:tailEnd type="none" w="med" len="med"/>
+                    </a:lnL>
+                    <a:lnR w="12700" cap="flat" cmpd="sng" algn="ctr">
+                      <a:solidFill>
+                        <a:srgbClr val="000000">
+                          <a:alpha val="100000"/>
+                        </a:srgbClr>
+                      </a:solidFill>
+                      <a:prstDash val="solid"/>
+                      <a:round/>
+                      <a:headEnd type="none" w="med" len="med"/>
+                      <a:tailEnd type="none" w="med" len="med"/>
+                    </a:lnR>
+                    <a:lnT w="12700" cap="flat" cmpd="sng" algn="ctr">
+                      <a:solidFill>
+                        <a:srgbClr val="000000">
+                          <a:alpha val="100000"/>
+                        </a:srgbClr>
+                      </a:solidFill>
+                      <a:prstDash val="solid"/>
+                      <a:round/>
+                      <a:headEnd type="none" w="med" len="med"/>
+                      <a:tailEnd type="none" w="med" len="med"/>
+                    </a:lnT>
+                    <a:lnB w="12700" cap="flat" cmpd="sng" algn="ctr">
+                      <a:solidFill>
+                        <a:srgbClr val="000000">
+                          <a:alpha val="100000"/>
+                        </a:srgbClr>
+                      </a:solidFill>
+                      <a:prstDash val="solid"/>
+                      <a:round/>
+                      <a:headEnd type="none" w="med" len="med"/>
+                      <a:tailEnd type="none" w="med" len="med"/>
+                    </a:lnB>
+                    <a:lnTlToBr w="0" cap="flat" cmpd="sng" algn="ctr">
+                      <a:noFill/>
+                      <a:prstDash/>
+                      <a:round/>
+                      <a:headEnd type="none" w="med" len="med"/>
+                      <a:tailEnd type="none" w="med" len="med"/>
+                    </a:lnTlToBr>
+                    <a:lnBlToTr w="0" cap="flat" cmpd="sng" algn="ctr">
+                      <a:noFill/>
+                      <a:prstDash/>
+                      <a:round/>
+                      <a:headEnd type="none" w="med" len="med"/>
+                      <a:tailEnd type="none" w="med" len="med"/>
+                    </a:lnBlToTr>
+                  </a:tcPr>
+                </a:tc>
+                <a:tc hMerge="1">
+                  <a:txBody>
+                    <a:bodyPr/>
+                    <a:lstStyle/>
+                    <a:p>
+                      <a:pPr/>
+                      <a:endParaRPr lang="ko-KR" altLang="en-US" kern="1200"/>
+                    </a:p>
+                  </a:txBody>
+                </a:tc>
               </a:tr>
-              <a:tr h="396240">
+              <a:tr h="356870">
                 <a:tc vMerge="1">
                   <a:txBody>
                     <a:bodyPr/>
@@ -12229,7 +13815,7 @@
                     <a:bodyPr/>
                     <a:lstStyle/>
                     <a:p>
-                      <a:pPr marL="0" indent="0" rtl="0" algn="ctr" latinLnBrk="0">
+                      <a:pPr marL="0" indent="0" rtl="0" algn="ctr" latinLnBrk="0" lvl="1">
                         <a:buFontTx/>
                         <a:buNone/>
                       </a:pPr>
@@ -12317,7 +13903,7 @@
                     <a:bodyPr/>
                     <a:lstStyle/>
                     <a:p>
-                      <a:pPr marL="0" indent="0" rtl="0" algn="ctr" latinLnBrk="0">
+                      <a:pPr marL="0" indent="0" rtl="0" algn="ctr" latinLnBrk="0" lvl="1">
                         <a:buFontTx/>
                         <a:buNone/>
                       </a:pPr>
@@ -12395,7 +13981,7 @@
                     <a:bodyPr/>
                     <a:lstStyle/>
                     <a:p>
-                      <a:pPr marL="0" indent="0" rtl="0" algn="l" latinLnBrk="0">
+                      <a:pPr marL="0" indent="0" rtl="0" algn="l" latinLnBrk="0" lvl="1">
                         <a:buFontTx/>
                         <a:buNone/>
                       </a:pPr>
@@ -12474,7 +14060,7 @@
                     <a:bodyPr/>
                     <a:lstStyle/>
                     <a:p>
-                      <a:pPr marL="0" indent="0" rtl="0" algn="l" latinLnBrk="0">
+                      <a:pPr marL="0" indent="0" rtl="0" algn="l" latinLnBrk="0" lvl="1">
                         <a:buFontTx/>
                         <a:buNone/>
                       </a:pPr>
@@ -12548,12 +14134,12 @@
                     </a:lnBlToTr>
                   </a:tcPr>
                 </a:tc>
-                <a:tc gridSpan="2">
+                <a:tc>
                   <a:txBody>
                     <a:bodyPr/>
                     <a:lstStyle/>
                     <a:p>
-                      <a:pPr marL="0" indent="0" rtl="0" algn="l" latinLnBrk="0">
+                      <a:pPr marL="0" indent="0" rtl="0" algn="l" latinLnBrk="0" lvl="1">
                         <a:buFontTx/>
                         <a:buNone/>
                       </a:pPr>
@@ -12627,22 +14213,12 @@
                     </a:lnBlToTr>
                   </a:tcPr>
                 </a:tc>
-                <a:tc hMerge="1">
-                  <a:txBody>
-                    <a:bodyPr/>
-                    <a:lstStyle/>
-                    <a:p>
-                      <a:pPr/>
-                      <a:endParaRPr lang="ko-KR" altLang="en-US" kern="1200"/>
-                    </a:p>
-                  </a:txBody>
-                </a:tc>
                 <a:tc>
                   <a:txBody>
                     <a:bodyPr/>
                     <a:lstStyle/>
                     <a:p>
-                      <a:pPr marL="0" indent="0" rtl="0" algn="l" latinLnBrk="0">
+                      <a:pPr marL="0" indent="0" rtl="0" algn="l" latinLnBrk="0" lvl="1">
                         <a:buFontTx/>
                         <a:buNone/>
                       </a:pPr>
@@ -12721,7 +14297,7 @@
                     <a:bodyPr/>
                     <a:lstStyle/>
                     <a:p>
-                      <a:pPr marL="0" indent="0" rtl="0" algn="ctr" latinLnBrk="0">
+                      <a:pPr marL="0" indent="0" rtl="0" algn="l" latinLnBrk="0" lvl="1">
                         <a:buFontTx/>
                         <a:buNone/>
                       </a:pPr>
@@ -12793,6 +14369,85 @@
                       <a:headEnd type="none" w="med" len="med"/>
                       <a:tailEnd type="none" w="med" len="med"/>
                     </a:lnBlToTr>
+                  </a:tcPr>
+                </a:tc>
+                <a:tc>
+                  <a:txBody>
+                    <a:bodyPr/>
+                    <a:lstStyle/>
+                    <a:p>
+                      <a:pPr marL="0" indent="0" rtl="0" algn="ctr" latinLnBrk="0" lvl="1">
+                        <a:buFontTx/>
+                        <a:buNone/>
+                      </a:pPr>
+                      <a:endParaRPr lang="ko-KR" altLang="en-US" sz="1400" kern="1200" i="0" cap="none" b="0" strike="noStrike">
+                        <a:solidFill>
+                          <a:schemeClr val="tx1"/>
+                        </a:solidFill>
+                        <a:latin typeface="맑은 고딕" charset="0"/>
+                        <a:ea typeface="맑은 고딕" charset="0"/>
+                      </a:endParaRPr>
+                    </a:p>
+                  </a:txBody>
+                  <a:tcPr marL="2540" marR="2540" marT="2540" marB="0" anchor="ctr">
+                    <a:lnL w="12700" cap="flat" cmpd="sng" algn="ctr">
+                      <a:solidFill>
+                        <a:srgbClr val="000000">
+                          <a:alpha val="100000"/>
+                        </a:srgbClr>
+                      </a:solidFill>
+                      <a:prstDash val="solid"/>
+                      <a:round/>
+                      <a:headEnd type="none" w="med" len="med"/>
+                      <a:tailEnd type="none" w="med" len="med"/>
+                    </a:lnL>
+                    <a:lnR w="12700" cap="flat" cmpd="sng" algn="ctr">
+                      <a:solidFill>
+                        <a:srgbClr val="000000">
+                          <a:alpha val="100000"/>
+                        </a:srgbClr>
+                      </a:solidFill>
+                      <a:prstDash val="solid"/>
+                      <a:round/>
+                      <a:headEnd type="none" w="med" len="med"/>
+                      <a:tailEnd type="none" w="med" len="med"/>
+                    </a:lnR>
+                    <a:lnT w="12700" cap="flat" cmpd="sng" algn="ctr">
+                      <a:solidFill>
+                        <a:srgbClr val="000000">
+                          <a:alpha val="100000"/>
+                        </a:srgbClr>
+                      </a:solidFill>
+                      <a:prstDash val="solid"/>
+                      <a:round/>
+                      <a:headEnd type="none" w="med" len="med"/>
+                      <a:tailEnd type="none" w="med" len="med"/>
+                    </a:lnT>
+                    <a:lnB w="12700" cap="flat" cmpd="sng" algn="ctr">
+                      <a:solidFill>
+                        <a:srgbClr val="000000">
+                          <a:alpha val="100000"/>
+                        </a:srgbClr>
+                      </a:solidFill>
+                      <a:prstDash val="solid"/>
+                      <a:round/>
+                      <a:headEnd type="none" w="med" len="med"/>
+                      <a:tailEnd type="none" w="med" len="med"/>
+                    </a:lnB>
+                    <a:lnTlToBr w="0" cap="flat" cmpd="sng" algn="ctr">
+                      <a:noFill/>
+                      <a:prstDash/>
+                      <a:round/>
+                      <a:headEnd type="none" w="med" len="med"/>
+                      <a:tailEnd type="none" w="med" len="med"/>
+                    </a:lnTlToBr>
+                    <a:lnBlToTr w="0" cap="flat" cmpd="sng" algn="ctr">
+                      <a:noFill/>
+                      <a:prstDash/>
+                      <a:round/>
+                      <a:headEnd type="none" w="med" len="med"/>
+                      <a:tailEnd type="none" w="med" len="med"/>
+                    </a:lnBlToTr>
                     <a:solidFill>
                       <a:srgbClr val="F7F0DF"/>
                     </a:solidFill>
@@ -12803,7 +14458,7 @@
                     <a:bodyPr/>
                     <a:lstStyle/>
                     <a:p>
-                      <a:pPr marL="0" indent="0" rtl="0" algn="ctr" latinLnBrk="0">
+                      <a:pPr marL="0" indent="0" rtl="0" algn="ctr" latinLnBrk="0" lvl="1">
                         <a:buFontTx/>
                         <a:buNone/>
                       </a:pPr>
@@ -12815,17 +14470,7 @@
                           <a:latin typeface="맑은 고딕" charset="0"/>
                           <a:ea typeface="맑은 고딕" charset="0"/>
                         </a:rPr>
-                        <a:t>2/</a:t>
-                      </a:r>
-                      <a:r>
-                        <a:rPr sz="1400" kern="1200" cap="none" i="0" b="0" strike="noStrike">
-                          <a:solidFill>
-                            <a:schemeClr val="tx1"/>
-                          </a:solidFill>
-                          <a:latin typeface="맑은 고딕" charset="0"/>
-                          <a:ea typeface="맑은 고딕" charset="0"/>
-                        </a:rPr>
-                        <a:t>1</a:t>
+                        <a:t>2/1</a:t>
                       </a:r>
                       <a:r>
                         <a:rPr lang="ko-KR" sz="1400" kern="1200" cap="none" i="0" b="0" strike="noStrike">
@@ -12845,37 +14490,7 @@
                           <a:latin typeface="맑은 고딕" charset="0"/>
                           <a:ea typeface="맑은 고딕" charset="0"/>
                         </a:rPr>
-                        <a:t>~</a:t>
-                      </a:r>
-                      <a:r>
-                        <a:rPr sz="1400" kern="1200" cap="none" i="0" b="0" strike="noStrike">
-                          <a:solidFill>
-                            <a:schemeClr val="tx1"/>
-                          </a:solidFill>
-                          <a:latin typeface="맑은 고딕" charset="0"/>
-                          <a:ea typeface="맑은 고딕" charset="0"/>
-                        </a:rPr>
-                        <a:t>2</a:t>
-                      </a:r>
-                      <a:r>
-                        <a:rPr sz="1400" kern="1200" cap="none" i="0" b="0" strike="noStrike">
-                          <a:solidFill>
-                            <a:schemeClr val="tx1"/>
-                          </a:solidFill>
-                          <a:latin typeface="맑은 고딕" charset="0"/>
-                          <a:ea typeface="맑은 고딕" charset="0"/>
-                        </a:rPr>
-                        <a:t>/1</a:t>
-                      </a:r>
-                      <a:r>
-                        <a:rPr sz="1400" kern="1200" cap="none" i="0" b="0" strike="noStrike">
-                          <a:solidFill>
-                            <a:schemeClr val="tx1"/>
-                          </a:solidFill>
-                          <a:latin typeface="맑은 고딕" charset="0"/>
-                          <a:ea typeface="맑은 고딕" charset="0"/>
-                        </a:rPr>
-                        <a:t>3</a:t>
+                        <a:t>~2/13</a:t>
                       </a:r>
                       <a:endParaRPr lang="ko-KR" altLang="en-US" sz="1400" kern="1200" i="0" cap="none" b="0" strike="noStrike">
                         <a:solidFill>
@@ -12960,8 +14575,182 @@
                     </a:p>
                   </a:txBody>
                 </a:tc>
+                <a:tc gridSpan="2">
+                  <a:txBody>
+                    <a:bodyPr/>
+                    <a:lstStyle/>
+                    <a:p>
+                      <a:pPr marL="0" indent="0" rtl="0" algn="ctr" latinLnBrk="0" lvl="1">
+                        <a:buFontTx/>
+                        <a:buNone/>
+                      </a:pPr>
+                      <a:endParaRPr lang="ko-KR" altLang="en-US" sz="1400" kern="1200" i="0" cap="none" b="0" strike="noStrike">
+                        <a:solidFill>
+                          <a:schemeClr val="tx1"/>
+                        </a:solidFill>
+                        <a:latin typeface="맑은 고딕" charset="0"/>
+                        <a:ea typeface="맑은 고딕" charset="0"/>
+                      </a:endParaRPr>
+                    </a:p>
+                  </a:txBody>
+                  <a:tcPr marL="2540" marR="2540" marT="2540" marB="0" anchor="ctr">
+                    <a:lnL w="12700" cap="flat" cmpd="sng" algn="ctr">
+                      <a:solidFill>
+                        <a:srgbClr val="000000">
+                          <a:alpha val="100000"/>
+                        </a:srgbClr>
+                      </a:solidFill>
+                      <a:prstDash val="solid"/>
+                      <a:round/>
+                      <a:headEnd type="none" w="med" len="med"/>
+                      <a:tailEnd type="none" w="med" len="med"/>
+                    </a:lnL>
+                    <a:lnR w="12700" cap="flat" cmpd="sng" algn="ctr">
+                      <a:solidFill>
+                        <a:srgbClr val="000000">
+                          <a:alpha val="100000"/>
+                        </a:srgbClr>
+                      </a:solidFill>
+                      <a:prstDash val="solid"/>
+                      <a:round/>
+                      <a:headEnd type="none" w="med" len="med"/>
+                      <a:tailEnd type="none" w="med" len="med"/>
+                    </a:lnR>
+                    <a:lnT w="12700" cap="flat" cmpd="sng" algn="ctr">
+                      <a:solidFill>
+                        <a:srgbClr val="000000">
+                          <a:alpha val="100000"/>
+                        </a:srgbClr>
+                      </a:solidFill>
+                      <a:prstDash val="solid"/>
+                      <a:round/>
+                      <a:headEnd type="none" w="med" len="med"/>
+                      <a:tailEnd type="none" w="med" len="med"/>
+                    </a:lnT>
+                    <a:lnB w="12700" cap="flat" cmpd="sng" algn="ctr">
+                      <a:solidFill>
+                        <a:srgbClr val="000000">
+                          <a:alpha val="100000"/>
+                        </a:srgbClr>
+                      </a:solidFill>
+                      <a:prstDash val="solid"/>
+                      <a:round/>
+                      <a:headEnd type="none" w="med" len="med"/>
+                      <a:tailEnd type="none" w="med" len="med"/>
+                    </a:lnB>
+                    <a:lnTlToBr w="0" cap="flat" cmpd="sng" algn="ctr">
+                      <a:noFill/>
+                      <a:prstDash/>
+                      <a:round/>
+                      <a:headEnd type="none" w="med" len="med"/>
+                      <a:tailEnd type="none" w="med" len="med"/>
+                    </a:lnTlToBr>
+                    <a:lnBlToTr w="0" cap="flat" cmpd="sng" algn="ctr">
+                      <a:noFill/>
+                      <a:prstDash/>
+                      <a:round/>
+                      <a:headEnd type="none" w="med" len="med"/>
+                      <a:tailEnd type="none" w="med" len="med"/>
+                    </a:lnBlToTr>
+                    <a:solidFill>
+                      <a:srgbClr val="F7F0DF"/>
+                    </a:solidFill>
+                  </a:tcPr>
+                </a:tc>
+                <a:tc hMerge="1">
+                  <a:txBody>
+                    <a:bodyPr/>
+                    <a:lstStyle/>
+                    <a:p>
+                      <a:pPr/>
+                      <a:endParaRPr lang="ko-KR" altLang="en-US" kern="1200"/>
+                    </a:p>
+                  </a:txBody>
+                </a:tc>
+                <a:tc>
+                  <a:txBody>
+                    <a:bodyPr/>
+                    <a:lstStyle/>
+                    <a:p>
+                      <a:pPr marL="0" indent="0" rtl="0" algn="ctr" latinLnBrk="0" lvl="1">
+                        <a:buFontTx/>
+                        <a:buNone/>
+                      </a:pPr>
+                      <a:endParaRPr lang="ko-KR" altLang="en-US" sz="1400" kern="1200" i="0" cap="none" b="0" strike="noStrike">
+                        <a:solidFill>
+                          <a:schemeClr val="tx1"/>
+                        </a:solidFill>
+                        <a:latin typeface="맑은 고딕" charset="0"/>
+                        <a:ea typeface="맑은 고딕" charset="0"/>
+                      </a:endParaRPr>
+                    </a:p>
+                  </a:txBody>
+                  <a:tcPr marL="2540" marR="2540" marT="2540" marB="0" anchor="ctr">
+                    <a:lnL w="12700" cap="flat" cmpd="sng" algn="ctr">
+                      <a:solidFill>
+                        <a:srgbClr val="000000">
+                          <a:alpha val="100000"/>
+                        </a:srgbClr>
+                      </a:solidFill>
+                      <a:prstDash val="solid"/>
+                      <a:round/>
+                      <a:headEnd type="none" w="med" len="med"/>
+                      <a:tailEnd type="none" w="med" len="med"/>
+                    </a:lnL>
+                    <a:lnR w="12700" cap="flat" cmpd="sng" algn="ctr">
+                      <a:solidFill>
+                        <a:srgbClr val="000000">
+                          <a:alpha val="100000"/>
+                        </a:srgbClr>
+                      </a:solidFill>
+                      <a:prstDash val="solid"/>
+                      <a:round/>
+                      <a:headEnd type="none" w="med" len="med"/>
+                      <a:tailEnd type="none" w="med" len="med"/>
+                    </a:lnR>
+                    <a:lnT w="12700" cap="flat" cmpd="sng" algn="ctr">
+                      <a:solidFill>
+                        <a:srgbClr val="000000">
+                          <a:alpha val="100000"/>
+                        </a:srgbClr>
+                      </a:solidFill>
+                      <a:prstDash val="solid"/>
+                      <a:round/>
+                      <a:headEnd type="none" w="med" len="med"/>
+                      <a:tailEnd type="none" w="med" len="med"/>
+                    </a:lnT>
+                    <a:lnB w="12700" cap="flat" cmpd="sng" algn="ctr">
+                      <a:solidFill>
+                        <a:srgbClr val="000000">
+                          <a:alpha val="100000"/>
+                        </a:srgbClr>
+                      </a:solidFill>
+                      <a:prstDash val="solid"/>
+                      <a:round/>
+                      <a:headEnd type="none" w="med" len="med"/>
+                      <a:tailEnd type="none" w="med" len="med"/>
+                    </a:lnB>
+                    <a:lnTlToBr w="0" cap="flat" cmpd="sng" algn="ctr">
+                      <a:noFill/>
+                      <a:prstDash/>
+                      <a:round/>
+                      <a:headEnd type="none" w="med" len="med"/>
+                      <a:tailEnd type="none" w="med" len="med"/>
+                    </a:lnTlToBr>
+                    <a:lnBlToTr w="0" cap="flat" cmpd="sng" algn="ctr">
+                      <a:noFill/>
+                      <a:prstDash/>
+                      <a:round/>
+                      <a:headEnd type="none" w="med" len="med"/>
+                      <a:tailEnd type="none" w="med" len="med"/>
+                    </a:lnBlToTr>
+                    <a:solidFill>
+                      <a:srgbClr val="F7F0DF"/>
+                    </a:solidFill>
+                  </a:tcPr>
+                </a:tc>
               </a:tr>
-              <a:tr h="408940">
+              <a:tr h="356870">
                 <a:tc vMerge="1">
                   <a:txBody>
                     <a:bodyPr/>
@@ -12987,7 +14776,7 @@
                     <a:bodyPr/>
                     <a:lstStyle/>
                     <a:p>
-                      <a:pPr marL="0" indent="0" rtl="0" algn="ctr" latinLnBrk="0">
+                      <a:pPr marL="0" indent="0" rtl="0" algn="ctr" latinLnBrk="0" lvl="1">
                         <a:buFontTx/>
                         <a:buNone/>
                       </a:pPr>
@@ -13065,7 +14854,7 @@
                     <a:bodyPr/>
                     <a:lstStyle/>
                     <a:p>
-                      <a:pPr marL="0" indent="0" rtl="0" algn="l" latinLnBrk="0">
+                      <a:pPr marL="0" indent="0" rtl="0" algn="l" latinLnBrk="0" lvl="1">
                         <a:buFontTx/>
                         <a:buNone/>
                       </a:pPr>
@@ -13144,7 +14933,7 @@
                     <a:bodyPr/>
                     <a:lstStyle/>
                     <a:p>
-                      <a:pPr marL="0" indent="0" rtl="0" algn="l" latinLnBrk="0">
+                      <a:pPr marL="0" indent="0" rtl="0" algn="l" latinLnBrk="0" lvl="1">
                         <a:buFontTx/>
                         <a:buNone/>
                       </a:pPr>
@@ -13218,12 +15007,12 @@
                     </a:lnBlToTr>
                   </a:tcPr>
                 </a:tc>
-                <a:tc gridSpan="2">
+                <a:tc>
                   <a:txBody>
                     <a:bodyPr/>
                     <a:lstStyle/>
                     <a:p>
-                      <a:pPr marL="0" indent="0" rtl="0" algn="l" latinLnBrk="0">
+                      <a:pPr marL="0" indent="0" rtl="0" algn="l" latinLnBrk="0" lvl="1">
                         <a:buFontTx/>
                         <a:buNone/>
                       </a:pPr>
@@ -13297,22 +15086,12 @@
                     </a:lnBlToTr>
                   </a:tcPr>
                 </a:tc>
-                <a:tc hMerge="1">
-                  <a:txBody>
-                    <a:bodyPr/>
-                    <a:lstStyle/>
-                    <a:p>
-                      <a:pPr/>
-                      <a:endParaRPr lang="ko-KR" altLang="en-US" kern="1200"/>
-                    </a:p>
-                  </a:txBody>
-                </a:tc>
                 <a:tc>
                   <a:txBody>
                     <a:bodyPr/>
                     <a:lstStyle/>
                     <a:p>
-                      <a:pPr marL="0" indent="0" rtl="0" algn="l" latinLnBrk="0">
+                      <a:pPr marL="0" indent="0" rtl="0" algn="l" latinLnBrk="0" lvl="1">
                         <a:buFontTx/>
                         <a:buNone/>
                       </a:pPr>
@@ -13391,7 +15170,7 @@
                     <a:bodyPr/>
                     <a:lstStyle/>
                     <a:p>
-                      <a:pPr marL="0" indent="0" rtl="0" algn="ctr" latinLnBrk="0">
+                      <a:pPr marL="0" indent="0" rtl="0" algn="l" latinLnBrk="0" lvl="1">
                         <a:buFontTx/>
                         <a:buNone/>
                       </a:pPr>
@@ -13463,6 +15242,85 @@
                       <a:headEnd type="none" w="med" len="med"/>
                       <a:tailEnd type="none" w="med" len="med"/>
                     </a:lnBlToTr>
+                  </a:tcPr>
+                </a:tc>
+                <a:tc>
+                  <a:txBody>
+                    <a:bodyPr/>
+                    <a:lstStyle/>
+                    <a:p>
+                      <a:pPr marL="0" indent="0" rtl="0" algn="ctr" latinLnBrk="0" lvl="1">
+                        <a:buFontTx/>
+                        <a:buNone/>
+                      </a:pPr>
+                      <a:endParaRPr lang="ko-KR" altLang="en-US" sz="1400" kern="1200" i="0" cap="none" b="0" strike="noStrike">
+                        <a:solidFill>
+                          <a:schemeClr val="tx1"/>
+                        </a:solidFill>
+                        <a:latin typeface="맑은 고딕" charset="0"/>
+                        <a:ea typeface="맑은 고딕" charset="0"/>
+                      </a:endParaRPr>
+                    </a:p>
+                  </a:txBody>
+                  <a:tcPr marL="2540" marR="2540" marT="2540" marB="0" anchor="ctr">
+                    <a:lnL w="12700" cap="flat" cmpd="sng" algn="ctr">
+                      <a:solidFill>
+                        <a:srgbClr val="000000">
+                          <a:alpha val="100000"/>
+                        </a:srgbClr>
+                      </a:solidFill>
+                      <a:prstDash val="solid"/>
+                      <a:round/>
+                      <a:headEnd type="none" w="med" len="med"/>
+                      <a:tailEnd type="none" w="med" len="med"/>
+                    </a:lnL>
+                    <a:lnR w="12700" cap="flat" cmpd="sng" algn="ctr">
+                      <a:solidFill>
+                        <a:srgbClr val="000000">
+                          <a:alpha val="100000"/>
+                        </a:srgbClr>
+                      </a:solidFill>
+                      <a:prstDash val="solid"/>
+                      <a:round/>
+                      <a:headEnd type="none" w="med" len="med"/>
+                      <a:tailEnd type="none" w="med" len="med"/>
+                    </a:lnR>
+                    <a:lnT w="12700" cap="flat" cmpd="sng" algn="ctr">
+                      <a:solidFill>
+                        <a:srgbClr val="000000">
+                          <a:alpha val="100000"/>
+                        </a:srgbClr>
+                      </a:solidFill>
+                      <a:prstDash val="solid"/>
+                      <a:round/>
+                      <a:headEnd type="none" w="med" len="med"/>
+                      <a:tailEnd type="none" w="med" len="med"/>
+                    </a:lnT>
+                    <a:lnB w="12700" cap="flat" cmpd="sng" algn="ctr">
+                      <a:solidFill>
+                        <a:srgbClr val="000000">
+                          <a:alpha val="100000"/>
+                        </a:srgbClr>
+                      </a:solidFill>
+                      <a:prstDash val="solid"/>
+                      <a:round/>
+                      <a:headEnd type="none" w="med" len="med"/>
+                      <a:tailEnd type="none" w="med" len="med"/>
+                    </a:lnB>
+                    <a:lnTlToBr w="0" cap="flat" cmpd="sng" algn="ctr">
+                      <a:noFill/>
+                      <a:prstDash/>
+                      <a:round/>
+                      <a:headEnd type="none" w="med" len="med"/>
+                      <a:tailEnd type="none" w="med" len="med"/>
+                    </a:lnTlToBr>
+                    <a:lnBlToTr w="0" cap="flat" cmpd="sng" algn="ctr">
+                      <a:noFill/>
+                      <a:prstDash/>
+                      <a:round/>
+                      <a:headEnd type="none" w="med" len="med"/>
+                      <a:tailEnd type="none" w="med" len="med"/>
+                    </a:lnBlToTr>
                     <a:solidFill>
                       <a:srgbClr val="F7F0DF"/>
                     </a:solidFill>
@@ -13473,7 +15331,7 @@
                     <a:bodyPr/>
                     <a:lstStyle/>
                     <a:p>
-                      <a:pPr marL="0" indent="0" rtl="0" algn="ctr" latinLnBrk="0">
+                      <a:pPr marL="0" indent="0" rtl="0" algn="ctr" latinLnBrk="0" lvl="1">
                         <a:buFontTx/>
                         <a:buNone/>
                       </a:pPr>
@@ -13485,17 +15343,7 @@
                           <a:latin typeface="맑은 고딕" charset="0"/>
                           <a:ea typeface="맑은 고딕" charset="0"/>
                         </a:rPr>
-                        <a:t>2/</a:t>
-                      </a:r>
-                      <a:r>
-                        <a:rPr sz="1400" kern="1200" cap="none" i="0" b="0" strike="noStrike">
-                          <a:solidFill>
-                            <a:schemeClr val="tx1"/>
-                          </a:solidFill>
-                          <a:latin typeface="맑은 고딕" charset="0"/>
-                          <a:ea typeface="맑은 고딕" charset="0"/>
-                        </a:rPr>
-                        <a:t>1</a:t>
+                        <a:t>2/1</a:t>
                       </a:r>
                       <a:r>
                         <a:rPr lang="ko-KR" sz="1400" kern="1200" cap="none" i="0" b="0" strike="noStrike">
@@ -13515,37 +15363,7 @@
                           <a:latin typeface="맑은 고딕" charset="0"/>
                           <a:ea typeface="맑은 고딕" charset="0"/>
                         </a:rPr>
-                        <a:t>~</a:t>
-                      </a:r>
-                      <a:r>
-                        <a:rPr sz="1400" kern="1200" cap="none" i="0" b="0" strike="noStrike">
-                          <a:solidFill>
-                            <a:schemeClr val="tx1"/>
-                          </a:solidFill>
-                          <a:latin typeface="맑은 고딕" charset="0"/>
-                          <a:ea typeface="맑은 고딕" charset="0"/>
-                        </a:rPr>
-                        <a:t>2</a:t>
-                      </a:r>
-                      <a:r>
-                        <a:rPr sz="1400" kern="1200" cap="none" i="0" b="0" strike="noStrike">
-                          <a:solidFill>
-                            <a:schemeClr val="tx1"/>
-                          </a:solidFill>
-                          <a:latin typeface="맑은 고딕" charset="0"/>
-                          <a:ea typeface="맑은 고딕" charset="0"/>
-                        </a:rPr>
-                        <a:t>/1</a:t>
-                      </a:r>
-                      <a:r>
-                        <a:rPr sz="1400" kern="1200" cap="none" i="0" b="0" strike="noStrike">
-                          <a:solidFill>
-                            <a:schemeClr val="tx1"/>
-                          </a:solidFill>
-                          <a:latin typeface="맑은 고딕" charset="0"/>
-                          <a:ea typeface="맑은 고딕" charset="0"/>
-                        </a:rPr>
-                        <a:t>3</a:t>
+                        <a:t>~2/13</a:t>
                       </a:r>
                       <a:endParaRPr lang="ko-KR" altLang="en-US" sz="1400" kern="1200" i="0" cap="none" b="0" strike="noStrike">
                         <a:solidFill>
@@ -13616,11 +15434,2017 @@
                       <a:tailEnd type="none" w="med" len="med"/>
                     </a:lnBlToTr>
                     <a:solidFill>
-                      <a:schemeClr val="bg1">
-                        <a:lumMod val="75000"/>
-                      </a:schemeClr>
+                      <a:srgbClr val="BFBFBF"/>
                     </a:solidFill>
                   </a:tcPr>
+                </a:tc>
+                <a:tc hMerge="1">
+                  <a:txBody>
+                    <a:bodyPr/>
+                    <a:lstStyle/>
+                    <a:p>
+                      <a:pPr/>
+                      <a:endParaRPr lang="ko-KR" altLang="en-US" kern="1200"/>
+                    </a:p>
+                  </a:txBody>
+                </a:tc>
+                <a:tc gridSpan="2">
+                  <a:txBody>
+                    <a:bodyPr/>
+                    <a:lstStyle/>
+                    <a:p>
+                      <a:pPr marL="0" indent="0" rtl="0" algn="ctr" latinLnBrk="0" lvl="1">
+                        <a:buFontTx/>
+                        <a:buNone/>
+                      </a:pPr>
+                      <a:endParaRPr lang="ko-KR" altLang="en-US" sz="1400" kern="1200" i="0" cap="none" b="0" strike="noStrike">
+                        <a:solidFill>
+                          <a:schemeClr val="tx1"/>
+                        </a:solidFill>
+                        <a:latin typeface="맑은 고딕" charset="0"/>
+                        <a:ea typeface="맑은 고딕" charset="0"/>
+                      </a:endParaRPr>
+                    </a:p>
+                  </a:txBody>
+                  <a:tcPr marL="2540" marR="2540" marT="2540" marB="0" anchor="ctr">
+                    <a:lnL w="12700" cap="flat" cmpd="sng" algn="ctr">
+                      <a:solidFill>
+                        <a:srgbClr val="000000">
+                          <a:alpha val="100000"/>
+                        </a:srgbClr>
+                      </a:solidFill>
+                      <a:prstDash val="solid"/>
+                      <a:round/>
+                      <a:headEnd type="none" w="med" len="med"/>
+                      <a:tailEnd type="none" w="med" len="med"/>
+                    </a:lnL>
+                    <a:lnR w="12700" cap="flat" cmpd="sng" algn="ctr">
+                      <a:solidFill>
+                        <a:srgbClr val="000000">
+                          <a:alpha val="100000"/>
+                        </a:srgbClr>
+                      </a:solidFill>
+                      <a:prstDash val="solid"/>
+                      <a:round/>
+                      <a:headEnd type="none" w="med" len="med"/>
+                      <a:tailEnd type="none" w="med" len="med"/>
+                    </a:lnR>
+                    <a:lnT w="12700" cap="flat" cmpd="sng" algn="ctr">
+                      <a:solidFill>
+                        <a:srgbClr val="000000">
+                          <a:alpha val="100000"/>
+                        </a:srgbClr>
+                      </a:solidFill>
+                      <a:prstDash val="solid"/>
+                      <a:round/>
+                      <a:headEnd type="none" w="med" len="med"/>
+                      <a:tailEnd type="none" w="med" len="med"/>
+                    </a:lnT>
+                    <a:lnB w="12700" cap="flat" cmpd="sng" algn="ctr">
+                      <a:solidFill>
+                        <a:srgbClr val="000000">
+                          <a:alpha val="100000"/>
+                        </a:srgbClr>
+                      </a:solidFill>
+                      <a:prstDash val="solid"/>
+                      <a:round/>
+                      <a:headEnd type="none" w="med" len="med"/>
+                      <a:tailEnd type="none" w="med" len="med"/>
+                    </a:lnB>
+                    <a:lnTlToBr w="0" cap="flat" cmpd="sng" algn="ctr">
+                      <a:noFill/>
+                      <a:prstDash/>
+                      <a:round/>
+                      <a:headEnd type="none" w="med" len="med"/>
+                      <a:tailEnd type="none" w="med" len="med"/>
+                    </a:lnTlToBr>
+                    <a:lnBlToTr w="0" cap="flat" cmpd="sng" algn="ctr">
+                      <a:noFill/>
+                      <a:prstDash/>
+                      <a:round/>
+                      <a:headEnd type="none" w="med" len="med"/>
+                      <a:tailEnd type="none" w="med" len="med"/>
+                    </a:lnBlToTr>
+                    <a:solidFill>
+                      <a:srgbClr val="F7F0DF"/>
+                    </a:solidFill>
+                  </a:tcPr>
+                </a:tc>
+                <a:tc hMerge="1">
+                  <a:txBody>
+                    <a:bodyPr/>
+                    <a:lstStyle/>
+                    <a:p>
+                      <a:pPr/>
+                      <a:endParaRPr lang="ko-KR" altLang="en-US" kern="1200"/>
+                    </a:p>
+                  </a:txBody>
+                </a:tc>
+                <a:tc>
+                  <a:txBody>
+                    <a:bodyPr/>
+                    <a:lstStyle/>
+                    <a:p>
+                      <a:pPr marL="0" indent="0" rtl="0" algn="ctr" latinLnBrk="0" lvl="1">
+                        <a:buFontTx/>
+                        <a:buNone/>
+                      </a:pPr>
+                      <a:endParaRPr lang="ko-KR" altLang="en-US" sz="1400" kern="1200" i="0" cap="none" b="0" strike="noStrike">
+                        <a:solidFill>
+                          <a:schemeClr val="tx1"/>
+                        </a:solidFill>
+                        <a:latin typeface="맑은 고딕" charset="0"/>
+                        <a:ea typeface="맑은 고딕" charset="0"/>
+                      </a:endParaRPr>
+                    </a:p>
+                  </a:txBody>
+                  <a:tcPr marL="2540" marR="2540" marT="2540" marB="0" anchor="ctr">
+                    <a:lnL w="12700" cap="flat" cmpd="sng" algn="ctr">
+                      <a:solidFill>
+                        <a:srgbClr val="000000">
+                          <a:alpha val="100000"/>
+                        </a:srgbClr>
+                      </a:solidFill>
+                      <a:prstDash val="solid"/>
+                      <a:round/>
+                      <a:headEnd type="none" w="med" len="med"/>
+                      <a:tailEnd type="none" w="med" len="med"/>
+                    </a:lnL>
+                    <a:lnR w="12700" cap="flat" cmpd="sng" algn="ctr">
+                      <a:solidFill>
+                        <a:srgbClr val="000000">
+                          <a:alpha val="100000"/>
+                        </a:srgbClr>
+                      </a:solidFill>
+                      <a:prstDash val="solid"/>
+                      <a:round/>
+                      <a:headEnd type="none" w="med" len="med"/>
+                      <a:tailEnd type="none" w="med" len="med"/>
+                    </a:lnR>
+                    <a:lnT w="12700" cap="flat" cmpd="sng" algn="ctr">
+                      <a:solidFill>
+                        <a:srgbClr val="000000">
+                          <a:alpha val="100000"/>
+                        </a:srgbClr>
+                      </a:solidFill>
+                      <a:prstDash val="solid"/>
+                      <a:round/>
+                      <a:headEnd type="none" w="med" len="med"/>
+                      <a:tailEnd type="none" w="med" len="med"/>
+                    </a:lnT>
+                    <a:lnB w="12700" cap="flat" cmpd="sng" algn="ctr">
+                      <a:solidFill>
+                        <a:srgbClr val="000000">
+                          <a:alpha val="100000"/>
+                        </a:srgbClr>
+                      </a:solidFill>
+                      <a:prstDash val="solid"/>
+                      <a:round/>
+                      <a:headEnd type="none" w="med" len="med"/>
+                      <a:tailEnd type="none" w="med" len="med"/>
+                    </a:lnB>
+                    <a:lnTlToBr w="0" cap="flat" cmpd="sng" algn="ctr">
+                      <a:noFill/>
+                      <a:prstDash/>
+                      <a:round/>
+                      <a:headEnd type="none" w="med" len="med"/>
+                      <a:tailEnd type="none" w="med" len="med"/>
+                    </a:lnTlToBr>
+                    <a:lnBlToTr w="0" cap="flat" cmpd="sng" algn="ctr">
+                      <a:noFill/>
+                      <a:prstDash/>
+                      <a:round/>
+                      <a:headEnd type="none" w="med" len="med"/>
+                      <a:tailEnd type="none" w="med" len="med"/>
+                    </a:lnBlToTr>
+                    <a:solidFill>
+                      <a:srgbClr val="F7F0DF"/>
+                    </a:solidFill>
+                  </a:tcPr>
+                </a:tc>
+              </a:tr>
+              <a:tr h="356870">
+                <a:tc vMerge="1">
+                  <a:txBody>
+                    <a:bodyPr/>
+                    <a:lstStyle/>
+                    <a:p>
+                      <a:pPr/>
+                      <a:endParaRPr lang="ko-KR" altLang="en-US" kern="1200"/>
+                    </a:p>
+                  </a:txBody>
+                </a:tc>
+                <a:tc rowSpan="2">
+                  <a:txBody>
+                    <a:bodyPr/>
+                    <a:lstStyle/>
+                    <a:p>
+                      <a:pPr marL="0" indent="0" rtl="0" algn="ctr" latinLnBrk="0" lvl="1">
+                        <a:buFontTx/>
+                        <a:buNone/>
+                      </a:pPr>
+                      <a:r>
+                        <a:rPr sz="1400" kern="1200" cap="none" i="0" b="0" strike="noStrike">
+                          <a:solidFill>
+                            <a:schemeClr val="tx1"/>
+                          </a:solidFill>
+                          <a:latin typeface="맑은 고딕" charset="0"/>
+                          <a:ea typeface="맑은 고딕" charset="0"/>
+                        </a:rPr>
+                        <a:t>웹뷰</a:t>
+                      </a:r>
+                      <a:endParaRPr lang="ko-KR" altLang="en-US" sz="1400" kern="1200" i="0" cap="none" b="0" strike="noStrike">
+                        <a:solidFill>
+                          <a:schemeClr val="tx1"/>
+                        </a:solidFill>
+                        <a:latin typeface="맑은 고딕" charset="0"/>
+                        <a:ea typeface="맑은 고딕" charset="0"/>
+                      </a:endParaRPr>
+                    </a:p>
+                  </a:txBody>
+                  <a:tcPr marL="2540" marR="2540" marT="2540" marB="0" anchor="ctr">
+                    <a:lnL w="9525" cap="flat" cmpd="sng" algn="ctr">
+                      <a:solidFill>
+                        <a:srgbClr val="000000">
+                          <a:alpha val="100000"/>
+                        </a:srgbClr>
+                      </a:solidFill>
+                      <a:prstDash val="solid"/>
+                      <a:round/>
+                      <a:headEnd type="none" w="med" len="med"/>
+                      <a:tailEnd type="none" w="med" len="med"/>
+                    </a:lnL>
+                    <a:lnR w="9525" cap="flat" cmpd="sng" algn="ctr">
+                      <a:solidFill>
+                        <a:srgbClr val="000000">
+                          <a:alpha val="100000"/>
+                        </a:srgbClr>
+                      </a:solidFill>
+                      <a:prstDash val="solid"/>
+                      <a:round/>
+                      <a:headEnd type="none" w="med" len="med"/>
+                      <a:tailEnd type="none" w="med" len="med"/>
+                    </a:lnR>
+                    <a:lnT w="9525" cap="flat" cmpd="sng" algn="ctr">
+                      <a:solidFill>
+                        <a:srgbClr val="000000">
+                          <a:alpha val="100000"/>
+                        </a:srgbClr>
+                      </a:solidFill>
+                      <a:prstDash val="solid"/>
+                      <a:round/>
+                      <a:headEnd type="none" w="med" len="med"/>
+                      <a:tailEnd type="none" w="med" len="med"/>
+                    </a:lnT>
+                    <a:lnB w="9525" cap="flat" cmpd="sng" algn="ctr">
+                      <a:solidFill>
+                        <a:srgbClr val="000000">
+                          <a:alpha val="100000"/>
+                        </a:srgbClr>
+                      </a:solidFill>
+                      <a:prstDash val="solid"/>
+                      <a:round/>
+                      <a:headEnd type="none" w="med" len="med"/>
+                      <a:tailEnd type="none" w="med" len="med"/>
+                    </a:lnB>
+                    <a:solidFill>
+                      <a:srgbClr val="EEDCC5"/>
+                    </a:solidFill>
+                  </a:tcPr>
+                </a:tc>
+                <a:tc>
+                  <a:txBody>
+                    <a:bodyPr/>
+                    <a:lstStyle/>
+                    <a:p>
+                      <a:pPr marL="0" indent="0" rtl="0" algn="ctr" latinLnBrk="0" lvl="1">
+                        <a:buFontTx/>
+                        <a:buNone/>
+                      </a:pPr>
+                      <a:r>
+                        <a:rPr sz="1400" kern="1200" cap="none" i="0" b="0" strike="noStrike">
+                          <a:solidFill>
+                            <a:schemeClr val="tx1"/>
+                          </a:solidFill>
+                          <a:latin typeface="맑은 고딕" charset="0"/>
+                          <a:ea typeface="맑은 고딕" charset="0"/>
+                        </a:rPr>
+                        <a:t>계획</a:t>
+                      </a:r>
+                      <a:endParaRPr lang="ko-KR" altLang="en-US" sz="1400" kern="1200" i="0" cap="none" b="0" strike="noStrike">
+                        <a:solidFill>
+                          <a:schemeClr val="tx1"/>
+                        </a:solidFill>
+                        <a:latin typeface="맑은 고딕" charset="0"/>
+                        <a:ea typeface="맑은 고딕" charset="0"/>
+                      </a:endParaRPr>
+                    </a:p>
+                  </a:txBody>
+                  <a:tcPr marL="2540" marR="2540" marT="2540" marB="0" anchor="ctr">
+                    <a:lnL w="9525" cap="flat" cmpd="sng" algn="ctr">
+                      <a:solidFill>
+                        <a:srgbClr val="000000">
+                          <a:alpha val="100000"/>
+                        </a:srgbClr>
+                      </a:solidFill>
+                      <a:prstDash val="solid"/>
+                      <a:round/>
+                      <a:headEnd type="none" w="med" len="med"/>
+                      <a:tailEnd type="none" w="med" len="med"/>
+                    </a:lnL>
+                    <a:lnR w="12700" cap="flat" cmpd="sng" algn="ctr">
+                      <a:solidFill>
+                        <a:srgbClr val="000000">
+                          <a:alpha val="100000"/>
+                        </a:srgbClr>
+                      </a:solidFill>
+                      <a:prstDash val="solid"/>
+                      <a:round/>
+                      <a:headEnd type="none" w="med" len="med"/>
+                      <a:tailEnd type="none" w="med" len="med"/>
+                    </a:lnR>
+                    <a:lnT w="9525" cap="flat" cmpd="sng" algn="ctr">
+                      <a:solidFill>
+                        <a:srgbClr val="000000">
+                          <a:alpha val="100000"/>
+                        </a:srgbClr>
+                      </a:solidFill>
+                      <a:prstDash val="solid"/>
+                      <a:round/>
+                      <a:headEnd type="none" w="med" len="med"/>
+                      <a:tailEnd type="none" w="med" len="med"/>
+                    </a:lnT>
+                    <a:lnB w="9525" cap="flat" cmpd="sng" algn="ctr">
+                      <a:solidFill>
+                        <a:srgbClr val="000000">
+                          <a:alpha val="100000"/>
+                        </a:srgbClr>
+                      </a:solidFill>
+                      <a:prstDash val="solid"/>
+                      <a:round/>
+                      <a:headEnd type="none" w="med" len="med"/>
+                      <a:tailEnd type="none" w="med" len="med"/>
+                    </a:lnB>
+                    <a:solidFill>
+                      <a:srgbClr val="FDF8F2"/>
+                    </a:solidFill>
+                  </a:tcPr>
+                </a:tc>
+                <a:tc>
+                  <a:txBody>
+                    <a:bodyPr/>
+                    <a:lstStyle/>
+                    <a:p>
+                      <a:pPr marL="0" indent="0" rtl="0" algn="l" latinLnBrk="0" lvl="1">
+                        <a:buFontTx/>
+                        <a:buNone/>
+                      </a:pPr>
+                      <a:endParaRPr lang="ko-KR" altLang="en-US" sz="1400" kern="1200" i="0" cap="none" b="0" strike="noStrike">
+                        <a:solidFill>
+                          <a:schemeClr val="tx1"/>
+                        </a:solidFill>
+                        <a:latin typeface="맑은 고딕" charset="0"/>
+                        <a:ea typeface="맑은 고딕" charset="0"/>
+                      </a:endParaRPr>
+                    </a:p>
+                  </a:txBody>
+                  <a:tcPr marL="2540" marR="2540" marT="2540" marB="0" anchor="ctr">
+                    <a:lnL w="12700" cap="flat" cmpd="sng" algn="ctr">
+                      <a:solidFill>
+                        <a:srgbClr val="000000">
+                          <a:alpha val="100000"/>
+                        </a:srgbClr>
+                      </a:solidFill>
+                      <a:prstDash val="solid"/>
+                      <a:round/>
+                      <a:headEnd type="none" w="med" len="med"/>
+                      <a:tailEnd type="none" w="med" len="med"/>
+                    </a:lnL>
+                    <a:lnR w="12700" cap="flat" cmpd="sng" algn="ctr">
+                      <a:solidFill>
+                        <a:srgbClr val="000000">
+                          <a:alpha val="100000"/>
+                        </a:srgbClr>
+                      </a:solidFill>
+                      <a:prstDash val="solid"/>
+                      <a:round/>
+                      <a:headEnd type="none" w="med" len="med"/>
+                      <a:tailEnd type="none" w="med" len="med"/>
+                    </a:lnR>
+                    <a:lnT w="12700" cap="flat" cmpd="sng" algn="ctr">
+                      <a:solidFill>
+                        <a:srgbClr val="000000">
+                          <a:alpha val="100000"/>
+                        </a:srgbClr>
+                      </a:solidFill>
+                      <a:prstDash val="solid"/>
+                      <a:round/>
+                      <a:headEnd type="none" w="med" len="med"/>
+                      <a:tailEnd type="none" w="med" len="med"/>
+                    </a:lnT>
+                    <a:lnB w="12700" cap="flat" cmpd="sng" algn="ctr">
+                      <a:solidFill>
+                        <a:srgbClr val="000000">
+                          <a:alpha val="100000"/>
+                        </a:srgbClr>
+                      </a:solidFill>
+                      <a:prstDash val="solid"/>
+                      <a:round/>
+                      <a:headEnd type="none" w="med" len="med"/>
+                      <a:tailEnd type="none" w="med" len="med"/>
+                    </a:lnB>
+                    <a:lnTlToBr w="0" cap="flat" cmpd="sng" algn="ctr">
+                      <a:noFill/>
+                      <a:prstDash/>
+                      <a:round/>
+                      <a:headEnd type="none" w="med" len="med"/>
+                      <a:tailEnd type="none" w="med" len="med"/>
+                    </a:lnTlToBr>
+                    <a:lnBlToTr w="0" cap="flat" cmpd="sng" algn="ctr">
+                      <a:noFill/>
+                      <a:prstDash/>
+                      <a:round/>
+                      <a:headEnd type="none" w="med" len="med"/>
+                      <a:tailEnd type="none" w="med" len="med"/>
+                    </a:lnBlToTr>
+                  </a:tcPr>
+                </a:tc>
+                <a:tc>
+                  <a:txBody>
+                    <a:bodyPr/>
+                    <a:lstStyle/>
+                    <a:p>
+                      <a:pPr marL="0" indent="0" rtl="0" algn="l" latinLnBrk="0" lvl="1">
+                        <a:buFontTx/>
+                        <a:buNone/>
+                      </a:pPr>
+                      <a:endParaRPr lang="ko-KR" altLang="en-US" sz="1400" kern="1200" i="0" cap="none" b="0" strike="noStrike">
+                        <a:solidFill>
+                          <a:schemeClr val="tx1"/>
+                        </a:solidFill>
+                        <a:latin typeface="맑은 고딕" charset="0"/>
+                        <a:ea typeface="맑은 고딕" charset="0"/>
+                      </a:endParaRPr>
+                    </a:p>
+                  </a:txBody>
+                  <a:tcPr marL="2540" marR="2540" marT="2540" marB="0" anchor="ctr">
+                    <a:lnL w="12700" cap="flat" cmpd="sng" algn="ctr">
+                      <a:solidFill>
+                        <a:srgbClr val="000000">
+                          <a:alpha val="100000"/>
+                        </a:srgbClr>
+                      </a:solidFill>
+                      <a:prstDash val="solid"/>
+                      <a:round/>
+                      <a:headEnd type="none" w="med" len="med"/>
+                      <a:tailEnd type="none" w="med" len="med"/>
+                    </a:lnL>
+                    <a:lnR w="12700" cap="flat" cmpd="sng" algn="ctr">
+                      <a:solidFill>
+                        <a:srgbClr val="000000">
+                          <a:alpha val="100000"/>
+                        </a:srgbClr>
+                      </a:solidFill>
+                      <a:prstDash val="solid"/>
+                      <a:round/>
+                      <a:headEnd type="none" w="med" len="med"/>
+                      <a:tailEnd type="none" w="med" len="med"/>
+                    </a:lnR>
+                    <a:lnT w="12700" cap="flat" cmpd="sng" algn="ctr">
+                      <a:solidFill>
+                        <a:srgbClr val="000000">
+                          <a:alpha val="100000"/>
+                        </a:srgbClr>
+                      </a:solidFill>
+                      <a:prstDash val="solid"/>
+                      <a:round/>
+                      <a:headEnd type="none" w="med" len="med"/>
+                      <a:tailEnd type="none" w="med" len="med"/>
+                    </a:lnT>
+                    <a:lnB w="12700" cap="flat" cmpd="sng" algn="ctr">
+                      <a:solidFill>
+                        <a:srgbClr val="000000">
+                          <a:alpha val="100000"/>
+                        </a:srgbClr>
+                      </a:solidFill>
+                      <a:prstDash val="solid"/>
+                      <a:round/>
+                      <a:headEnd type="none" w="med" len="med"/>
+                      <a:tailEnd type="none" w="med" len="med"/>
+                    </a:lnB>
+                    <a:lnTlToBr w="0" cap="flat" cmpd="sng" algn="ctr">
+                      <a:noFill/>
+                      <a:prstDash/>
+                      <a:round/>
+                      <a:headEnd type="none" w="med" len="med"/>
+                      <a:tailEnd type="none" w="med" len="med"/>
+                    </a:lnTlToBr>
+                    <a:lnBlToTr w="0" cap="flat" cmpd="sng" algn="ctr">
+                      <a:noFill/>
+                      <a:prstDash/>
+                      <a:round/>
+                      <a:headEnd type="none" w="med" len="med"/>
+                      <a:tailEnd type="none" w="med" len="med"/>
+                    </a:lnBlToTr>
+                  </a:tcPr>
+                </a:tc>
+                <a:tc>
+                  <a:txBody>
+                    <a:bodyPr/>
+                    <a:lstStyle/>
+                    <a:p>
+                      <a:pPr marL="0" indent="0" rtl="0" algn="l" latinLnBrk="0" lvl="1">
+                        <a:buFontTx/>
+                        <a:buNone/>
+                      </a:pPr>
+                      <a:endParaRPr lang="ko-KR" altLang="en-US" sz="1400" kern="1200" i="0" cap="none" b="0" strike="noStrike">
+                        <a:solidFill>
+                          <a:schemeClr val="tx1"/>
+                        </a:solidFill>
+                        <a:latin typeface="맑은 고딕" charset="0"/>
+                        <a:ea typeface="맑은 고딕" charset="0"/>
+                      </a:endParaRPr>
+                    </a:p>
+                  </a:txBody>
+                  <a:tcPr marL="2540" marR="2540" marT="2540" marB="0" anchor="ctr">
+                    <a:lnL w="12700" cap="flat" cmpd="sng" algn="ctr">
+                      <a:solidFill>
+                        <a:srgbClr val="000000">
+                          <a:alpha val="100000"/>
+                        </a:srgbClr>
+                      </a:solidFill>
+                      <a:prstDash val="solid"/>
+                      <a:round/>
+                      <a:headEnd type="none" w="med" len="med"/>
+                      <a:tailEnd type="none" w="med" len="med"/>
+                    </a:lnL>
+                    <a:lnR w="12700" cap="flat" cmpd="sng" algn="ctr">
+                      <a:solidFill>
+                        <a:srgbClr val="000000">
+                          <a:alpha val="100000"/>
+                        </a:srgbClr>
+                      </a:solidFill>
+                      <a:prstDash val="solid"/>
+                      <a:round/>
+                      <a:headEnd type="none" w="med" len="med"/>
+                      <a:tailEnd type="none" w="med" len="med"/>
+                    </a:lnR>
+                    <a:lnT w="12700" cap="flat" cmpd="sng" algn="ctr">
+                      <a:solidFill>
+                        <a:srgbClr val="000000">
+                          <a:alpha val="100000"/>
+                        </a:srgbClr>
+                      </a:solidFill>
+                      <a:prstDash val="solid"/>
+                      <a:round/>
+                      <a:headEnd type="none" w="med" len="med"/>
+                      <a:tailEnd type="none" w="med" len="med"/>
+                    </a:lnT>
+                    <a:lnB w="12700" cap="flat" cmpd="sng" algn="ctr">
+                      <a:solidFill>
+                        <a:srgbClr val="000000">
+                          <a:alpha val="100000"/>
+                        </a:srgbClr>
+                      </a:solidFill>
+                      <a:prstDash val="solid"/>
+                      <a:round/>
+                      <a:headEnd type="none" w="med" len="med"/>
+                      <a:tailEnd type="none" w="med" len="med"/>
+                    </a:lnB>
+                    <a:lnTlToBr w="0" cap="flat" cmpd="sng" algn="ctr">
+                      <a:noFill/>
+                      <a:prstDash/>
+                      <a:round/>
+                      <a:headEnd type="none" w="med" len="med"/>
+                      <a:tailEnd type="none" w="med" len="med"/>
+                    </a:lnTlToBr>
+                    <a:lnBlToTr w="0" cap="flat" cmpd="sng" algn="ctr">
+                      <a:noFill/>
+                      <a:prstDash/>
+                      <a:round/>
+                      <a:headEnd type="none" w="med" len="med"/>
+                      <a:tailEnd type="none" w="med" len="med"/>
+                    </a:lnBlToTr>
+                  </a:tcPr>
+                </a:tc>
+                <a:tc>
+                  <a:txBody>
+                    <a:bodyPr/>
+                    <a:lstStyle/>
+                    <a:p>
+                      <a:pPr marL="0" indent="0" rtl="0" algn="l" latinLnBrk="0" lvl="1">
+                        <a:buFontTx/>
+                        <a:buNone/>
+                      </a:pPr>
+                      <a:endParaRPr lang="ko-KR" altLang="en-US" sz="1400" kern="1200" i="0" cap="none" b="0" strike="noStrike">
+                        <a:solidFill>
+                          <a:schemeClr val="tx1"/>
+                        </a:solidFill>
+                        <a:latin typeface="맑은 고딕" charset="0"/>
+                        <a:ea typeface="맑은 고딕" charset="0"/>
+                      </a:endParaRPr>
+                    </a:p>
+                  </a:txBody>
+                  <a:tcPr marL="2540" marR="2540" marT="2540" marB="0" anchor="ctr">
+                    <a:lnL w="12700" cap="flat" cmpd="sng" algn="ctr">
+                      <a:solidFill>
+                        <a:srgbClr val="000000">
+                          <a:alpha val="100000"/>
+                        </a:srgbClr>
+                      </a:solidFill>
+                      <a:prstDash val="solid"/>
+                      <a:round/>
+                      <a:headEnd type="none" w="med" len="med"/>
+                      <a:tailEnd type="none" w="med" len="med"/>
+                    </a:lnL>
+                    <a:lnR w="12700" cap="flat" cmpd="sng" algn="ctr">
+                      <a:solidFill>
+                        <a:srgbClr val="000000">
+                          <a:alpha val="100000"/>
+                        </a:srgbClr>
+                      </a:solidFill>
+                      <a:prstDash val="solid"/>
+                      <a:round/>
+                      <a:headEnd type="none" w="med" len="med"/>
+                      <a:tailEnd type="none" w="med" len="med"/>
+                    </a:lnR>
+                    <a:lnT w="12700" cap="flat" cmpd="sng" algn="ctr">
+                      <a:solidFill>
+                        <a:srgbClr val="000000">
+                          <a:alpha val="100000"/>
+                        </a:srgbClr>
+                      </a:solidFill>
+                      <a:prstDash val="solid"/>
+                      <a:round/>
+                      <a:headEnd type="none" w="med" len="med"/>
+                      <a:tailEnd type="none" w="med" len="med"/>
+                    </a:lnT>
+                    <a:lnB w="12700" cap="flat" cmpd="sng" algn="ctr">
+                      <a:solidFill>
+                        <a:srgbClr val="000000">
+                          <a:alpha val="100000"/>
+                        </a:srgbClr>
+                      </a:solidFill>
+                      <a:prstDash val="solid"/>
+                      <a:round/>
+                      <a:headEnd type="none" w="med" len="med"/>
+                      <a:tailEnd type="none" w="med" len="med"/>
+                    </a:lnB>
+                    <a:lnTlToBr w="0" cap="flat" cmpd="sng" algn="ctr">
+                      <a:noFill/>
+                      <a:prstDash/>
+                      <a:round/>
+                      <a:headEnd type="none" w="med" len="med"/>
+                      <a:tailEnd type="none" w="med" len="med"/>
+                    </a:lnTlToBr>
+                    <a:lnBlToTr w="0" cap="flat" cmpd="sng" algn="ctr">
+                      <a:noFill/>
+                      <a:prstDash/>
+                      <a:round/>
+                      <a:headEnd type="none" w="med" len="med"/>
+                      <a:tailEnd type="none" w="med" len="med"/>
+                    </a:lnBlToTr>
+                  </a:tcPr>
+                </a:tc>
+                <a:tc>
+                  <a:txBody>
+                    <a:bodyPr/>
+                    <a:lstStyle/>
+                    <a:p>
+                      <a:pPr marL="0" indent="0" rtl="0" algn="l" latinLnBrk="0" lvl="1">
+                        <a:buFontTx/>
+                        <a:buNone/>
+                      </a:pPr>
+                      <a:endParaRPr lang="ko-KR" altLang="en-US" sz="1400" kern="1200" i="0" cap="none" b="0" strike="noStrike">
+                        <a:solidFill>
+                          <a:schemeClr val="tx1"/>
+                        </a:solidFill>
+                        <a:latin typeface="맑은 고딕" charset="0"/>
+                        <a:ea typeface="맑은 고딕" charset="0"/>
+                      </a:endParaRPr>
+                    </a:p>
+                  </a:txBody>
+                  <a:tcPr marL="2540" marR="2540" marT="2540" marB="0" anchor="ctr">
+                    <a:lnL w="12700" cap="flat" cmpd="sng" algn="ctr">
+                      <a:solidFill>
+                        <a:srgbClr val="000000">
+                          <a:alpha val="100000"/>
+                        </a:srgbClr>
+                      </a:solidFill>
+                      <a:prstDash val="solid"/>
+                      <a:round/>
+                      <a:headEnd type="none" w="med" len="med"/>
+                      <a:tailEnd type="none" w="med" len="med"/>
+                    </a:lnL>
+                    <a:lnR w="12700" cap="flat" cmpd="sng" algn="ctr">
+                      <a:solidFill>
+                        <a:srgbClr val="000000">
+                          <a:alpha val="100000"/>
+                        </a:srgbClr>
+                      </a:solidFill>
+                      <a:prstDash val="solid"/>
+                      <a:round/>
+                      <a:headEnd type="none" w="med" len="med"/>
+                      <a:tailEnd type="none" w="med" len="med"/>
+                    </a:lnR>
+                    <a:lnT w="12700" cap="flat" cmpd="sng" algn="ctr">
+                      <a:solidFill>
+                        <a:srgbClr val="000000">
+                          <a:alpha val="100000"/>
+                        </a:srgbClr>
+                      </a:solidFill>
+                      <a:prstDash val="solid"/>
+                      <a:round/>
+                      <a:headEnd type="none" w="med" len="med"/>
+                      <a:tailEnd type="none" w="med" len="med"/>
+                    </a:lnT>
+                    <a:lnB w="12700" cap="flat" cmpd="sng" algn="ctr">
+                      <a:solidFill>
+                        <a:srgbClr val="000000">
+                          <a:alpha val="100000"/>
+                        </a:srgbClr>
+                      </a:solidFill>
+                      <a:prstDash val="solid"/>
+                      <a:round/>
+                      <a:headEnd type="none" w="med" len="med"/>
+                      <a:tailEnd type="none" w="med" len="med"/>
+                    </a:lnB>
+                    <a:lnTlToBr w="0" cap="flat" cmpd="sng" algn="ctr">
+                      <a:noFill/>
+                      <a:prstDash/>
+                      <a:round/>
+                      <a:headEnd type="none" w="med" len="med"/>
+                      <a:tailEnd type="none" w="med" len="med"/>
+                    </a:lnTlToBr>
+                    <a:lnBlToTr w="0" cap="flat" cmpd="sng" algn="ctr">
+                      <a:noFill/>
+                      <a:prstDash/>
+                      <a:round/>
+                      <a:headEnd type="none" w="med" len="med"/>
+                      <a:tailEnd type="none" w="med" len="med"/>
+                    </a:lnBlToTr>
+                  </a:tcPr>
+                </a:tc>
+                <a:tc>
+                  <a:txBody>
+                    <a:bodyPr/>
+                    <a:lstStyle/>
+                    <a:p>
+                      <a:pPr marL="0" indent="0" rtl="0" algn="ctr" latinLnBrk="0" lvl="1">
+                        <a:buFontTx/>
+                        <a:buNone/>
+                      </a:pPr>
+                      <a:endParaRPr lang="ko-KR" altLang="en-US" sz="1400" kern="1200" i="0" cap="none" b="0" strike="noStrike">
+                        <a:solidFill>
+                          <a:schemeClr val="tx1"/>
+                        </a:solidFill>
+                        <a:latin typeface="맑은 고딕" charset="0"/>
+                        <a:ea typeface="맑은 고딕" charset="0"/>
+                      </a:endParaRPr>
+                    </a:p>
+                  </a:txBody>
+                  <a:tcPr marL="2540" marR="2540" marT="2540" marB="0" anchor="ctr">
+                    <a:lnL w="12700" cap="flat" cmpd="sng" algn="ctr">
+                      <a:solidFill>
+                        <a:srgbClr val="000000">
+                          <a:alpha val="100000"/>
+                        </a:srgbClr>
+                      </a:solidFill>
+                      <a:prstDash val="solid"/>
+                      <a:round/>
+                      <a:headEnd type="none" w="med" len="med"/>
+                      <a:tailEnd type="none" w="med" len="med"/>
+                    </a:lnL>
+                    <a:lnR w="12700" cap="flat" cmpd="sng" algn="ctr">
+                      <a:solidFill>
+                        <a:srgbClr val="000000">
+                          <a:alpha val="100000"/>
+                        </a:srgbClr>
+                      </a:solidFill>
+                      <a:prstDash val="solid"/>
+                      <a:round/>
+                      <a:headEnd type="none" w="med" len="med"/>
+                      <a:tailEnd type="none" w="med" len="med"/>
+                    </a:lnR>
+                    <a:lnT w="12700" cap="flat" cmpd="sng" algn="ctr">
+                      <a:solidFill>
+                        <a:srgbClr val="000000">
+                          <a:alpha val="100000"/>
+                        </a:srgbClr>
+                      </a:solidFill>
+                      <a:prstDash val="solid"/>
+                      <a:round/>
+                      <a:headEnd type="none" w="med" len="med"/>
+                      <a:tailEnd type="none" w="med" len="med"/>
+                    </a:lnT>
+                    <a:lnB w="12700" cap="flat" cmpd="sng" algn="ctr">
+                      <a:solidFill>
+                        <a:srgbClr val="000000">
+                          <a:alpha val="100000"/>
+                        </a:srgbClr>
+                      </a:solidFill>
+                      <a:prstDash val="solid"/>
+                      <a:round/>
+                      <a:headEnd type="none" w="med" len="med"/>
+                      <a:tailEnd type="none" w="med" len="med"/>
+                    </a:lnB>
+                    <a:lnTlToBr w="0" cap="flat" cmpd="sng" algn="ctr">
+                      <a:noFill/>
+                      <a:prstDash/>
+                      <a:round/>
+                      <a:headEnd type="none" w="med" len="med"/>
+                      <a:tailEnd type="none" w="med" len="med"/>
+                    </a:lnTlToBr>
+                    <a:lnBlToTr w="0" cap="flat" cmpd="sng" algn="ctr">
+                      <a:noFill/>
+                      <a:prstDash/>
+                      <a:round/>
+                      <a:headEnd type="none" w="med" len="med"/>
+                      <a:tailEnd type="none" w="med" len="med"/>
+                    </a:lnBlToTr>
+                    <a:solidFill>
+                      <a:srgbClr val="F7F0DF"/>
+                    </a:solidFill>
+                  </a:tcPr>
+                </a:tc>
+                <a:tc>
+                  <a:txBody>
+                    <a:bodyPr/>
+                    <a:lstStyle/>
+                    <a:p>
+                      <a:pPr marL="0" indent="0" rtl="0" algn="ctr" latinLnBrk="0" lvl="1">
+                        <a:buFontTx/>
+                        <a:buNone/>
+                      </a:pPr>
+                      <a:endParaRPr lang="ko-KR" altLang="en-US" sz="1400" kern="1200" i="0" cap="none" b="0" strike="noStrike">
+                        <a:solidFill>
+                          <a:schemeClr val="tx1"/>
+                        </a:solidFill>
+                        <a:latin typeface="맑은 고딕" charset="0"/>
+                        <a:ea typeface="맑은 고딕" charset="0"/>
+                      </a:endParaRPr>
+                    </a:p>
+                  </a:txBody>
+                  <a:tcPr marL="2540" marR="2540" marT="2540" marB="0" anchor="ctr">
+                    <a:lnL w="12700" cap="flat" cmpd="sng" algn="ctr">
+                      <a:solidFill>
+                        <a:srgbClr val="000000">
+                          <a:alpha val="100000"/>
+                        </a:srgbClr>
+                      </a:solidFill>
+                      <a:prstDash val="solid"/>
+                      <a:round/>
+                      <a:headEnd type="none" w="med" len="med"/>
+                      <a:tailEnd type="none" w="med" len="med"/>
+                    </a:lnL>
+                    <a:lnR w="12700" cap="flat" cmpd="sng" algn="ctr">
+                      <a:solidFill>
+                        <a:srgbClr val="000000">
+                          <a:alpha val="100000"/>
+                        </a:srgbClr>
+                      </a:solidFill>
+                      <a:prstDash val="solid"/>
+                      <a:round/>
+                      <a:headEnd type="none" w="med" len="med"/>
+                      <a:tailEnd type="none" w="med" len="med"/>
+                    </a:lnR>
+                    <a:lnT w="12700" cap="flat" cmpd="sng" algn="ctr">
+                      <a:solidFill>
+                        <a:srgbClr val="000000">
+                          <a:alpha val="100000"/>
+                        </a:srgbClr>
+                      </a:solidFill>
+                      <a:prstDash val="solid"/>
+                      <a:round/>
+                      <a:headEnd type="none" w="med" len="med"/>
+                      <a:tailEnd type="none" w="med" len="med"/>
+                    </a:lnT>
+                    <a:lnB w="12700" cap="flat" cmpd="sng" algn="ctr">
+                      <a:solidFill>
+                        <a:srgbClr val="000000">
+                          <a:alpha val="100000"/>
+                        </a:srgbClr>
+                      </a:solidFill>
+                      <a:prstDash val="solid"/>
+                      <a:round/>
+                      <a:headEnd type="none" w="med" len="med"/>
+                      <a:tailEnd type="none" w="med" len="med"/>
+                    </a:lnB>
+                    <a:lnTlToBr w="0" cap="flat" cmpd="sng" algn="ctr">
+                      <a:noFill/>
+                      <a:prstDash/>
+                      <a:round/>
+                      <a:headEnd type="none" w="med" len="med"/>
+                      <a:tailEnd type="none" w="med" len="med"/>
+                    </a:lnTlToBr>
+                    <a:lnBlToTr w="0" cap="flat" cmpd="sng" algn="ctr">
+                      <a:noFill/>
+                      <a:prstDash/>
+                      <a:round/>
+                      <a:headEnd type="none" w="med" len="med"/>
+                      <a:tailEnd type="none" w="med" len="med"/>
+                    </a:lnBlToTr>
+                    <a:solidFill>
+                      <a:srgbClr val="F7F0DF"/>
+                    </a:solidFill>
+                  </a:tcPr>
+                </a:tc>
+                <a:tc>
+                  <a:txBody>
+                    <a:bodyPr/>
+                    <a:lstStyle/>
+                    <a:p>
+                      <a:pPr marL="0" indent="0" rtl="0" algn="ctr" latinLnBrk="0" lvl="1">
+                        <a:buFontTx/>
+                        <a:buNone/>
+                      </a:pPr>
+                      <a:endParaRPr lang="ko-KR" altLang="en-US" sz="1400" kern="1200" i="0" cap="none" b="0" strike="noStrike">
+                        <a:solidFill>
+                          <a:schemeClr val="tx1"/>
+                        </a:solidFill>
+                        <a:latin typeface="맑은 고딕" charset="0"/>
+                        <a:ea typeface="맑은 고딕" charset="0"/>
+                      </a:endParaRPr>
+                    </a:p>
+                  </a:txBody>
+                  <a:tcPr marL="2540" marR="2540" marT="2540" marB="0" anchor="ctr">
+                    <a:lnL w="12700" cap="flat" cmpd="sng" algn="ctr">
+                      <a:solidFill>
+                        <a:srgbClr val="000000">
+                          <a:alpha val="100000"/>
+                        </a:srgbClr>
+                      </a:solidFill>
+                      <a:prstDash val="solid"/>
+                      <a:round/>
+                      <a:headEnd type="none" w="med" len="med"/>
+                      <a:tailEnd type="none" w="med" len="med"/>
+                    </a:lnL>
+                    <a:lnR w="12700" cap="flat" cmpd="sng" algn="ctr">
+                      <a:solidFill>
+                        <a:srgbClr val="000000">
+                          <a:alpha val="100000"/>
+                        </a:srgbClr>
+                      </a:solidFill>
+                      <a:prstDash val="solid"/>
+                      <a:round/>
+                      <a:headEnd type="none" w="med" len="med"/>
+                      <a:tailEnd type="none" w="med" len="med"/>
+                    </a:lnR>
+                    <a:lnT w="12700" cap="flat" cmpd="sng" algn="ctr">
+                      <a:solidFill>
+                        <a:srgbClr val="000000">
+                          <a:alpha val="100000"/>
+                        </a:srgbClr>
+                      </a:solidFill>
+                      <a:prstDash val="solid"/>
+                      <a:round/>
+                      <a:headEnd type="none" w="med" len="med"/>
+                      <a:tailEnd type="none" w="med" len="med"/>
+                    </a:lnT>
+                    <a:lnB w="12700" cap="flat" cmpd="sng" algn="ctr">
+                      <a:solidFill>
+                        <a:srgbClr val="000000">
+                          <a:alpha val="100000"/>
+                        </a:srgbClr>
+                      </a:solidFill>
+                      <a:prstDash val="solid"/>
+                      <a:round/>
+                      <a:headEnd type="none" w="med" len="med"/>
+                      <a:tailEnd type="none" w="med" len="med"/>
+                    </a:lnB>
+                    <a:lnTlToBr w="0" cap="flat" cmpd="sng" algn="ctr">
+                      <a:noFill/>
+                      <a:prstDash/>
+                      <a:round/>
+                      <a:headEnd type="none" w="med" len="med"/>
+                      <a:tailEnd type="none" w="med" len="med"/>
+                    </a:lnTlToBr>
+                    <a:lnBlToTr w="0" cap="flat" cmpd="sng" algn="ctr">
+                      <a:noFill/>
+                      <a:prstDash/>
+                      <a:round/>
+                      <a:headEnd type="none" w="med" len="med"/>
+                      <a:tailEnd type="none" w="med" len="med"/>
+                    </a:lnBlToTr>
+                    <a:solidFill>
+                      <a:srgbClr val="F7F0DF"/>
+                    </a:solidFill>
+                  </a:tcPr>
+                </a:tc>
+                <a:tc gridSpan="3">
+                  <a:txBody>
+                    <a:bodyPr/>
+                    <a:lstStyle/>
+                    <a:p>
+                      <a:pPr marL="0" indent="0" rtl="0" algn="ctr" latinLnBrk="0" lvl="1">
+                        <a:buFontTx/>
+                        <a:buNone/>
+                      </a:pPr>
+                      <a:r>
+                        <a:rPr sz="1400" kern="1200" cap="none" i="0" b="0" strike="noStrike">
+                          <a:solidFill>
+                            <a:schemeClr val="tx1"/>
+                          </a:solidFill>
+                          <a:latin typeface="맑은 고딕" charset="0"/>
+                          <a:ea typeface="맑은 고딕" charset="0"/>
+                        </a:rPr>
+                        <a:t>2/1</a:t>
+                      </a:r>
+                      <a:r>
+                        <a:rPr lang="ko-KR" sz="1400" kern="1200" cap="none" i="0" b="0" strike="noStrike">
+                          <a:solidFill>
+                            <a:schemeClr val="tx1"/>
+                          </a:solidFill>
+                          <a:latin typeface="맑은 고딕" charset="0"/>
+                          <a:ea typeface="맑은 고딕" charset="0"/>
+                        </a:rPr>
+                        <a:t>4</a:t>
+                      </a:r>
+                      <a:r>
+                        <a:rPr sz="1400" kern="1200" cap="none" i="0" b="0" strike="noStrike">
+                          <a:solidFill>
+                            <a:schemeClr val="tx1"/>
+                          </a:solidFill>
+                          <a:latin typeface="맑은 고딕" charset="0"/>
+                          <a:ea typeface="맑은 고딕" charset="0"/>
+                        </a:rPr>
+                        <a:t>~2/1</a:t>
+                      </a:r>
+                      <a:r>
+                        <a:rPr sz="1400" kern="1200" cap="none" i="0" b="0" strike="noStrike">
+                          <a:solidFill>
+                            <a:schemeClr val="tx1"/>
+                          </a:solidFill>
+                          <a:latin typeface="맑은 고딕" charset="0"/>
+                          <a:ea typeface="맑은 고딕" charset="0"/>
+                        </a:rPr>
+                        <a:t>5</a:t>
+                      </a:r>
+                      <a:endParaRPr lang="ko-KR" altLang="en-US" sz="1400" kern="1200" i="0" cap="none" b="0" strike="noStrike">
+                        <a:solidFill>
+                          <a:schemeClr val="tx1"/>
+                        </a:solidFill>
+                        <a:latin typeface="맑은 고딕" charset="0"/>
+                        <a:ea typeface="맑은 고딕" charset="0"/>
+                      </a:endParaRPr>
+                    </a:p>
+                  </a:txBody>
+                  <a:tcPr marL="2540" marR="2540" marT="2540" marB="0" anchor="ctr">
+                    <a:lnL w="12700" cap="flat" cmpd="sng" algn="ctr">
+                      <a:solidFill>
+                        <a:srgbClr val="000000">
+                          <a:alpha val="100000"/>
+                        </a:srgbClr>
+                      </a:solidFill>
+                      <a:prstDash val="solid"/>
+                      <a:round/>
+                      <a:headEnd type="none" w="med" len="med"/>
+                      <a:tailEnd type="none" w="med" len="med"/>
+                    </a:lnL>
+                    <a:lnR w="12700" cap="flat" cmpd="sng" algn="ctr">
+                      <a:solidFill>
+                        <a:srgbClr val="000000">
+                          <a:alpha val="100000"/>
+                        </a:srgbClr>
+                      </a:solidFill>
+                      <a:prstDash val="solid"/>
+                      <a:round/>
+                      <a:headEnd type="none" w="med" len="med"/>
+                      <a:tailEnd type="none" w="med" len="med"/>
+                    </a:lnR>
+                    <a:lnT w="12700" cap="flat" cmpd="sng" algn="ctr">
+                      <a:solidFill>
+                        <a:srgbClr val="000000">
+                          <a:alpha val="100000"/>
+                        </a:srgbClr>
+                      </a:solidFill>
+                      <a:prstDash val="solid"/>
+                      <a:round/>
+                      <a:headEnd type="none" w="med" len="med"/>
+                      <a:tailEnd type="none" w="med" len="med"/>
+                    </a:lnT>
+                    <a:lnB w="12700" cap="flat" cmpd="sng" algn="ctr">
+                      <a:solidFill>
+                        <a:srgbClr val="000000">
+                          <a:alpha val="100000"/>
+                        </a:srgbClr>
+                      </a:solidFill>
+                      <a:prstDash val="solid"/>
+                      <a:round/>
+                      <a:headEnd type="none" w="med" len="med"/>
+                      <a:tailEnd type="none" w="med" len="med"/>
+                    </a:lnB>
+                    <a:lnTlToBr w="0" cap="flat" cmpd="sng" algn="ctr">
+                      <a:noFill/>
+                      <a:prstDash/>
+                      <a:round/>
+                      <a:headEnd type="none" w="med" len="med"/>
+                      <a:tailEnd type="none" w="med" len="med"/>
+                    </a:lnTlToBr>
+                    <a:lnBlToTr w="0" cap="flat" cmpd="sng" algn="ctr">
+                      <a:noFill/>
+                      <a:prstDash/>
+                      <a:round/>
+                      <a:headEnd type="none" w="med" len="med"/>
+                      <a:tailEnd type="none" w="med" len="med"/>
+                    </a:lnBlToTr>
+                    <a:solidFill>
+                      <a:srgbClr val="5EBC88"/>
+                    </a:solidFill>
+                  </a:tcPr>
+                </a:tc>
+                <a:tc hMerge="1">
+                  <a:txBody>
+                    <a:bodyPr/>
+                    <a:lstStyle/>
+                    <a:p>
+                      <a:pPr/>
+                      <a:endParaRPr lang="ko-KR" altLang="en-US" kern="1200"/>
+                    </a:p>
+                  </a:txBody>
+                </a:tc>
+                <a:tc hMerge="1">
+                  <a:txBody>
+                    <a:bodyPr/>
+                    <a:lstStyle/>
+                    <a:p>
+                      <a:pPr/>
+                      <a:endParaRPr lang="ko-KR" altLang="en-US" kern="1200"/>
+                    </a:p>
+                  </a:txBody>
+                </a:tc>
+              </a:tr>
+              <a:tr h="356870">
+                <a:tc vMerge="1">
+                  <a:txBody>
+                    <a:bodyPr/>
+                    <a:lstStyle/>
+                    <a:p>
+                      <a:pPr/>
+                      <a:endParaRPr lang="ko-KR" altLang="en-US" kern="1200"/>
+                    </a:p>
+                  </a:txBody>
+                </a:tc>
+                <a:tc vMerge="1">
+                  <a:txBody>
+                    <a:bodyPr/>
+                    <a:lstStyle/>
+                    <a:p>
+                      <a:pPr/>
+                      <a:endParaRPr lang="ko-KR" altLang="en-US" kern="1200"/>
+                    </a:p>
+                  </a:txBody>
+                </a:tc>
+                <a:tc>
+                  <a:txBody>
+                    <a:bodyPr/>
+                    <a:lstStyle/>
+                    <a:p>
+                      <a:pPr marL="0" indent="0" rtl="0" algn="ctr" latinLnBrk="0" lvl="1">
+                        <a:buFontTx/>
+                        <a:buNone/>
+                      </a:pPr>
+                      <a:r>
+                        <a:rPr sz="1400" kern="1200" cap="none" i="0" b="0" strike="noStrike">
+                          <a:solidFill>
+                            <a:schemeClr val="tx1"/>
+                          </a:solidFill>
+                          <a:latin typeface="맑은 고딕" charset="0"/>
+                          <a:ea typeface="맑은 고딕" charset="0"/>
+                        </a:rPr>
+                        <a:t>실제</a:t>
+                      </a:r>
+                      <a:endParaRPr lang="ko-KR" altLang="en-US" sz="1400" kern="1200" i="0" cap="none" b="0" strike="noStrike">
+                        <a:solidFill>
+                          <a:schemeClr val="tx1"/>
+                        </a:solidFill>
+                        <a:latin typeface="맑은 고딕" charset="0"/>
+                        <a:ea typeface="맑은 고딕" charset="0"/>
+                      </a:endParaRPr>
+                    </a:p>
+                  </a:txBody>
+                  <a:tcPr marL="2540" marR="2540" marT="2540" marB="0" anchor="ctr">
+                    <a:lnL w="9525" cap="flat" cmpd="sng" algn="ctr">
+                      <a:solidFill>
+                        <a:srgbClr val="000000">
+                          <a:alpha val="100000"/>
+                        </a:srgbClr>
+                      </a:solidFill>
+                      <a:prstDash val="solid"/>
+                      <a:round/>
+                      <a:headEnd type="none" w="med" len="med"/>
+                      <a:tailEnd type="none" w="med" len="med"/>
+                    </a:lnL>
+                    <a:lnR w="12700" cap="flat" cmpd="sng" algn="ctr">
+                      <a:solidFill>
+                        <a:srgbClr val="000000">
+                          <a:alpha val="100000"/>
+                        </a:srgbClr>
+                      </a:solidFill>
+                      <a:prstDash val="solid"/>
+                      <a:round/>
+                      <a:headEnd type="none" w="med" len="med"/>
+                      <a:tailEnd type="none" w="med" len="med"/>
+                    </a:lnR>
+                    <a:lnT w="9525" cap="flat" cmpd="sng" algn="ctr">
+                      <a:solidFill>
+                        <a:srgbClr val="000000">
+                          <a:alpha val="100000"/>
+                        </a:srgbClr>
+                      </a:solidFill>
+                      <a:prstDash val="solid"/>
+                      <a:round/>
+                      <a:headEnd type="none" w="med" len="med"/>
+                      <a:tailEnd type="none" w="med" len="med"/>
+                    </a:lnT>
+                    <a:lnB w="9525" cap="flat" cmpd="sng" algn="ctr">
+                      <a:solidFill>
+                        <a:srgbClr val="000000">
+                          <a:alpha val="100000"/>
+                        </a:srgbClr>
+                      </a:solidFill>
+                      <a:prstDash val="solid"/>
+                      <a:round/>
+                      <a:headEnd type="none" w="med" len="med"/>
+                      <a:tailEnd type="none" w="med" len="med"/>
+                    </a:lnB>
+                    <a:solidFill>
+                      <a:srgbClr val="FDF8F2"/>
+                    </a:solidFill>
+                  </a:tcPr>
+                </a:tc>
+                <a:tc>
+                  <a:txBody>
+                    <a:bodyPr/>
+                    <a:lstStyle/>
+                    <a:p>
+                      <a:pPr marL="0" indent="0" rtl="0" algn="l" latinLnBrk="0" lvl="1">
+                        <a:buFontTx/>
+                        <a:buNone/>
+                      </a:pPr>
+                      <a:endParaRPr lang="ko-KR" altLang="en-US" sz="1400" kern="1200" i="0" cap="none" b="0" strike="noStrike">
+                        <a:solidFill>
+                          <a:schemeClr val="tx1"/>
+                        </a:solidFill>
+                        <a:latin typeface="맑은 고딕" charset="0"/>
+                        <a:ea typeface="맑은 고딕" charset="0"/>
+                      </a:endParaRPr>
+                    </a:p>
+                  </a:txBody>
+                  <a:tcPr marL="2540" marR="2540" marT="2540" marB="0" anchor="ctr">
+                    <a:lnL w="12700" cap="flat" cmpd="sng" algn="ctr">
+                      <a:solidFill>
+                        <a:srgbClr val="000000">
+                          <a:alpha val="100000"/>
+                        </a:srgbClr>
+                      </a:solidFill>
+                      <a:prstDash val="solid"/>
+                      <a:round/>
+                      <a:headEnd type="none" w="med" len="med"/>
+                      <a:tailEnd type="none" w="med" len="med"/>
+                    </a:lnL>
+                    <a:lnR w="12700" cap="flat" cmpd="sng" algn="ctr">
+                      <a:solidFill>
+                        <a:srgbClr val="000000">
+                          <a:alpha val="100000"/>
+                        </a:srgbClr>
+                      </a:solidFill>
+                      <a:prstDash val="solid"/>
+                      <a:round/>
+                      <a:headEnd type="none" w="med" len="med"/>
+                      <a:tailEnd type="none" w="med" len="med"/>
+                    </a:lnR>
+                    <a:lnT w="12700" cap="flat" cmpd="sng" algn="ctr">
+                      <a:solidFill>
+                        <a:srgbClr val="000000">
+                          <a:alpha val="100000"/>
+                        </a:srgbClr>
+                      </a:solidFill>
+                      <a:prstDash val="solid"/>
+                      <a:round/>
+                      <a:headEnd type="none" w="med" len="med"/>
+                      <a:tailEnd type="none" w="med" len="med"/>
+                    </a:lnT>
+                    <a:lnB w="12700" cap="flat" cmpd="sng" algn="ctr">
+                      <a:solidFill>
+                        <a:srgbClr val="000000">
+                          <a:alpha val="100000"/>
+                        </a:srgbClr>
+                      </a:solidFill>
+                      <a:prstDash val="solid"/>
+                      <a:round/>
+                      <a:headEnd type="none" w="med" len="med"/>
+                      <a:tailEnd type="none" w="med" len="med"/>
+                    </a:lnB>
+                    <a:lnTlToBr w="0" cap="flat" cmpd="sng" algn="ctr">
+                      <a:noFill/>
+                      <a:prstDash/>
+                      <a:round/>
+                      <a:headEnd type="none" w="med" len="med"/>
+                      <a:tailEnd type="none" w="med" len="med"/>
+                    </a:lnTlToBr>
+                    <a:lnBlToTr w="0" cap="flat" cmpd="sng" algn="ctr">
+                      <a:noFill/>
+                      <a:prstDash/>
+                      <a:round/>
+                      <a:headEnd type="none" w="med" len="med"/>
+                      <a:tailEnd type="none" w="med" len="med"/>
+                    </a:lnBlToTr>
+                  </a:tcPr>
+                </a:tc>
+                <a:tc>
+                  <a:txBody>
+                    <a:bodyPr/>
+                    <a:lstStyle/>
+                    <a:p>
+                      <a:pPr marL="0" indent="0" rtl="0" algn="l" latinLnBrk="0" lvl="1">
+                        <a:buFontTx/>
+                        <a:buNone/>
+                      </a:pPr>
+                      <a:endParaRPr lang="ko-KR" altLang="en-US" sz="1400" kern="1200" i="0" cap="none" b="0" strike="noStrike">
+                        <a:solidFill>
+                          <a:schemeClr val="tx1"/>
+                        </a:solidFill>
+                        <a:latin typeface="맑은 고딕" charset="0"/>
+                        <a:ea typeface="맑은 고딕" charset="0"/>
+                      </a:endParaRPr>
+                    </a:p>
+                  </a:txBody>
+                  <a:tcPr marL="2540" marR="2540" marT="2540" marB="0" anchor="ctr">
+                    <a:lnL w="12700" cap="flat" cmpd="sng" algn="ctr">
+                      <a:solidFill>
+                        <a:srgbClr val="000000">
+                          <a:alpha val="100000"/>
+                        </a:srgbClr>
+                      </a:solidFill>
+                      <a:prstDash val="solid"/>
+                      <a:round/>
+                      <a:headEnd type="none" w="med" len="med"/>
+                      <a:tailEnd type="none" w="med" len="med"/>
+                    </a:lnL>
+                    <a:lnR w="12700" cap="flat" cmpd="sng" algn="ctr">
+                      <a:solidFill>
+                        <a:srgbClr val="000000">
+                          <a:alpha val="100000"/>
+                        </a:srgbClr>
+                      </a:solidFill>
+                      <a:prstDash val="solid"/>
+                      <a:round/>
+                      <a:headEnd type="none" w="med" len="med"/>
+                      <a:tailEnd type="none" w="med" len="med"/>
+                    </a:lnR>
+                    <a:lnT w="12700" cap="flat" cmpd="sng" algn="ctr">
+                      <a:solidFill>
+                        <a:srgbClr val="000000">
+                          <a:alpha val="100000"/>
+                        </a:srgbClr>
+                      </a:solidFill>
+                      <a:prstDash val="solid"/>
+                      <a:round/>
+                      <a:headEnd type="none" w="med" len="med"/>
+                      <a:tailEnd type="none" w="med" len="med"/>
+                    </a:lnT>
+                    <a:lnB w="12700" cap="flat" cmpd="sng" algn="ctr">
+                      <a:solidFill>
+                        <a:srgbClr val="000000">
+                          <a:alpha val="100000"/>
+                        </a:srgbClr>
+                      </a:solidFill>
+                      <a:prstDash val="solid"/>
+                      <a:round/>
+                      <a:headEnd type="none" w="med" len="med"/>
+                      <a:tailEnd type="none" w="med" len="med"/>
+                    </a:lnB>
+                    <a:lnTlToBr w="0" cap="flat" cmpd="sng" algn="ctr">
+                      <a:noFill/>
+                      <a:prstDash/>
+                      <a:round/>
+                      <a:headEnd type="none" w="med" len="med"/>
+                      <a:tailEnd type="none" w="med" len="med"/>
+                    </a:lnTlToBr>
+                    <a:lnBlToTr w="0" cap="flat" cmpd="sng" algn="ctr">
+                      <a:noFill/>
+                      <a:prstDash/>
+                      <a:round/>
+                      <a:headEnd type="none" w="med" len="med"/>
+                      <a:tailEnd type="none" w="med" len="med"/>
+                    </a:lnBlToTr>
+                  </a:tcPr>
+                </a:tc>
+                <a:tc>
+                  <a:txBody>
+                    <a:bodyPr/>
+                    <a:lstStyle/>
+                    <a:p>
+                      <a:pPr marL="0" indent="0" rtl="0" algn="l" latinLnBrk="0" lvl="1">
+                        <a:buFontTx/>
+                        <a:buNone/>
+                      </a:pPr>
+                      <a:endParaRPr lang="ko-KR" altLang="en-US" sz="1400" kern="1200" i="0" cap="none" b="0" strike="noStrike">
+                        <a:solidFill>
+                          <a:schemeClr val="tx1"/>
+                        </a:solidFill>
+                        <a:latin typeface="맑은 고딕" charset="0"/>
+                        <a:ea typeface="맑은 고딕" charset="0"/>
+                      </a:endParaRPr>
+                    </a:p>
+                  </a:txBody>
+                  <a:tcPr marL="2540" marR="2540" marT="2540" marB="0" anchor="ctr">
+                    <a:lnL w="12700" cap="flat" cmpd="sng" algn="ctr">
+                      <a:solidFill>
+                        <a:srgbClr val="000000">
+                          <a:alpha val="100000"/>
+                        </a:srgbClr>
+                      </a:solidFill>
+                      <a:prstDash val="solid"/>
+                      <a:round/>
+                      <a:headEnd type="none" w="med" len="med"/>
+                      <a:tailEnd type="none" w="med" len="med"/>
+                    </a:lnL>
+                    <a:lnR w="12700" cap="flat" cmpd="sng" algn="ctr">
+                      <a:solidFill>
+                        <a:srgbClr val="000000">
+                          <a:alpha val="100000"/>
+                        </a:srgbClr>
+                      </a:solidFill>
+                      <a:prstDash val="solid"/>
+                      <a:round/>
+                      <a:headEnd type="none" w="med" len="med"/>
+                      <a:tailEnd type="none" w="med" len="med"/>
+                    </a:lnR>
+                    <a:lnT w="12700" cap="flat" cmpd="sng" algn="ctr">
+                      <a:solidFill>
+                        <a:srgbClr val="000000">
+                          <a:alpha val="100000"/>
+                        </a:srgbClr>
+                      </a:solidFill>
+                      <a:prstDash val="solid"/>
+                      <a:round/>
+                      <a:headEnd type="none" w="med" len="med"/>
+                      <a:tailEnd type="none" w="med" len="med"/>
+                    </a:lnT>
+                    <a:lnB w="12700" cap="flat" cmpd="sng" algn="ctr">
+                      <a:solidFill>
+                        <a:srgbClr val="000000">
+                          <a:alpha val="100000"/>
+                        </a:srgbClr>
+                      </a:solidFill>
+                      <a:prstDash val="solid"/>
+                      <a:round/>
+                      <a:headEnd type="none" w="med" len="med"/>
+                      <a:tailEnd type="none" w="med" len="med"/>
+                    </a:lnB>
+                    <a:lnTlToBr w="0" cap="flat" cmpd="sng" algn="ctr">
+                      <a:noFill/>
+                      <a:prstDash/>
+                      <a:round/>
+                      <a:headEnd type="none" w="med" len="med"/>
+                      <a:tailEnd type="none" w="med" len="med"/>
+                    </a:lnTlToBr>
+                    <a:lnBlToTr w="0" cap="flat" cmpd="sng" algn="ctr">
+                      <a:noFill/>
+                      <a:prstDash/>
+                      <a:round/>
+                      <a:headEnd type="none" w="med" len="med"/>
+                      <a:tailEnd type="none" w="med" len="med"/>
+                    </a:lnBlToTr>
+                  </a:tcPr>
+                </a:tc>
+                <a:tc>
+                  <a:txBody>
+                    <a:bodyPr/>
+                    <a:lstStyle/>
+                    <a:p>
+                      <a:pPr marL="0" indent="0" rtl="0" algn="l" latinLnBrk="0" lvl="1">
+                        <a:buFontTx/>
+                        <a:buNone/>
+                      </a:pPr>
+                      <a:endParaRPr lang="ko-KR" altLang="en-US" sz="1400" kern="1200" i="0" cap="none" b="0" strike="noStrike">
+                        <a:solidFill>
+                          <a:schemeClr val="tx1"/>
+                        </a:solidFill>
+                        <a:latin typeface="맑은 고딕" charset="0"/>
+                        <a:ea typeface="맑은 고딕" charset="0"/>
+                      </a:endParaRPr>
+                    </a:p>
+                  </a:txBody>
+                  <a:tcPr marL="2540" marR="2540" marT="2540" marB="0" anchor="ctr">
+                    <a:lnL w="12700" cap="flat" cmpd="sng" algn="ctr">
+                      <a:solidFill>
+                        <a:srgbClr val="000000">
+                          <a:alpha val="100000"/>
+                        </a:srgbClr>
+                      </a:solidFill>
+                      <a:prstDash val="solid"/>
+                      <a:round/>
+                      <a:headEnd type="none" w="med" len="med"/>
+                      <a:tailEnd type="none" w="med" len="med"/>
+                    </a:lnL>
+                    <a:lnR w="12700" cap="flat" cmpd="sng" algn="ctr">
+                      <a:solidFill>
+                        <a:srgbClr val="000000">
+                          <a:alpha val="100000"/>
+                        </a:srgbClr>
+                      </a:solidFill>
+                      <a:prstDash val="solid"/>
+                      <a:round/>
+                      <a:headEnd type="none" w="med" len="med"/>
+                      <a:tailEnd type="none" w="med" len="med"/>
+                    </a:lnR>
+                    <a:lnT w="12700" cap="flat" cmpd="sng" algn="ctr">
+                      <a:solidFill>
+                        <a:srgbClr val="000000">
+                          <a:alpha val="100000"/>
+                        </a:srgbClr>
+                      </a:solidFill>
+                      <a:prstDash val="solid"/>
+                      <a:round/>
+                      <a:headEnd type="none" w="med" len="med"/>
+                      <a:tailEnd type="none" w="med" len="med"/>
+                    </a:lnT>
+                    <a:lnB w="12700" cap="flat" cmpd="sng" algn="ctr">
+                      <a:solidFill>
+                        <a:srgbClr val="000000">
+                          <a:alpha val="100000"/>
+                        </a:srgbClr>
+                      </a:solidFill>
+                      <a:prstDash val="solid"/>
+                      <a:round/>
+                      <a:headEnd type="none" w="med" len="med"/>
+                      <a:tailEnd type="none" w="med" len="med"/>
+                    </a:lnB>
+                    <a:lnTlToBr w="0" cap="flat" cmpd="sng" algn="ctr">
+                      <a:noFill/>
+                      <a:prstDash/>
+                      <a:round/>
+                      <a:headEnd type="none" w="med" len="med"/>
+                      <a:tailEnd type="none" w="med" len="med"/>
+                    </a:lnTlToBr>
+                    <a:lnBlToTr w="0" cap="flat" cmpd="sng" algn="ctr">
+                      <a:noFill/>
+                      <a:prstDash/>
+                      <a:round/>
+                      <a:headEnd type="none" w="med" len="med"/>
+                      <a:tailEnd type="none" w="med" len="med"/>
+                    </a:lnBlToTr>
+                  </a:tcPr>
+                </a:tc>
+                <a:tc>
+                  <a:txBody>
+                    <a:bodyPr/>
+                    <a:lstStyle/>
+                    <a:p>
+                      <a:pPr marL="0" indent="0" rtl="0" algn="l" latinLnBrk="0" lvl="1">
+                        <a:buFontTx/>
+                        <a:buNone/>
+                      </a:pPr>
+                      <a:endParaRPr lang="ko-KR" altLang="en-US" sz="1400" kern="1200" i="0" cap="none" b="0" strike="noStrike">
+                        <a:solidFill>
+                          <a:schemeClr val="tx1"/>
+                        </a:solidFill>
+                        <a:latin typeface="맑은 고딕" charset="0"/>
+                        <a:ea typeface="맑은 고딕" charset="0"/>
+                      </a:endParaRPr>
+                    </a:p>
+                  </a:txBody>
+                  <a:tcPr marL="2540" marR="2540" marT="2540" marB="0" anchor="ctr">
+                    <a:lnL w="12700" cap="flat" cmpd="sng" algn="ctr">
+                      <a:solidFill>
+                        <a:srgbClr val="000000">
+                          <a:alpha val="100000"/>
+                        </a:srgbClr>
+                      </a:solidFill>
+                      <a:prstDash val="solid"/>
+                      <a:round/>
+                      <a:headEnd type="none" w="med" len="med"/>
+                      <a:tailEnd type="none" w="med" len="med"/>
+                    </a:lnL>
+                    <a:lnR w="12700" cap="flat" cmpd="sng" algn="ctr">
+                      <a:solidFill>
+                        <a:srgbClr val="000000">
+                          <a:alpha val="100000"/>
+                        </a:srgbClr>
+                      </a:solidFill>
+                      <a:prstDash val="solid"/>
+                      <a:round/>
+                      <a:headEnd type="none" w="med" len="med"/>
+                      <a:tailEnd type="none" w="med" len="med"/>
+                    </a:lnR>
+                    <a:lnT w="12700" cap="flat" cmpd="sng" algn="ctr">
+                      <a:solidFill>
+                        <a:srgbClr val="000000">
+                          <a:alpha val="100000"/>
+                        </a:srgbClr>
+                      </a:solidFill>
+                      <a:prstDash val="solid"/>
+                      <a:round/>
+                      <a:headEnd type="none" w="med" len="med"/>
+                      <a:tailEnd type="none" w="med" len="med"/>
+                    </a:lnT>
+                    <a:lnB w="12700" cap="flat" cmpd="sng" algn="ctr">
+                      <a:solidFill>
+                        <a:srgbClr val="000000">
+                          <a:alpha val="100000"/>
+                        </a:srgbClr>
+                      </a:solidFill>
+                      <a:prstDash val="solid"/>
+                      <a:round/>
+                      <a:headEnd type="none" w="med" len="med"/>
+                      <a:tailEnd type="none" w="med" len="med"/>
+                    </a:lnB>
+                    <a:lnTlToBr w="0" cap="flat" cmpd="sng" algn="ctr">
+                      <a:noFill/>
+                      <a:prstDash/>
+                      <a:round/>
+                      <a:headEnd type="none" w="med" len="med"/>
+                      <a:tailEnd type="none" w="med" len="med"/>
+                    </a:lnTlToBr>
+                    <a:lnBlToTr w="0" cap="flat" cmpd="sng" algn="ctr">
+                      <a:noFill/>
+                      <a:prstDash/>
+                      <a:round/>
+                      <a:headEnd type="none" w="med" len="med"/>
+                      <a:tailEnd type="none" w="med" len="med"/>
+                    </a:lnBlToTr>
+                  </a:tcPr>
+                </a:tc>
+                <a:tc>
+                  <a:txBody>
+                    <a:bodyPr/>
+                    <a:lstStyle/>
+                    <a:p>
+                      <a:pPr marL="0" indent="0" rtl="0" algn="ctr" latinLnBrk="0" lvl="1">
+                        <a:buFontTx/>
+                        <a:buNone/>
+                      </a:pPr>
+                      <a:endParaRPr lang="ko-KR" altLang="en-US" sz="1400" kern="1200" i="0" cap="none" b="0" strike="noStrike">
+                        <a:solidFill>
+                          <a:schemeClr val="tx1"/>
+                        </a:solidFill>
+                        <a:latin typeface="맑은 고딕" charset="0"/>
+                        <a:ea typeface="맑은 고딕" charset="0"/>
+                      </a:endParaRPr>
+                    </a:p>
+                  </a:txBody>
+                  <a:tcPr marL="2540" marR="2540" marT="2540" marB="0" anchor="ctr">
+                    <a:lnL w="12700" cap="flat" cmpd="sng" algn="ctr">
+                      <a:solidFill>
+                        <a:srgbClr val="000000">
+                          <a:alpha val="100000"/>
+                        </a:srgbClr>
+                      </a:solidFill>
+                      <a:prstDash val="solid"/>
+                      <a:round/>
+                      <a:headEnd type="none" w="med" len="med"/>
+                      <a:tailEnd type="none" w="med" len="med"/>
+                    </a:lnL>
+                    <a:lnR w="12700" cap="flat" cmpd="sng" algn="ctr">
+                      <a:solidFill>
+                        <a:srgbClr val="000000">
+                          <a:alpha val="100000"/>
+                        </a:srgbClr>
+                      </a:solidFill>
+                      <a:prstDash val="solid"/>
+                      <a:round/>
+                      <a:headEnd type="none" w="med" len="med"/>
+                      <a:tailEnd type="none" w="med" len="med"/>
+                    </a:lnR>
+                    <a:lnT w="12700" cap="flat" cmpd="sng" algn="ctr">
+                      <a:solidFill>
+                        <a:srgbClr val="000000">
+                          <a:alpha val="100000"/>
+                        </a:srgbClr>
+                      </a:solidFill>
+                      <a:prstDash val="solid"/>
+                      <a:round/>
+                      <a:headEnd type="none" w="med" len="med"/>
+                      <a:tailEnd type="none" w="med" len="med"/>
+                    </a:lnT>
+                    <a:lnB w="12700" cap="flat" cmpd="sng" algn="ctr">
+                      <a:solidFill>
+                        <a:srgbClr val="000000">
+                          <a:alpha val="100000"/>
+                        </a:srgbClr>
+                      </a:solidFill>
+                      <a:prstDash val="solid"/>
+                      <a:round/>
+                      <a:headEnd type="none" w="med" len="med"/>
+                      <a:tailEnd type="none" w="med" len="med"/>
+                    </a:lnB>
+                    <a:lnTlToBr w="0" cap="flat" cmpd="sng" algn="ctr">
+                      <a:noFill/>
+                      <a:prstDash/>
+                      <a:round/>
+                      <a:headEnd type="none" w="med" len="med"/>
+                      <a:tailEnd type="none" w="med" len="med"/>
+                    </a:lnTlToBr>
+                    <a:lnBlToTr w="0" cap="flat" cmpd="sng" algn="ctr">
+                      <a:noFill/>
+                      <a:prstDash/>
+                      <a:round/>
+                      <a:headEnd type="none" w="med" len="med"/>
+                      <a:tailEnd type="none" w="med" len="med"/>
+                    </a:lnBlToTr>
+                    <a:solidFill>
+                      <a:srgbClr val="F7F0DF"/>
+                    </a:solidFill>
+                  </a:tcPr>
+                </a:tc>
+                <a:tc>
+                  <a:txBody>
+                    <a:bodyPr/>
+                    <a:lstStyle/>
+                    <a:p>
+                      <a:pPr marL="0" indent="0" rtl="0" algn="ctr" latinLnBrk="0" lvl="1">
+                        <a:buFontTx/>
+                        <a:buNone/>
+                      </a:pPr>
+                      <a:endParaRPr lang="ko-KR" altLang="en-US" sz="1400" kern="1200" i="0" cap="none" b="0" strike="noStrike">
+                        <a:solidFill>
+                          <a:schemeClr val="tx1"/>
+                        </a:solidFill>
+                        <a:latin typeface="맑은 고딕" charset="0"/>
+                        <a:ea typeface="맑은 고딕" charset="0"/>
+                      </a:endParaRPr>
+                    </a:p>
+                  </a:txBody>
+                  <a:tcPr marL="2540" marR="2540" marT="2540" marB="0" anchor="ctr">
+                    <a:lnL w="12700" cap="flat" cmpd="sng" algn="ctr">
+                      <a:solidFill>
+                        <a:srgbClr val="000000">
+                          <a:alpha val="100000"/>
+                        </a:srgbClr>
+                      </a:solidFill>
+                      <a:prstDash val="solid"/>
+                      <a:round/>
+                      <a:headEnd type="none" w="med" len="med"/>
+                      <a:tailEnd type="none" w="med" len="med"/>
+                    </a:lnL>
+                    <a:lnR w="12700" cap="flat" cmpd="sng" algn="ctr">
+                      <a:solidFill>
+                        <a:srgbClr val="000000">
+                          <a:alpha val="100000"/>
+                        </a:srgbClr>
+                      </a:solidFill>
+                      <a:prstDash val="solid"/>
+                      <a:round/>
+                      <a:headEnd type="none" w="med" len="med"/>
+                      <a:tailEnd type="none" w="med" len="med"/>
+                    </a:lnR>
+                    <a:lnT w="12700" cap="flat" cmpd="sng" algn="ctr">
+                      <a:solidFill>
+                        <a:srgbClr val="000000">
+                          <a:alpha val="100000"/>
+                        </a:srgbClr>
+                      </a:solidFill>
+                      <a:prstDash val="solid"/>
+                      <a:round/>
+                      <a:headEnd type="none" w="med" len="med"/>
+                      <a:tailEnd type="none" w="med" len="med"/>
+                    </a:lnT>
+                    <a:lnB w="12700" cap="flat" cmpd="sng" algn="ctr">
+                      <a:solidFill>
+                        <a:srgbClr val="000000">
+                          <a:alpha val="100000"/>
+                        </a:srgbClr>
+                      </a:solidFill>
+                      <a:prstDash val="solid"/>
+                      <a:round/>
+                      <a:headEnd type="none" w="med" len="med"/>
+                      <a:tailEnd type="none" w="med" len="med"/>
+                    </a:lnB>
+                    <a:lnTlToBr w="0" cap="flat" cmpd="sng" algn="ctr">
+                      <a:noFill/>
+                      <a:prstDash/>
+                      <a:round/>
+                      <a:headEnd type="none" w="med" len="med"/>
+                      <a:tailEnd type="none" w="med" len="med"/>
+                    </a:lnTlToBr>
+                    <a:lnBlToTr w="0" cap="flat" cmpd="sng" algn="ctr">
+                      <a:noFill/>
+                      <a:prstDash/>
+                      <a:round/>
+                      <a:headEnd type="none" w="med" len="med"/>
+                      <a:tailEnd type="none" w="med" len="med"/>
+                    </a:lnBlToTr>
+                    <a:solidFill>
+                      <a:srgbClr val="F7F0DF"/>
+                    </a:solidFill>
+                  </a:tcPr>
+                </a:tc>
+                <a:tc>
+                  <a:txBody>
+                    <a:bodyPr/>
+                    <a:lstStyle/>
+                    <a:p>
+                      <a:pPr marL="0" indent="0" rtl="0" algn="ctr" latinLnBrk="0" lvl="1">
+                        <a:buFontTx/>
+                        <a:buNone/>
+                      </a:pPr>
+                      <a:endParaRPr lang="ko-KR" altLang="en-US" sz="1400" kern="1200" i="0" cap="none" b="0" strike="noStrike">
+                        <a:solidFill>
+                          <a:schemeClr val="tx1"/>
+                        </a:solidFill>
+                        <a:latin typeface="맑은 고딕" charset="0"/>
+                        <a:ea typeface="맑은 고딕" charset="0"/>
+                      </a:endParaRPr>
+                    </a:p>
+                  </a:txBody>
+                  <a:tcPr marL="2540" marR="2540" marT="2540" marB="0" anchor="ctr">
+                    <a:lnL w="12700" cap="flat" cmpd="sng" algn="ctr">
+                      <a:solidFill>
+                        <a:srgbClr val="000000">
+                          <a:alpha val="100000"/>
+                        </a:srgbClr>
+                      </a:solidFill>
+                      <a:prstDash val="solid"/>
+                      <a:round/>
+                      <a:headEnd type="none" w="med" len="med"/>
+                      <a:tailEnd type="none" w="med" len="med"/>
+                    </a:lnL>
+                    <a:lnR w="12700" cap="flat" cmpd="sng" algn="ctr">
+                      <a:solidFill>
+                        <a:srgbClr val="000000">
+                          <a:alpha val="100000"/>
+                        </a:srgbClr>
+                      </a:solidFill>
+                      <a:prstDash val="solid"/>
+                      <a:round/>
+                      <a:headEnd type="none" w="med" len="med"/>
+                      <a:tailEnd type="none" w="med" len="med"/>
+                    </a:lnR>
+                    <a:lnT w="12700" cap="flat" cmpd="sng" algn="ctr">
+                      <a:solidFill>
+                        <a:srgbClr val="000000">
+                          <a:alpha val="100000"/>
+                        </a:srgbClr>
+                      </a:solidFill>
+                      <a:prstDash val="solid"/>
+                      <a:round/>
+                      <a:headEnd type="none" w="med" len="med"/>
+                      <a:tailEnd type="none" w="med" len="med"/>
+                    </a:lnT>
+                    <a:lnB w="12700" cap="flat" cmpd="sng" algn="ctr">
+                      <a:solidFill>
+                        <a:srgbClr val="000000">
+                          <a:alpha val="100000"/>
+                        </a:srgbClr>
+                      </a:solidFill>
+                      <a:prstDash val="solid"/>
+                      <a:round/>
+                      <a:headEnd type="none" w="med" len="med"/>
+                      <a:tailEnd type="none" w="med" len="med"/>
+                    </a:lnB>
+                    <a:lnTlToBr w="0" cap="flat" cmpd="sng" algn="ctr">
+                      <a:noFill/>
+                      <a:prstDash/>
+                      <a:round/>
+                      <a:headEnd type="none" w="med" len="med"/>
+                      <a:tailEnd type="none" w="med" len="med"/>
+                    </a:lnTlToBr>
+                    <a:lnBlToTr w="0" cap="flat" cmpd="sng" algn="ctr">
+                      <a:noFill/>
+                      <a:prstDash/>
+                      <a:round/>
+                      <a:headEnd type="none" w="med" len="med"/>
+                      <a:tailEnd type="none" w="med" len="med"/>
+                    </a:lnBlToTr>
+                    <a:solidFill>
+                      <a:srgbClr val="F7F0DF"/>
+                    </a:solidFill>
+                  </a:tcPr>
+                </a:tc>
+                <a:tc gridSpan="3">
+                  <a:txBody>
+                    <a:bodyPr/>
+                    <a:lstStyle/>
+                    <a:p>
+                      <a:pPr marL="0" indent="0" rtl="0" algn="ctr" latinLnBrk="0" lvl="1">
+                        <a:buFontTx/>
+                        <a:buNone/>
+                      </a:pPr>
+                      <a:r>
+                        <a:rPr sz="1400" kern="1200" cap="none" i="0" b="0" strike="noStrike">
+                          <a:solidFill>
+                            <a:schemeClr val="tx1"/>
+                          </a:solidFill>
+                          <a:latin typeface="맑은 고딕" charset="0"/>
+                          <a:ea typeface="맑은 고딕" charset="0"/>
+                        </a:rPr>
+                        <a:t>2/1</a:t>
+                      </a:r>
+                      <a:r>
+                        <a:rPr lang="ko-KR" sz="1400" kern="1200" cap="none" i="0" b="0" strike="noStrike">
+                          <a:solidFill>
+                            <a:schemeClr val="tx1"/>
+                          </a:solidFill>
+                          <a:latin typeface="맑은 고딕" charset="0"/>
+                          <a:ea typeface="맑은 고딕" charset="0"/>
+                        </a:rPr>
+                        <a:t>4</a:t>
+                      </a:r>
+                      <a:r>
+                        <a:rPr sz="1400" kern="1200" cap="none" i="0" b="0" strike="noStrike">
+                          <a:solidFill>
+                            <a:schemeClr val="tx1"/>
+                          </a:solidFill>
+                          <a:latin typeface="맑은 고딕" charset="0"/>
+                          <a:ea typeface="맑은 고딕" charset="0"/>
+                        </a:rPr>
+                        <a:t>~2/1</a:t>
+                      </a:r>
+                      <a:r>
+                        <a:rPr sz="1400" kern="1200" cap="none" i="0" b="0" strike="noStrike">
+                          <a:solidFill>
+                            <a:schemeClr val="tx1"/>
+                          </a:solidFill>
+                          <a:latin typeface="맑은 고딕" charset="0"/>
+                          <a:ea typeface="맑은 고딕" charset="0"/>
+                        </a:rPr>
+                        <a:t>5</a:t>
+                      </a:r>
+                      <a:endParaRPr lang="ko-KR" altLang="en-US" sz="1400" kern="1200" i="0" cap="none" b="0" strike="noStrike">
+                        <a:solidFill>
+                          <a:schemeClr val="tx1"/>
+                        </a:solidFill>
+                        <a:latin typeface="맑은 고딕" charset="0"/>
+                        <a:ea typeface="맑은 고딕" charset="0"/>
+                      </a:endParaRPr>
+                    </a:p>
+                  </a:txBody>
+                  <a:tcPr marL="2540" marR="2540" marT="2540" marB="0" anchor="ctr">
+                    <a:lnL w="12700" cap="flat" cmpd="sng" algn="ctr">
+                      <a:solidFill>
+                        <a:srgbClr val="000000">
+                          <a:alpha val="100000"/>
+                        </a:srgbClr>
+                      </a:solidFill>
+                      <a:prstDash val="solid"/>
+                      <a:round/>
+                      <a:headEnd type="none" w="med" len="med"/>
+                      <a:tailEnd type="none" w="med" len="med"/>
+                    </a:lnL>
+                    <a:lnR w="12700" cap="flat" cmpd="sng" algn="ctr">
+                      <a:solidFill>
+                        <a:srgbClr val="000000">
+                          <a:alpha val="100000"/>
+                        </a:srgbClr>
+                      </a:solidFill>
+                      <a:prstDash val="solid"/>
+                      <a:round/>
+                      <a:headEnd type="none" w="med" len="med"/>
+                      <a:tailEnd type="none" w="med" len="med"/>
+                    </a:lnR>
+                    <a:lnT w="12700" cap="flat" cmpd="sng" algn="ctr">
+                      <a:solidFill>
+                        <a:srgbClr val="000000">
+                          <a:alpha val="100000"/>
+                        </a:srgbClr>
+                      </a:solidFill>
+                      <a:prstDash val="solid"/>
+                      <a:round/>
+                      <a:headEnd type="none" w="med" len="med"/>
+                      <a:tailEnd type="none" w="med" len="med"/>
+                    </a:lnT>
+                    <a:lnB w="12700" cap="flat" cmpd="sng" algn="ctr">
+                      <a:solidFill>
+                        <a:srgbClr val="000000">
+                          <a:alpha val="100000"/>
+                        </a:srgbClr>
+                      </a:solidFill>
+                      <a:prstDash val="solid"/>
+                      <a:round/>
+                      <a:headEnd type="none" w="med" len="med"/>
+                      <a:tailEnd type="none" w="med" len="med"/>
+                    </a:lnB>
+                    <a:lnTlToBr w="0" cap="flat" cmpd="sng" algn="ctr">
+                      <a:noFill/>
+                      <a:prstDash/>
+                      <a:round/>
+                      <a:headEnd type="none" w="med" len="med"/>
+                      <a:tailEnd type="none" w="med" len="med"/>
+                    </a:lnTlToBr>
+                    <a:lnBlToTr w="0" cap="flat" cmpd="sng" algn="ctr">
+                      <a:noFill/>
+                      <a:prstDash/>
+                      <a:round/>
+                      <a:headEnd type="none" w="med" len="med"/>
+                      <a:tailEnd type="none" w="med" len="med"/>
+                    </a:lnBlToTr>
+                    <a:solidFill>
+                      <a:srgbClr val="BFBFBF"/>
+                    </a:solidFill>
+                  </a:tcPr>
+                </a:tc>
+                <a:tc hMerge="1">
+                  <a:txBody>
+                    <a:bodyPr/>
+                    <a:lstStyle/>
+                    <a:p>
+                      <a:pPr/>
+                      <a:endParaRPr lang="ko-KR" altLang="en-US" kern="1200"/>
+                    </a:p>
+                  </a:txBody>
                 </a:tc>
                 <a:tc hMerge="1">
                   <a:txBody>
@@ -14224,18 +18048,18 @@
       </p:grpSpPr>
       <p:sp>
         <p:nvSpPr>
-          <p:cNvPr id="2" name="제목 1"/>
+          <p:cNvPr id="2" name="제목 29"/>
           <p:cNvSpPr txBox="1">
             <a:spLocks/>
           </p:cNvSpPr>
           <p:nvPr>
-            <p:ph type="title"/>
+            <p:ph type="title" idx="2"/>
           </p:nvPr>
         </p:nvSpPr>
         <p:spPr>
           <a:xfrm rot="0">
-            <a:off x="609600" y="808355"/>
-            <a:ext cx="10974070" cy="1144270"/>
+            <a:off x="679450" y="445135"/>
+            <a:ext cx="10843895" cy="1144905"/>
           </a:xfrm>
           <a:prstGeom prst="rect"/>
         </p:spPr>
@@ -14245,78 +18069,111 @@
           </a:bodyPr>
           <a:lstStyle/>
           <a:p>
-            <a:pPr marL="0" indent="0" rtl="0"/>
+            <a:pPr marL="0" indent="0" rtl="0" algn="ctr" defTabSz="914400" eaLnBrk="1" latinLnBrk="0" hangingPunct="1">
+              <a:buFontTx/>
+              <a:buNone/>
+            </a:pPr>
             <a:r>
               <a:rPr lang="ko-KR" altLang="en-US" sz="4400" b="1">
                 <a:latin typeface="맑은 고딕" charset="0"/>
                 <a:ea typeface="맑은 고딕" charset="0"/>
-                <a:cs typeface="+mn-cs"/>
+                <a:cs typeface="+mj-cs"/>
               </a:rPr>
-              <a:t>깃허브</a:t>
+              <a:t>3.</a:t>
             </a:r>
             <a:r>
               <a:rPr lang="ko-KR" altLang="en-US" sz="4400" b="1">
-                <a:latin typeface="+mn-lt"/>
-                <a:ea typeface="+mn-ea"/>
-                <a:cs typeface="+mn-cs"/>
+                <a:latin typeface="맑은 고딕" charset="0"/>
+                <a:ea typeface="맑은 고딕" charset="0"/>
+                <a:cs typeface="+mj-cs"/>
               </a:rPr>
-              <a:t> </a:t>
-            </a:r>
-            <a:r>
-              <a:rPr lang="ko-KR" altLang="en-US" sz="4400" b="1">
-                <a:latin typeface="+mn-lt"/>
-                <a:ea typeface="+mn-ea"/>
-                <a:cs typeface="+mn-cs"/>
-              </a:rPr>
-              <a:t>주소</a:t>
+              <a:t> 화면 설계</a:t>
             </a:r>
             <a:endParaRPr lang="ko-KR" altLang="en-US" sz="4400" b="1">
-              <a:latin typeface="+mn-lt"/>
-              <a:ea typeface="+mn-ea"/>
-              <a:cs typeface="+mn-cs"/>
+              <a:latin typeface="맑은 고딕" charset="0"/>
+              <a:ea typeface="맑은 고딕" charset="0"/>
+              <a:cs typeface="+mj-cs"/>
             </a:endParaRPr>
           </a:p>
         </p:txBody>
       </p:sp>
       <p:sp>
         <p:nvSpPr>
-          <p:cNvPr id="3" name="내용 개체 틀 2"/>
+          <p:cNvPr id="4" name="텍스트 개체 틀 31"/>
           <p:cNvSpPr txBox="1">
             <a:spLocks/>
           </p:cNvSpPr>
           <p:nvPr>
-            <p:ph type="obj" idx="1"/>
+            <p:ph type="title" idx="3"/>
           </p:nvPr>
         </p:nvSpPr>
         <p:spPr>
           <a:xfrm rot="0">
-            <a:off x="2286000" y="2981325"/>
-            <a:ext cx="7620635" cy="905510"/>
+            <a:off x="1377315" y="1378585"/>
+            <a:ext cx="8427085" cy="763270"/>
           </a:xfrm>
           <a:prstGeom prst="rect"/>
         </p:spPr>
         <p:txBody>
-          <a:bodyPr wrap="square" lIns="91440" tIns="45720" rIns="91440" bIns="45720" numCol="1" vert="horz" anchor="t">
-            <a:normAutofit fontScale="100000" lnSpcReduction="0"/>
+          <a:bodyPr wrap="square" lIns="91440" tIns="45720" rIns="91440" bIns="45720" numCol="1" vert="horz" anchor="ctr">
+            <a:noAutofit/>
           </a:bodyPr>
           <a:lstStyle/>
           <a:p>
-            <a:pPr marL="342900" indent="-342900" latinLnBrk="0">
-              <a:buFont typeface="Arial"/>
-              <a:buChar char="•"/>
+            <a:pPr marL="0" indent="0" rtl="0" algn="l" defTabSz="914400" eaLnBrk="1" latinLnBrk="0" hangingPunct="1">
+              <a:buFontTx/>
+              <a:buNone/>
             </a:pPr>
             <a:r>
-              <a:rPr lang="ko-KR" altLang="en-US" sz="2800">
-                <a:latin typeface="맑은 고딕" charset="0"/>
+              <a:rPr lang="ko-KR" sz="3200" b="1">
+                <a:latin typeface="Calibri" charset="0"/>
                 <a:ea typeface="맑은 고딕" charset="0"/>
-                <a:cs typeface="+mn-cs"/>
               </a:rPr>
-              <a:t>https://github.com/yeongbhinkim/aptPrice</a:t>
+              <a:t>3.4.</a:t>
             </a:r>
-            <a:endParaRPr lang="ko-KR" altLang="en-US"/>
+            <a:r>
+              <a:rPr lang="ko-KR" sz="3200" b="1">
+                <a:latin typeface="Calibri" charset="0"/>
+                <a:ea typeface="맑은 고딕" charset="0"/>
+              </a:rPr>
+              <a:t> 웹뷰 홈</a:t>
+            </a:r>
+            <a:endParaRPr lang="ko-KR" altLang="en-US" sz="3200" b="1">
+              <a:latin typeface="Calibri" charset="0"/>
+              <a:ea typeface="맑은 고딕" charset="0"/>
+            </a:endParaRPr>
           </a:p>
         </p:txBody>
       </p:sp>
+      <p:pic>
+        <p:nvPicPr>
+          <p:cNvPr id="5" name="Picture " descr="C:/Users/abc28/AppData/Roaming/PolarisOffice/ETemp/14892_14092000/fImage6185318641.png"/>
+          <p:cNvPicPr>
+            <a:picLocks noChangeAspect="1"/>
+          </p:cNvPicPr>
+          <p:nvPr/>
+        </p:nvPicPr>
+        <p:blipFill rotWithShape="1">
+          <a:blip r:embed="rId2" cstate="print">
+            <a:extLst>
+              <a:ext uri="{28A0092B-C50C-407E-A947-70E740481C1C}">
+                <a14:useLocalDpi xmlns:a14="http://schemas.microsoft.com/office/drawing/2010/main" val="0"/>
+              </a:ext>
+            </a:extLst>
+          </a:blip>
+          <a:stretch>
+            <a:fillRect/>
+          </a:stretch>
+        </p:blipFill>
+        <p:spPr>
+          <a:xfrm rot="0">
+            <a:off x="5166360" y="2139315"/>
+            <a:ext cx="2014220" cy="4053205"/>
+          </a:xfrm>
+          <a:prstGeom prst="rect"/>
+          <a:noFill/>
+        </p:spPr>
+      </p:pic>
     </p:spTree>
   </p:cSld>
   <p:clrMapOvr>
@@ -14330,6 +18187,210 @@
       <p:transition spd="slow"/>
     </mc:Fallback>
   </mc:AlternateContent>
+  <p:timing>
+    <p:tnLst>
+      <p:par>
+        <p:cTn id="1" dur="indefinite" restart="never" nodeType="tmRoot"/>
+      </p:par>
+    </p:tnLst>
+  </p:timing>
+</p:sld>
+</file>
+
+<file path=ppt/slides/slide9.xml><?xml version="1.0" encoding="utf-8"?>
+<p:sld xmlns:a="http://schemas.openxmlformats.org/drawingml/2006/main" xmlns:r="http://schemas.openxmlformats.org/officeDocument/2006/relationships" xmlns:p="http://schemas.openxmlformats.org/presentationml/2006/main">
+  <p:cSld>
+    <p:spTree>
+      <p:nvGrpSpPr>
+        <p:cNvPr id="1" name=""/>
+        <p:cNvGrpSpPr/>
+        <p:nvPr/>
+      </p:nvGrpSpPr>
+      <p:grpSpPr>
+        <a:xfrm>
+          <a:off x="0" y="0"/>
+          <a:ext cx="0" cy="0"/>
+          <a:chOff x="0" y="0"/>
+          <a:chExt cx="0" cy="0"/>
+        </a:xfrm>
+      </p:grpSpPr>
+      <p:sp>
+        <p:nvSpPr>
+          <p:cNvPr id="2" name="제목 29"/>
+          <p:cNvSpPr txBox="1">
+            <a:spLocks/>
+          </p:cNvSpPr>
+          <p:nvPr>
+            <p:ph type="title" idx="2"/>
+          </p:nvPr>
+        </p:nvSpPr>
+        <p:spPr>
+          <a:xfrm rot="0">
+            <a:off x="679450" y="445135"/>
+            <a:ext cx="10843895" cy="1144905"/>
+          </a:xfrm>
+          <a:prstGeom prst="rect"/>
+        </p:spPr>
+        <p:txBody>
+          <a:bodyPr wrap="square" lIns="91440" tIns="45720" rIns="91440" bIns="45720" numCol="1" vert="horz" anchor="ctr">
+            <a:normAutofit fontScale="100000" lnSpcReduction="0"/>
+          </a:bodyPr>
+          <a:lstStyle/>
+          <a:p>
+            <a:pPr marL="0" indent="0" rtl="0" algn="ctr" defTabSz="914400" eaLnBrk="1" latinLnBrk="0" hangingPunct="1">
+              <a:buFontTx/>
+              <a:buNone/>
+            </a:pPr>
+            <a:r>
+              <a:rPr lang="ko-KR" altLang="en-US" sz="4400" b="1">
+                <a:latin typeface="맑은 고딕" charset="0"/>
+                <a:ea typeface="맑은 고딕" charset="0"/>
+                <a:cs typeface="+mj-cs"/>
+              </a:rPr>
+              <a:t>3.</a:t>
+            </a:r>
+            <a:r>
+              <a:rPr lang="ko-KR" altLang="en-US" sz="4400" b="1">
+                <a:latin typeface="맑은 고딕" charset="0"/>
+                <a:ea typeface="맑은 고딕" charset="0"/>
+                <a:cs typeface="+mj-cs"/>
+              </a:rPr>
+              <a:t> 화면 설계</a:t>
+            </a:r>
+            <a:endParaRPr lang="ko-KR" altLang="en-US" sz="4400" b="1">
+              <a:latin typeface="맑은 고딕" charset="0"/>
+              <a:ea typeface="맑은 고딕" charset="0"/>
+              <a:cs typeface="+mj-cs"/>
+            </a:endParaRPr>
+          </a:p>
+        </p:txBody>
+      </p:sp>
+      <p:sp>
+        <p:nvSpPr>
+          <p:cNvPr id="4" name="텍스트 개체 틀 31"/>
+          <p:cNvSpPr txBox="1">
+            <a:spLocks/>
+          </p:cNvSpPr>
+          <p:nvPr>
+            <p:ph type="title" idx="3"/>
+          </p:nvPr>
+        </p:nvSpPr>
+        <p:spPr>
+          <a:xfrm rot="0">
+            <a:off x="1377315" y="1378585"/>
+            <a:ext cx="8427085" cy="763270"/>
+          </a:xfrm>
+          <a:prstGeom prst="rect"/>
+        </p:spPr>
+        <p:txBody>
+          <a:bodyPr wrap="square" lIns="91440" tIns="45720" rIns="91440" bIns="45720" numCol="1" vert="horz" anchor="ctr">
+            <a:noAutofit/>
+          </a:bodyPr>
+          <a:lstStyle/>
+          <a:p>
+            <a:pPr marL="0" indent="0" rtl="0" algn="l" defTabSz="914400" eaLnBrk="1" latinLnBrk="0" hangingPunct="1">
+              <a:buFontTx/>
+              <a:buNone/>
+            </a:pPr>
+            <a:r>
+              <a:rPr lang="ko-KR" sz="3200" b="1">
+                <a:latin typeface="Calibri" charset="0"/>
+                <a:ea typeface="맑은 고딕" charset="0"/>
+              </a:rPr>
+              <a:t>3.5.</a:t>
+            </a:r>
+            <a:r>
+              <a:rPr lang="ko-KR" sz="3200" b="1">
+                <a:latin typeface="Calibri" charset="0"/>
+                <a:ea typeface="맑은 고딕" charset="0"/>
+              </a:rPr>
+              <a:t> 웹뷰 메인</a:t>
+            </a:r>
+            <a:endParaRPr lang="ko-KR" altLang="en-US" sz="3200" b="1">
+              <a:latin typeface="Calibri" charset="0"/>
+              <a:ea typeface="맑은 고딕" charset="0"/>
+            </a:endParaRPr>
+          </a:p>
+        </p:txBody>
+      </p:sp>
+      <p:pic>
+        <p:nvPicPr>
+          <p:cNvPr id="6" name="그림 29" descr="C:/Users/abc28/AppData/Roaming/PolarisOffice/ETemp/14892_14092000/fImage672201698467.png"/>
+          <p:cNvPicPr>
+            <a:picLocks noChangeAspect="1"/>
+          </p:cNvPicPr>
+          <p:nvPr/>
+        </p:nvPicPr>
+        <p:blipFill rotWithShape="1">
+          <a:blip r:embed="rId2" cstate="print">
+            <a:extLst>
+              <a:ext uri="{28A0092B-C50C-407E-A947-70E740481C1C}">
+                <a14:useLocalDpi xmlns:a14="http://schemas.microsoft.com/office/drawing/2010/main" val="0"/>
+              </a:ext>
+            </a:extLst>
+          </a:blip>
+          <a:stretch>
+            <a:fillRect/>
+          </a:stretch>
+        </p:blipFill>
+        <p:spPr>
+          <a:xfrm rot="0">
+            <a:off x="3749040" y="2252980"/>
+            <a:ext cx="1980565" cy="4040505"/>
+          </a:xfrm>
+          <a:prstGeom prst="rect"/>
+          <a:noFill/>
+        </p:spPr>
+      </p:pic>
+      <p:pic>
+        <p:nvPicPr>
+          <p:cNvPr id="7" name="그림 30" descr="C:/Users/abc28/AppData/Roaming/PolarisOffice/ETemp/14892_14092000/fImage633861706334.png"/>
+          <p:cNvPicPr>
+            <a:picLocks noChangeAspect="1"/>
+          </p:cNvPicPr>
+          <p:nvPr/>
+        </p:nvPicPr>
+        <p:blipFill rotWithShape="1">
+          <a:blip r:embed="rId3" cstate="print">
+            <a:extLst>
+              <a:ext uri="{28A0092B-C50C-407E-A947-70E740481C1C}">
+                <a14:useLocalDpi xmlns:a14="http://schemas.microsoft.com/office/drawing/2010/main" val="0"/>
+              </a:ext>
+            </a:extLst>
+          </a:blip>
+          <a:stretch>
+            <a:fillRect/>
+          </a:stretch>
+        </p:blipFill>
+        <p:spPr>
+          <a:xfrm rot="0">
+            <a:off x="6439535" y="2252980"/>
+            <a:ext cx="1945640" cy="4078605"/>
+          </a:xfrm>
+          <a:prstGeom prst="rect"/>
+          <a:noFill/>
+        </p:spPr>
+      </p:pic>
+    </p:spTree>
+  </p:cSld>
+  <p:clrMapOvr>
+    <a:masterClrMapping/>
+  </p:clrMapOvr>
+  <mc:AlternateContent xmlns:mc="http://schemas.openxmlformats.org/markup-compatibility/2006">
+    <mc:Choice xmlns:p14="http://schemas.microsoft.com/office/powerpoint/2010/main" Requires="p14">
+      <p:transition spd="slow" p14:dur="1000"/>
+    </mc:Choice>
+    <mc:Fallback>
+      <p:transition spd="slow"/>
+    </mc:Fallback>
+  </mc:AlternateContent>
+  <p:timing>
+    <p:tnLst>
+      <p:par>
+        <p:cTn id="1" dur="indefinite" restart="never" nodeType="tmRoot"/>
+      </p:par>
+    </p:tnLst>
+  </p:timing>
 </p:sld>
 </file>
 
